--- a/IesHttpThesis.pptx
+++ b/IesHttpThesis.pptx
@@ -5,10 +5,10 @@
     <p:sldMasterId id="2147483648" r:id="rId1"/>
   </p:sldMasterIdLst>
   <p:notesMasterIdLst>
-    <p:notesMasterId r:id="rId62"/>
+    <p:notesMasterId r:id="rId63"/>
   </p:notesMasterIdLst>
   <p:handoutMasterIdLst>
-    <p:handoutMasterId r:id="rId63"/>
+    <p:handoutMasterId r:id="rId64"/>
   </p:handoutMasterIdLst>
   <p:sldIdLst>
     <p:sldId id="396" r:id="rId2"/>
@@ -28,13 +28,13 @@
     <p:sldId id="442" r:id="rId16"/>
     <p:sldId id="437" r:id="rId17"/>
     <p:sldId id="399" r:id="rId18"/>
-    <p:sldId id="443" r:id="rId19"/>
-    <p:sldId id="445" r:id="rId20"/>
-    <p:sldId id="444" r:id="rId21"/>
-    <p:sldId id="446" r:id="rId22"/>
-    <p:sldId id="450" r:id="rId23"/>
-    <p:sldId id="449" r:id="rId24"/>
-    <p:sldId id="447" r:id="rId25"/>
+    <p:sldId id="445" r:id="rId19"/>
+    <p:sldId id="444" r:id="rId20"/>
+    <p:sldId id="446" r:id="rId21"/>
+    <p:sldId id="450" r:id="rId22"/>
+    <p:sldId id="449" r:id="rId23"/>
+    <p:sldId id="447" r:id="rId24"/>
+    <p:sldId id="443" r:id="rId25"/>
     <p:sldId id="452" r:id="rId26"/>
     <p:sldId id="451" r:id="rId27"/>
     <p:sldId id="453" r:id="rId28"/>
@@ -67,10 +67,11 @@
     <p:sldId id="481" r:id="rId55"/>
     <p:sldId id="482" r:id="rId56"/>
     <p:sldId id="483" r:id="rId57"/>
-    <p:sldId id="431" r:id="rId58"/>
-    <p:sldId id="284" r:id="rId59"/>
-    <p:sldId id="280" r:id="rId60"/>
-    <p:sldId id="343" r:id="rId61"/>
+    <p:sldId id="487" r:id="rId58"/>
+    <p:sldId id="431" r:id="rId59"/>
+    <p:sldId id="284" r:id="rId60"/>
+    <p:sldId id="280" r:id="rId61"/>
+    <p:sldId id="343" r:id="rId62"/>
   </p:sldIdLst>
   <p:sldSz cx="9144000" cy="6858000" type="screen4x3"/>
   <p:notesSz cx="9872663" cy="6797675"/>
@@ -335,11 +336,11 @@
         </c:dLbls>
         <c:marker val="1"/>
         <c:smooth val="0"/>
-        <c:axId val="248938880"/>
-        <c:axId val="248940800"/>
+        <c:axId val="37840384"/>
+        <c:axId val="37841920"/>
       </c:lineChart>
       <c:catAx>
-        <c:axId val="248938880"/>
+        <c:axId val="37840384"/>
         <c:scaling>
           <c:orientation val="minMax"/>
         </c:scaling>
@@ -349,7 +350,7 @@
         <c:majorTickMark val="out"/>
         <c:minorTickMark val="none"/>
         <c:tickLblPos val="nextTo"/>
-        <c:crossAx val="248940800"/>
+        <c:crossAx val="37841920"/>
         <c:crosses val="autoZero"/>
         <c:auto val="1"/>
         <c:lblAlgn val="ctr"/>
@@ -357,7 +358,7 @@
         <c:noMultiLvlLbl val="0"/>
       </c:catAx>
       <c:valAx>
-        <c:axId val="248940800"/>
+        <c:axId val="37841920"/>
         <c:scaling>
           <c:orientation val="minMax"/>
         </c:scaling>
@@ -368,7 +369,7 @@
         <c:majorTickMark val="out"/>
         <c:minorTickMark val="none"/>
         <c:tickLblPos val="nextTo"/>
-        <c:crossAx val="248938880"/>
+        <c:crossAx val="37840384"/>
         <c:crosses val="autoZero"/>
         <c:crossBetween val="between"/>
       </c:valAx>
@@ -653,11 +654,11 @@
         </c:dLbls>
         <c:marker val="1"/>
         <c:smooth val="0"/>
-        <c:axId val="209722752"/>
-        <c:axId val="209745024"/>
+        <c:axId val="37901440"/>
+        <c:axId val="37902976"/>
       </c:lineChart>
       <c:catAx>
-        <c:axId val="209722752"/>
+        <c:axId val="37901440"/>
         <c:scaling>
           <c:orientation val="minMax"/>
         </c:scaling>
@@ -667,7 +668,7 @@
         <c:majorTickMark val="out"/>
         <c:minorTickMark val="none"/>
         <c:tickLblPos val="nextTo"/>
-        <c:crossAx val="209745024"/>
+        <c:crossAx val="37902976"/>
         <c:crosses val="autoZero"/>
         <c:auto val="1"/>
         <c:lblAlgn val="ctr"/>
@@ -675,7 +676,7 @@
         <c:noMultiLvlLbl val="0"/>
       </c:catAx>
       <c:valAx>
-        <c:axId val="209745024"/>
+        <c:axId val="37902976"/>
         <c:scaling>
           <c:orientation val="minMax"/>
         </c:scaling>
@@ -686,7 +687,7 @@
         <c:majorTickMark val="out"/>
         <c:minorTickMark val="none"/>
         <c:tickLblPos val="nextTo"/>
-        <c:crossAx val="209722752"/>
+        <c:crossAx val="37901440"/>
         <c:crosses val="autoZero"/>
         <c:crossBetween val="between"/>
       </c:valAx>
@@ -1093,11 +1094,11 @@
         </c:dLbls>
         <c:marker val="1"/>
         <c:smooth val="0"/>
-        <c:axId val="222080000"/>
-        <c:axId val="222081792"/>
+        <c:axId val="39725312"/>
+        <c:axId val="39739392"/>
       </c:lineChart>
       <c:catAx>
-        <c:axId val="222080000"/>
+        <c:axId val="39725312"/>
         <c:scaling>
           <c:orientation val="minMax"/>
         </c:scaling>
@@ -1107,7 +1108,7 @@
         <c:majorTickMark val="out"/>
         <c:minorTickMark val="none"/>
         <c:tickLblPos val="nextTo"/>
-        <c:crossAx val="222081792"/>
+        <c:crossAx val="39739392"/>
         <c:crosses val="autoZero"/>
         <c:auto val="1"/>
         <c:lblAlgn val="ctr"/>
@@ -1115,7 +1116,7 @@
         <c:noMultiLvlLbl val="0"/>
       </c:catAx>
       <c:valAx>
-        <c:axId val="222081792"/>
+        <c:axId val="39739392"/>
         <c:scaling>
           <c:orientation val="minMax"/>
         </c:scaling>
@@ -1126,7 +1127,7 @@
         <c:majorTickMark val="out"/>
         <c:minorTickMark val="none"/>
         <c:tickLblPos val="nextTo"/>
-        <c:crossAx val="222080000"/>
+        <c:crossAx val="39725312"/>
         <c:crosses val="autoZero"/>
         <c:crossBetween val="between"/>
       </c:valAx>
@@ -1655,11 +1656,11 @@
         </c:dLbls>
         <c:marker val="1"/>
         <c:smooth val="0"/>
-        <c:axId val="223110656"/>
-        <c:axId val="223112192"/>
+        <c:axId val="37991552"/>
+        <c:axId val="37993088"/>
       </c:lineChart>
       <c:catAx>
-        <c:axId val="223110656"/>
+        <c:axId val="37991552"/>
         <c:scaling>
           <c:orientation val="minMax"/>
         </c:scaling>
@@ -1669,7 +1670,7 @@
         <c:majorTickMark val="out"/>
         <c:minorTickMark val="none"/>
         <c:tickLblPos val="nextTo"/>
-        <c:crossAx val="223112192"/>
+        <c:crossAx val="37993088"/>
         <c:crosses val="autoZero"/>
         <c:auto val="1"/>
         <c:lblAlgn val="ctr"/>
@@ -1677,7 +1678,7 @@
         <c:noMultiLvlLbl val="0"/>
       </c:catAx>
       <c:valAx>
-        <c:axId val="223112192"/>
+        <c:axId val="37993088"/>
         <c:scaling>
           <c:orientation val="minMax"/>
         </c:scaling>
@@ -1688,7 +1689,7 @@
         <c:majorTickMark val="out"/>
         <c:minorTickMark val="none"/>
         <c:tickLblPos val="nextTo"/>
-        <c:crossAx val="223110656"/>
+        <c:crossAx val="37991552"/>
         <c:crosses val="autoZero"/>
         <c:crossBetween val="between"/>
       </c:valAx>
@@ -2071,11 +2072,11 @@
         </c:dLbls>
         <c:marker val="1"/>
         <c:smooth val="0"/>
-        <c:axId val="207485952"/>
-        <c:axId val="207700736"/>
+        <c:axId val="39789312"/>
+        <c:axId val="39790848"/>
       </c:lineChart>
       <c:catAx>
-        <c:axId val="207485952"/>
+        <c:axId val="39789312"/>
         <c:scaling>
           <c:orientation val="minMax"/>
         </c:scaling>
@@ -2085,7 +2086,7 @@
         <c:majorTickMark val="out"/>
         <c:minorTickMark val="none"/>
         <c:tickLblPos val="nextTo"/>
-        <c:crossAx val="207700736"/>
+        <c:crossAx val="39790848"/>
         <c:crosses val="autoZero"/>
         <c:auto val="1"/>
         <c:lblAlgn val="ctr"/>
@@ -2093,7 +2094,7 @@
         <c:noMultiLvlLbl val="0"/>
       </c:catAx>
       <c:valAx>
-        <c:axId val="207700736"/>
+        <c:axId val="39790848"/>
         <c:scaling>
           <c:orientation val="minMax"/>
         </c:scaling>
@@ -2104,7 +2105,7 @@
         <c:majorTickMark val="out"/>
         <c:minorTickMark val="none"/>
         <c:tickLblPos val="nextTo"/>
-        <c:crossAx val="207485952"/>
+        <c:crossAx val="39789312"/>
         <c:crosses val="autoZero"/>
         <c:crossBetween val="between"/>
       </c:valAx>
@@ -2487,11 +2488,11 @@
         </c:dLbls>
         <c:marker val="1"/>
         <c:smooth val="0"/>
-        <c:axId val="201830784"/>
-        <c:axId val="201832704"/>
+        <c:axId val="40972672"/>
+        <c:axId val="40974208"/>
       </c:lineChart>
       <c:catAx>
-        <c:axId val="201830784"/>
+        <c:axId val="40972672"/>
         <c:scaling>
           <c:orientation val="minMax"/>
         </c:scaling>
@@ -2501,7 +2502,7 @@
         <c:majorTickMark val="out"/>
         <c:minorTickMark val="none"/>
         <c:tickLblPos val="nextTo"/>
-        <c:crossAx val="201832704"/>
+        <c:crossAx val="40974208"/>
         <c:crosses val="autoZero"/>
         <c:auto val="1"/>
         <c:lblAlgn val="ctr"/>
@@ -2509,7 +2510,7 @@
         <c:noMultiLvlLbl val="0"/>
       </c:catAx>
       <c:valAx>
-        <c:axId val="201832704"/>
+        <c:axId val="40974208"/>
         <c:scaling>
           <c:orientation val="minMax"/>
         </c:scaling>
@@ -2520,7 +2521,7 @@
         <c:majorTickMark val="out"/>
         <c:minorTickMark val="none"/>
         <c:tickLblPos val="nextTo"/>
-        <c:crossAx val="201830784"/>
+        <c:crossAx val="40972672"/>
         <c:crosses val="autoZero"/>
         <c:crossBetween val="between"/>
       </c:valAx>
@@ -2903,11 +2904,11 @@
         </c:dLbls>
         <c:marker val="1"/>
         <c:smooth val="0"/>
-        <c:axId val="210681856"/>
-        <c:axId val="210683776"/>
+        <c:axId val="42447616"/>
+        <c:axId val="42449152"/>
       </c:lineChart>
       <c:catAx>
-        <c:axId val="210681856"/>
+        <c:axId val="42447616"/>
         <c:scaling>
           <c:orientation val="minMax"/>
         </c:scaling>
@@ -2917,7 +2918,7 @@
         <c:majorTickMark val="out"/>
         <c:minorTickMark val="none"/>
         <c:tickLblPos val="nextTo"/>
-        <c:crossAx val="210683776"/>
+        <c:crossAx val="42449152"/>
         <c:crosses val="autoZero"/>
         <c:auto val="1"/>
         <c:lblAlgn val="ctr"/>
@@ -2925,7 +2926,7 @@
         <c:noMultiLvlLbl val="0"/>
       </c:catAx>
       <c:valAx>
-        <c:axId val="210683776"/>
+        <c:axId val="42449152"/>
         <c:scaling>
           <c:orientation val="minMax"/>
         </c:scaling>
@@ -2936,7 +2937,7 @@
         <c:majorTickMark val="out"/>
         <c:minorTickMark val="none"/>
         <c:tickLblPos val="nextTo"/>
-        <c:crossAx val="210681856"/>
+        <c:crossAx val="42447616"/>
         <c:crosses val="autoZero"/>
         <c:crossBetween val="between"/>
       </c:valAx>
@@ -3091,7 +3092,7 @@
               <a:pPr>
                 <a:defRPr/>
               </a:pPr>
-              <a:t>09.01.2013</a:t>
+              <a:t>10.01.2013</a:t>
             </a:fld>
             <a:endParaRPr lang="de-DE"/>
           </a:p>
@@ -3569,7 +3570,7 @@
               <a:pPr>
                 <a:defRPr/>
               </a:pPr>
-              <a:t>09.01.2013</a:t>
+              <a:t>10.01.2013</a:t>
             </a:fld>
             <a:endParaRPr lang="de-DE"/>
           </a:p>
@@ -4267,7 +4268,7 @@
               <a:pPr>
                 <a:defRPr/>
               </a:pPr>
-              <a:t>09.01.2013</a:t>
+              <a:t>10.01.2013</a:t>
             </a:fld>
             <a:endParaRPr lang="de-DE"/>
           </a:p>
@@ -4416,7 +4417,7 @@
               <a:pPr>
                 <a:defRPr/>
               </a:pPr>
-              <a:t>09.01.2013</a:t>
+              <a:t>10.01.2013</a:t>
             </a:fld>
             <a:endParaRPr lang="de-DE"/>
           </a:p>
@@ -4698,7 +4699,7 @@
               <a:pPr>
                 <a:defRPr/>
               </a:pPr>
-              <a:t>18</a:t>
+              <a:t>24</a:t>
             </a:fld>
             <a:endParaRPr lang="de-DE"/>
           </a:p>
@@ -4788,7 +4789,7 @@
               <a:pPr>
                 <a:defRPr/>
               </a:pPr>
-              <a:t>09.01.2013</a:t>
+              <a:t>10.01.2013</a:t>
             </a:fld>
             <a:endParaRPr lang="de-DE"/>
           </a:p>
@@ -4847,7 +4848,7 @@
               <a:pPr>
                 <a:defRPr/>
               </a:pPr>
-              <a:t>59</a:t>
+              <a:t>60</a:t>
             </a:fld>
             <a:endParaRPr lang="de-DE"/>
           </a:p>
@@ -5353,7 +5354,7 @@
                 <a:tabLst/>
                 <a:defRPr/>
               </a:pPr>
-              <a:t>09.01.2013</a:t>
+              <a:t>10.01.2013</a:t>
             </a:fld>
             <a:r>
               <a:rPr kumimoji="0" lang="de-DE" sz="1000" b="0" i="0" u="none" strike="noStrike" kern="1200" cap="none" spc="0" normalizeH="0" baseline="0" noProof="0" dirty="0" smtClean="0">
@@ -5591,24 +5592,7 @@
                 <a:ea typeface="+mn-ea"/>
                 <a:cs typeface="Tahoma" pitchFamily="34" charset="0"/>
               </a:rPr>
-              <a:t>  </a:t>
-            </a:r>
-            <a:r>
-              <a:rPr kumimoji="0" lang="de-DE" sz="1000" b="0" i="0" u="none" strike="noStrike" kern="1200" cap="none" spc="0" normalizeH="0" baseline="0" noProof="0" dirty="0" smtClean="0">
-                <a:ln>
-                  <a:noFill/>
-                </a:ln>
-                <a:solidFill>
-                  <a:schemeClr val="tx1"/>
-                </a:solidFill>
-                <a:effectLst/>
-                <a:uLnTx/>
-                <a:uFillTx/>
-                <a:latin typeface="Arial" charset="0"/>
-                <a:ea typeface="+mn-ea"/>
-                <a:cs typeface="Tahoma" pitchFamily="34" charset="0"/>
-              </a:rPr>
-              <a:t>|  Peter Schuster</a:t>
+              <a:t>  |  Peter Schuster</a:t>
             </a:r>
             <a:endParaRPr kumimoji="0" lang="de-DE" sz="1000" b="0" i="0" u="none" strike="noStrike" kern="1200" cap="none" spc="0" normalizeH="0" baseline="0" noProof="0" dirty="0">
               <a:ln>
@@ -7674,7 +7658,7 @@
                 <a:tabLst/>
                 <a:defRPr/>
               </a:pPr>
-              <a:t>09.01.2013</a:t>
+              <a:t>10.01.2013</a:t>
             </a:fld>
             <a:r>
               <a:rPr kumimoji="0" lang="de-DE" sz="1000" b="0" i="0" u="none" strike="noStrike" kern="1200" cap="none" spc="0" normalizeH="0" baseline="0" noProof="0" dirty="0" smtClean="0">
@@ -7793,41 +7777,7 @@
                 <a:ea typeface="ヒラギノ角ゴ Pro W3" charset="-128"/>
                 <a:cs typeface="Tahoma" pitchFamily="34" charset="0"/>
               </a:rPr>
-              <a:t> Server  |  Integrated Electronic Systems Lab  |  </a:t>
-            </a:r>
-            <a:r>
-              <a:rPr kumimoji="0" lang="de-DE" sz="1000" b="0" i="0" u="none" strike="noStrike" kern="1200" cap="none" spc="0" normalizeH="0" baseline="0" noProof="0" dirty="0" smtClean="0">
-                <a:ln>
-                  <a:noFill/>
-                </a:ln>
-                <a:solidFill>
-                  <a:schemeClr val="tx1"/>
-                </a:solidFill>
-                <a:effectLst/>
-                <a:uLnTx/>
-                <a:uFillTx/>
-                <a:latin typeface="Arial" charset="0"/>
-                <a:ea typeface="ヒラギノ角ゴ Pro W3" charset="-128"/>
-                <a:cs typeface="Tahoma" pitchFamily="34" charset="0"/>
-              </a:rPr>
-              <a:t>Bachelor Thesis  |  </a:t>
-            </a:r>
-            <a:r>
-              <a:rPr kumimoji="0" lang="de-DE" sz="1000" b="0" i="0" u="none" strike="noStrike" kern="1200" cap="none" spc="0" normalizeH="0" baseline="0" noProof="0" dirty="0" smtClean="0">
-                <a:ln>
-                  <a:noFill/>
-                </a:ln>
-                <a:solidFill>
-                  <a:schemeClr val="tx1"/>
-                </a:solidFill>
-                <a:effectLst/>
-                <a:uLnTx/>
-                <a:uFillTx/>
-                <a:latin typeface="Arial" charset="0"/>
-                <a:ea typeface="ヒラギノ角ゴ Pro W3" charset="-128"/>
-                <a:cs typeface="Tahoma" pitchFamily="34" charset="0"/>
-              </a:rPr>
-              <a:t>Peter Schuster | </a:t>
+              <a:t> Server  |  Integrated Electronic Systems Lab  |  Bachelor Thesis  |  Peter Schuster | </a:t>
             </a:r>
             <a:fld id="{12E3200C-B9AE-4270-A0B7-70B143B46286}" type="slidenum">
               <a:rPr kumimoji="0" lang="de-DE" sz="1000" b="0" i="0" u="none" strike="noStrike" kern="1200" cap="none" spc="0" normalizeH="0" baseline="0" noProof="0" smtClean="0">
@@ -9477,14 +9427,6 @@
                 </a:rPr>
                 <a:t>256 MB DDR Memory</a:t>
               </a:r>
-              <a:endParaRPr lang="de-DE" b="1" dirty="0" smtClean="0">
-                <a:solidFill>
-                  <a:schemeClr val="tx1">
-                    <a:lumMod val="75000"/>
-                    <a:lumOff val="25000"/>
-                  </a:schemeClr>
-                </a:solidFill>
-              </a:endParaRPr>
             </a:p>
           </p:txBody>
         </p:sp>
@@ -10671,13 +10613,13 @@
   <p:clrMapOvr>
     <a:masterClrMapping/>
   </p:clrMapOvr>
-  <mc:AlternateContent xmlns:mc="http://schemas.openxmlformats.org/markup-compatibility/2006">
-    <mc:Choice xmlns:p14="http://schemas.microsoft.com/office/powerpoint/2010/main" Requires="p14">
+  <mc:AlternateContent xmlns:mc="http://schemas.openxmlformats.org/markup-compatibility/2006" xmlns:p14="http://schemas.microsoft.com/office/powerpoint/2010/main">
+    <mc:Choice Requires="p14">
       <p:transition spd="med" p14:dur="700">
         <p:fade/>
       </p:transition>
     </mc:Choice>
-    <mc:Fallback>
+    <mc:Fallback xmlns="">
       <p:transition spd="med">
         <p:fade/>
       </p:transition>
@@ -11805,7 +11747,7 @@
 </file>
 
 <file path=ppt/slides/slide13.xml><?xml version="1.0" encoding="utf-8"?>
-<p:sld xmlns:a="http://schemas.openxmlformats.org/drawingml/2006/main" xmlns:r="http://schemas.openxmlformats.org/officeDocument/2006/relationships" xmlns:p="http://schemas.openxmlformats.org/presentationml/2006/main">
+<p:sld xmlns:a="http://schemas.openxmlformats.org/drawingml/2006/main" xmlns:r="http://schemas.openxmlformats.org/officeDocument/2006/relationships" xmlns:p="http://schemas.openxmlformats.org/presentationml/2006/main" show="0">
   <p:cSld>
     <p:spTree>
       <p:nvGrpSpPr>
@@ -14267,44 +14209,7 @@
       </p:grpSpPr>
       <p:sp>
         <p:nvSpPr>
-          <p:cNvPr id="6" name="Inhaltsplatzhalter 5"/>
-          <p:cNvSpPr>
-            <a:spLocks noGrp="1"/>
-          </p:cNvSpPr>
-          <p:nvPr>
-            <p:ph idx="1"/>
-          </p:nvPr>
-        </p:nvSpPr>
-        <p:spPr/>
-        <p:txBody>
-          <a:bodyPr/>
-          <a:lstStyle/>
-          <a:p>
-            <a:pPr marL="0" indent="0">
-              <a:buNone/>
-            </a:pPr>
-            <a:r>
-              <a:rPr lang="de-DE" sz="2400" b="1" dirty="0" err="1" smtClean="0"/>
-              <a:t>nginx</a:t>
-            </a:r>
-            <a:r>
-              <a:rPr lang="de-DE" sz="2400" b="1" dirty="0" smtClean="0"/>
-              <a:t> </a:t>
-            </a:r>
-            <a:r>
-              <a:rPr lang="de-DE" sz="2400" b="1" dirty="0" err="1" smtClean="0"/>
-              <a:t>processes</a:t>
-            </a:r>
-            <a:r>
-              <a:rPr lang="de-DE" sz="2400" b="1" dirty="0"/>
-              <a:t>:</a:t>
-            </a:r>
-          </a:p>
-        </p:txBody>
-      </p:sp>
-      <p:sp>
-        <p:nvSpPr>
-          <p:cNvPr id="4" name="Titel 3"/>
+          <p:cNvPr id="3" name="Titel 2"/>
           <p:cNvSpPr>
             <a:spLocks noGrp="1"/>
           </p:cNvSpPr>
@@ -14318,79 +14223,178 @@
           <a:lstStyle/>
           <a:p>
             <a:r>
+              <a:rPr lang="de-DE" dirty="0" smtClean="0"/>
+              <a:t>Traditional, thread-</a:t>
+            </a:r>
+            <a:r>
               <a:rPr lang="de-DE" dirty="0" err="1" smtClean="0"/>
-              <a:t>nginx</a:t>
+              <a:t>based</a:t>
             </a:r>
             <a:r>
               <a:rPr lang="de-DE" dirty="0" smtClean="0"/>
-              <a:t> – </a:t>
+              <a:t> </a:t>
             </a:r>
             <a:r>
               <a:rPr lang="de-DE" dirty="0" err="1" smtClean="0"/>
-              <a:t>Overview</a:t>
+              <a:t>Architectures</a:t>
             </a:r>
             <a:endParaRPr lang="de-DE" dirty="0"/>
           </a:p>
         </p:txBody>
       </p:sp>
-      <p:pic>
-        <p:nvPicPr>
-          <p:cNvPr id="1026" name="Picture 2" descr="H:\studium\ies-project\presentation\nginx-overview.png"/>
-          <p:cNvPicPr>
-            <a:picLocks noChangeAspect="1" noChangeArrowheads="1"/>
-          </p:cNvPicPr>
-          <p:nvPr/>
-        </p:nvPicPr>
-        <p:blipFill>
-          <a:blip r:embed="rId3">
-            <a:extLst>
-              <a:ext uri="{28A0092B-C50C-407E-A947-70E740481C1C}">
-                <a14:useLocalDpi xmlns:a14="http://schemas.microsoft.com/office/drawing/2010/main" val="0"/>
-              </a:ext>
-            </a:extLst>
-          </a:blip>
-          <a:srcRect/>
-          <a:stretch>
-            <a:fillRect/>
-          </a:stretch>
-        </p:blipFill>
-        <p:spPr bwMode="auto">
-          <a:xfrm>
-            <a:off x="1907704" y="2420888"/>
-            <a:ext cx="4709839" cy="2805573"/>
+      <p:cxnSp>
+        <p:nvCxnSpPr>
+          <p:cNvPr id="5" name="Gerade Verbindung mit Pfeil 4"/>
+          <p:cNvCxnSpPr/>
+          <p:nvPr/>
+        </p:nvCxnSpPr>
+        <p:spPr>
+          <a:xfrm>
+            <a:off x="971600" y="5949280"/>
+            <a:ext cx="7200800" cy="0"/>
+          </a:xfrm>
+          <a:prstGeom prst="straightConnector1">
+            <a:avLst/>
+          </a:prstGeom>
+          <a:ln w="28575">
+            <a:solidFill>
+              <a:schemeClr val="tx1"/>
+            </a:solidFill>
+            <a:tailEnd type="arrow"/>
+          </a:ln>
+        </p:spPr>
+        <p:style>
+          <a:lnRef idx="1">
+            <a:schemeClr val="accent4"/>
+          </a:lnRef>
+          <a:fillRef idx="0">
+            <a:schemeClr val="accent4"/>
+          </a:fillRef>
+          <a:effectRef idx="0">
+            <a:schemeClr val="accent4"/>
+          </a:effectRef>
+          <a:fontRef idx="minor">
+            <a:schemeClr val="tx1"/>
+          </a:fontRef>
+        </p:style>
+      </p:cxnSp>
+      <p:sp>
+        <p:nvSpPr>
+          <p:cNvPr id="6" name="Textfeld 5"/>
+          <p:cNvSpPr txBox="1"/>
+          <p:nvPr/>
+        </p:nvSpPr>
+        <p:spPr>
+          <a:xfrm>
+            <a:off x="7740352" y="6057825"/>
+            <a:ext cx="432048" cy="369332"/>
           </a:xfrm>
           <a:prstGeom prst="rect">
             <a:avLst/>
           </a:prstGeom>
           <a:noFill/>
-          <a:extLst>
-            <a:ext uri="{909E8E84-426E-40DD-AFC4-6F175D3DCCD1}">
-              <a14:hiddenFill xmlns:a14="http://schemas.microsoft.com/office/drawing/2010/main">
-                <a:solidFill>
-                  <a:srgbClr val="FFFFFF"/>
-                </a:solidFill>
-              </a14:hiddenFill>
-            </a:ext>
-          </a:extLst>
-        </p:spPr>
-      </p:pic>
+        </p:spPr>
+        <p:txBody>
+          <a:bodyPr wrap="square" rtlCol="0">
+            <a:spAutoFit/>
+          </a:bodyPr>
+          <a:lstStyle/>
+          <a:p>
+            <a:r>
+              <a:rPr lang="de-DE" dirty="0" smtClean="0"/>
+              <a:t>t</a:t>
+            </a:r>
+            <a:endParaRPr lang="de-DE" dirty="0"/>
+          </a:p>
+        </p:txBody>
+      </p:sp>
+      <p:sp>
+        <p:nvSpPr>
+          <p:cNvPr id="7" name="Rechteck 6"/>
+          <p:cNvSpPr/>
+          <p:nvPr/>
+        </p:nvSpPr>
+        <p:spPr>
+          <a:xfrm>
+            <a:off x="971600" y="3189451"/>
+            <a:ext cx="7128792" cy="2164849"/>
+          </a:xfrm>
+          <a:prstGeom prst="rect">
+            <a:avLst/>
+          </a:prstGeom>
+        </p:spPr>
+        <p:style>
+          <a:lnRef idx="2">
+            <a:schemeClr val="accent3">
+              <a:shade val="50000"/>
+            </a:schemeClr>
+          </a:lnRef>
+          <a:fillRef idx="1">
+            <a:schemeClr val="accent3"/>
+          </a:fillRef>
+          <a:effectRef idx="0">
+            <a:schemeClr val="accent3"/>
+          </a:effectRef>
+          <a:fontRef idx="minor">
+            <a:schemeClr val="lt1"/>
+          </a:fontRef>
+        </p:style>
+        <p:txBody>
+          <a:bodyPr rtlCol="0" anchor="ctr"/>
+          <a:lstStyle/>
+          <a:p>
+            <a:pPr algn="ctr"/>
+            <a:endParaRPr lang="de-DE"/>
+          </a:p>
+        </p:txBody>
+      </p:sp>
+      <p:sp>
+        <p:nvSpPr>
+          <p:cNvPr id="8" name="Textfeld 7"/>
+          <p:cNvSpPr txBox="1"/>
+          <p:nvPr/>
+        </p:nvSpPr>
+        <p:spPr>
+          <a:xfrm>
+            <a:off x="971600" y="5296525"/>
+            <a:ext cx="1872208" cy="369332"/>
+          </a:xfrm>
+          <a:prstGeom prst="rect">
+            <a:avLst/>
+          </a:prstGeom>
+          <a:noFill/>
+        </p:spPr>
+        <p:txBody>
+          <a:bodyPr wrap="square" rtlCol="0">
+            <a:spAutoFit/>
+          </a:bodyPr>
+          <a:lstStyle/>
+          <a:p>
+            <a:r>
+              <a:rPr lang="en-US" dirty="0" smtClean="0"/>
+              <a:t>process</a:t>
+            </a:r>
+            <a:endParaRPr lang="en-US" dirty="0"/>
+          </a:p>
+        </p:txBody>
+      </p:sp>
     </p:spTree>
     <p:extLst>
       <p:ext uri="{BB962C8B-B14F-4D97-AF65-F5344CB8AC3E}">
-        <p14:creationId xmlns:p14="http://schemas.microsoft.com/office/powerpoint/2010/main" val="3862899941"/>
+        <p14:creationId xmlns:p14="http://schemas.microsoft.com/office/powerpoint/2010/main" val="1402837145"/>
       </p:ext>
     </p:extLst>
   </p:cSld>
   <p:clrMapOvr>
     <a:masterClrMapping/>
   </p:clrMapOvr>
-  <mc:AlternateContent xmlns:mc="http://schemas.openxmlformats.org/markup-compatibility/2006">
-    <mc:Choice xmlns:p14="http://schemas.microsoft.com/office/powerpoint/2010/main" Requires="p14">
+  <mc:AlternateContent xmlns:mc="http://schemas.openxmlformats.org/markup-compatibility/2006" xmlns:p14="http://schemas.microsoft.com/office/powerpoint/2010/main">
+    <mc:Choice Requires="p14">
       <p:transition spd="med" p14:dur="700">
         <p:fade/>
       </p:transition>
     </mc:Choice>
-    <mc:Fallback>
+    <mc:Fallback xmlns="">
       <p:transition spd="med">
         <p:fade/>
       </p:transition>
@@ -14594,6 +14598,40 @@
           </a:p>
         </p:txBody>
       </p:sp>
+      <p:cxnSp>
+        <p:nvCxnSpPr>
+          <p:cNvPr id="10" name="Gerade Verbindung mit Pfeil 9"/>
+          <p:cNvCxnSpPr/>
+          <p:nvPr/>
+        </p:nvCxnSpPr>
+        <p:spPr>
+          <a:xfrm>
+            <a:off x="1691680" y="2541380"/>
+            <a:ext cx="0" cy="792088"/>
+          </a:xfrm>
+          <a:prstGeom prst="straightConnector1">
+            <a:avLst/>
+          </a:prstGeom>
+          <a:ln w="28575">
+            <a:headEnd type="none" w="med" len="med"/>
+            <a:tailEnd type="triangle" w="med" len="med"/>
+          </a:ln>
+        </p:spPr>
+        <p:style>
+          <a:lnRef idx="1">
+            <a:schemeClr val="accent2"/>
+          </a:lnRef>
+          <a:fillRef idx="0">
+            <a:schemeClr val="accent2"/>
+          </a:fillRef>
+          <a:effectRef idx="0">
+            <a:schemeClr val="accent2"/>
+          </a:effectRef>
+          <a:fontRef idx="minor">
+            <a:schemeClr val="tx1"/>
+          </a:fontRef>
+        </p:style>
+      </p:cxnSp>
       <p:sp>
         <p:nvSpPr>
           <p:cNvPr id="11" name="Rechteck 10"/>
@@ -14701,138 +14739,104 @@
           </a:fontRef>
         </p:style>
       </p:cxnSp>
-      <p:grpSp>
-        <p:nvGrpSpPr>
-          <p:cNvPr id="2" name="Gruppieren 1"/>
-          <p:cNvGrpSpPr/>
-          <p:nvPr/>
-        </p:nvGrpSpPr>
-        <p:grpSpPr>
-          <a:xfrm>
-            <a:off x="971600" y="2109332"/>
-            <a:ext cx="1274708" cy="1224136"/>
-            <a:chOff x="971600" y="2109332"/>
-            <a:chExt cx="1274708" cy="1224136"/>
-          </a:xfrm>
-        </p:grpSpPr>
-        <p:cxnSp>
-          <p:nvCxnSpPr>
-            <p:cNvPr id="10" name="Gerade Verbindung mit Pfeil 9"/>
-            <p:cNvCxnSpPr/>
-            <p:nvPr/>
-          </p:nvCxnSpPr>
-          <p:spPr>
-            <a:xfrm>
-              <a:off x="1691680" y="2541380"/>
-              <a:ext cx="0" cy="792088"/>
-            </a:xfrm>
-            <a:prstGeom prst="straightConnector1">
-              <a:avLst/>
-            </a:prstGeom>
-            <a:ln w="28575">
-              <a:headEnd type="none" w="med" len="med"/>
-              <a:tailEnd type="triangle" w="med" len="med"/>
-            </a:ln>
-          </p:spPr>
-          <p:style>
-            <a:lnRef idx="1">
-              <a:schemeClr val="accent2"/>
-            </a:lnRef>
-            <a:fillRef idx="0">
-              <a:schemeClr val="accent2"/>
-            </a:fillRef>
-            <a:effectRef idx="0">
-              <a:schemeClr val="accent2"/>
-            </a:effectRef>
-            <a:fontRef idx="minor">
-              <a:schemeClr val="tx1"/>
-            </a:fontRef>
-          </p:style>
-        </p:cxnSp>
-        <p:sp>
-          <p:nvSpPr>
-            <p:cNvPr id="18" name="Textfeld 17"/>
-            <p:cNvSpPr txBox="1"/>
-            <p:nvPr/>
-          </p:nvSpPr>
-          <p:spPr>
-            <a:xfrm>
-              <a:off x="971600" y="2109332"/>
-              <a:ext cx="1274708" cy="369332"/>
-            </a:xfrm>
-            <a:prstGeom prst="rect">
-              <a:avLst/>
-            </a:prstGeom>
-            <a:noFill/>
-          </p:spPr>
-          <p:txBody>
-            <a:bodyPr wrap="none" rtlCol="0">
-              <a:spAutoFit/>
-            </a:bodyPr>
-            <a:lstStyle/>
-            <a:p>
-              <a:r>
-                <a:rPr lang="de-DE" dirty="0" err="1" smtClean="0">
-                  <a:solidFill>
-                    <a:schemeClr val="accent6"/>
-                  </a:solidFill>
-                </a:rPr>
-                <a:t>request</a:t>
-              </a:r>
-              <a:r>
-                <a:rPr lang="de-DE" dirty="0" smtClean="0">
-                  <a:solidFill>
-                    <a:schemeClr val="accent6"/>
-                  </a:solidFill>
-                </a:rPr>
-                <a:t> #1</a:t>
-              </a:r>
-              <a:endParaRPr lang="de-DE" dirty="0">
+      <p:cxnSp>
+        <p:nvCxnSpPr>
+          <p:cNvPr id="13" name="Gerade Verbindung mit Pfeil 12"/>
+          <p:cNvCxnSpPr/>
+          <p:nvPr/>
+        </p:nvCxnSpPr>
+        <p:spPr>
+          <a:xfrm>
+            <a:off x="2699792" y="2937424"/>
+            <a:ext cx="0" cy="972108"/>
+          </a:xfrm>
+          <a:prstGeom prst="straightConnector1">
+            <a:avLst/>
+          </a:prstGeom>
+          <a:ln w="28575">
+            <a:headEnd type="none" w="med" len="med"/>
+            <a:tailEnd type="triangle" w="med" len="med"/>
+          </a:ln>
+        </p:spPr>
+        <p:style>
+          <a:lnRef idx="1">
+            <a:schemeClr val="accent2"/>
+          </a:lnRef>
+          <a:fillRef idx="0">
+            <a:schemeClr val="accent2"/>
+          </a:fillRef>
+          <a:effectRef idx="0">
+            <a:schemeClr val="accent2"/>
+          </a:effectRef>
+          <a:fontRef idx="minor">
+            <a:schemeClr val="tx1"/>
+          </a:fontRef>
+        </p:style>
+      </p:cxnSp>
+      <p:sp>
+        <p:nvSpPr>
+          <p:cNvPr id="14" name="Rechteck 13"/>
+          <p:cNvSpPr/>
+          <p:nvPr/>
+        </p:nvSpPr>
+        <p:spPr>
+          <a:xfrm>
+            <a:off x="2699792" y="3981540"/>
+            <a:ext cx="4032448" cy="360040"/>
+          </a:xfrm>
+          <a:prstGeom prst="rect">
+            <a:avLst/>
+          </a:prstGeom>
+          <a:solidFill>
+            <a:schemeClr val="accent2">
+              <a:lumMod val="20000"/>
+              <a:lumOff val="80000"/>
+            </a:schemeClr>
+          </a:solidFill>
+          <a:ln>
+            <a:solidFill>
+              <a:schemeClr val="accent2">
+                <a:lumMod val="60000"/>
+                <a:lumOff val="40000"/>
+              </a:schemeClr>
+            </a:solidFill>
+          </a:ln>
+        </p:spPr>
+        <p:style>
+          <a:lnRef idx="2">
+            <a:schemeClr val="accent1">
+              <a:shade val="50000"/>
+            </a:schemeClr>
+          </a:lnRef>
+          <a:fillRef idx="1">
+            <a:schemeClr val="accent1"/>
+          </a:fillRef>
+          <a:effectRef idx="0">
+            <a:schemeClr val="accent1"/>
+          </a:effectRef>
+          <a:fontRef idx="minor">
+            <a:schemeClr val="lt1"/>
+          </a:fontRef>
+        </p:style>
+        <p:txBody>
+          <a:bodyPr rtlCol="0" anchor="ctr"/>
+          <a:lstStyle/>
+          <a:p>
+            <a:r>
+              <a:rPr lang="de-DE" i="1" dirty="0" err="1" smtClean="0">
                 <a:solidFill>
                   <a:schemeClr val="accent6"/>
                 </a:solidFill>
-              </a:endParaRPr>
-            </a:p>
-          </p:txBody>
-        </p:sp>
-      </p:grpSp>
-      <p:sp>
-        <p:nvSpPr>
-          <p:cNvPr id="20" name="Textfeld 19"/>
-          <p:cNvSpPr txBox="1"/>
-          <p:nvPr/>
-        </p:nvSpPr>
-        <p:spPr>
-          <a:xfrm>
-            <a:off x="5436096" y="2109332"/>
-            <a:ext cx="1454244" cy="369332"/>
-          </a:xfrm>
-          <a:prstGeom prst="rect">
-            <a:avLst/>
-          </a:prstGeom>
-          <a:noFill/>
-        </p:spPr>
-        <p:txBody>
-          <a:bodyPr wrap="none" rtlCol="0">
-            <a:spAutoFit/>
-          </a:bodyPr>
-          <a:lstStyle/>
-          <a:p>
-            <a:r>
-              <a:rPr lang="de-DE" dirty="0" err="1" smtClean="0">
+              </a:rPr>
+              <a:t>thread</a:t>
+            </a:r>
+            <a:r>
+              <a:rPr lang="de-DE" dirty="0" smtClean="0">
                 <a:solidFill>
                   <a:schemeClr val="accent6"/>
                 </a:solidFill>
               </a:rPr>
-              <a:t>response</a:t>
-            </a:r>
-            <a:r>
-              <a:rPr lang="de-DE" dirty="0" smtClean="0">
-                <a:solidFill>
-                  <a:schemeClr val="accent6"/>
-                </a:solidFill>
-              </a:rPr>
-              <a:t> #1</a:t>
+              <a:t> 2</a:t>
             </a:r>
             <a:endParaRPr lang="de-DE" dirty="0">
               <a:solidFill>
@@ -14842,23 +14846,285 @@
           </a:p>
         </p:txBody>
       </p:sp>
+      <p:cxnSp>
+        <p:nvCxnSpPr>
+          <p:cNvPr id="15" name="Gerade Verbindung mit Pfeil 14"/>
+          <p:cNvCxnSpPr/>
+          <p:nvPr/>
+        </p:nvCxnSpPr>
+        <p:spPr>
+          <a:xfrm>
+            <a:off x="6732240" y="2937424"/>
+            <a:ext cx="0" cy="972108"/>
+          </a:xfrm>
+          <a:prstGeom prst="straightConnector1">
+            <a:avLst/>
+          </a:prstGeom>
+          <a:ln w="28575">
+            <a:headEnd type="triangle" w="med" len="med"/>
+            <a:tailEnd type="none" w="med" len="med"/>
+          </a:ln>
+        </p:spPr>
+        <p:style>
+          <a:lnRef idx="1">
+            <a:schemeClr val="accent2"/>
+          </a:lnRef>
+          <a:fillRef idx="0">
+            <a:schemeClr val="accent2"/>
+          </a:fillRef>
+          <a:effectRef idx="0">
+            <a:schemeClr val="accent2"/>
+          </a:effectRef>
+          <a:fontRef idx="minor">
+            <a:schemeClr val="tx1"/>
+          </a:fontRef>
+        </p:style>
+      </p:cxnSp>
+      <p:sp>
+        <p:nvSpPr>
+          <p:cNvPr id="18" name="Textfeld 17"/>
+          <p:cNvSpPr txBox="1"/>
+          <p:nvPr/>
+        </p:nvSpPr>
+        <p:spPr>
+          <a:xfrm>
+            <a:off x="971600" y="2109332"/>
+            <a:ext cx="1274708" cy="369332"/>
+          </a:xfrm>
+          <a:prstGeom prst="rect">
+            <a:avLst/>
+          </a:prstGeom>
+          <a:noFill/>
+        </p:spPr>
+        <p:txBody>
+          <a:bodyPr wrap="none" rtlCol="0">
+            <a:spAutoFit/>
+          </a:bodyPr>
+          <a:lstStyle/>
+          <a:p>
+            <a:r>
+              <a:rPr lang="de-DE" dirty="0" err="1" smtClean="0">
+                <a:solidFill>
+                  <a:schemeClr val="accent6"/>
+                </a:solidFill>
+              </a:rPr>
+              <a:t>request</a:t>
+            </a:r>
+            <a:r>
+              <a:rPr lang="de-DE" dirty="0" smtClean="0">
+                <a:solidFill>
+                  <a:schemeClr val="accent6"/>
+                </a:solidFill>
+              </a:rPr>
+              <a:t> #1</a:t>
+            </a:r>
+            <a:endParaRPr lang="de-DE" dirty="0">
+              <a:solidFill>
+                <a:schemeClr val="accent6"/>
+              </a:solidFill>
+            </a:endParaRPr>
+          </a:p>
+        </p:txBody>
+      </p:sp>
+      <p:sp>
+        <p:nvSpPr>
+          <p:cNvPr id="19" name="Textfeld 18"/>
+          <p:cNvSpPr txBox="1"/>
+          <p:nvPr/>
+        </p:nvSpPr>
+        <p:spPr>
+          <a:xfrm>
+            <a:off x="2246308" y="2568092"/>
+            <a:ext cx="1274708" cy="369332"/>
+          </a:xfrm>
+          <a:prstGeom prst="rect">
+            <a:avLst/>
+          </a:prstGeom>
+          <a:noFill/>
+        </p:spPr>
+        <p:txBody>
+          <a:bodyPr wrap="none" rtlCol="0">
+            <a:spAutoFit/>
+          </a:bodyPr>
+          <a:lstStyle/>
+          <a:p>
+            <a:r>
+              <a:rPr lang="de-DE" dirty="0" err="1" smtClean="0">
+                <a:solidFill>
+                  <a:schemeClr val="accent6"/>
+                </a:solidFill>
+              </a:rPr>
+              <a:t>request</a:t>
+            </a:r>
+            <a:r>
+              <a:rPr lang="de-DE" dirty="0" smtClean="0">
+                <a:solidFill>
+                  <a:schemeClr val="accent6"/>
+                </a:solidFill>
+              </a:rPr>
+              <a:t> #2</a:t>
+            </a:r>
+            <a:endParaRPr lang="de-DE" dirty="0">
+              <a:solidFill>
+                <a:schemeClr val="accent6"/>
+              </a:solidFill>
+            </a:endParaRPr>
+          </a:p>
+        </p:txBody>
+      </p:sp>
+      <p:sp>
+        <p:nvSpPr>
+          <p:cNvPr id="20" name="Textfeld 19"/>
+          <p:cNvSpPr txBox="1"/>
+          <p:nvPr/>
+        </p:nvSpPr>
+        <p:spPr>
+          <a:xfrm>
+            <a:off x="5436096" y="2109332"/>
+            <a:ext cx="1454244" cy="369332"/>
+          </a:xfrm>
+          <a:prstGeom prst="rect">
+            <a:avLst/>
+          </a:prstGeom>
+          <a:noFill/>
+        </p:spPr>
+        <p:txBody>
+          <a:bodyPr wrap="none" rtlCol="0">
+            <a:spAutoFit/>
+          </a:bodyPr>
+          <a:lstStyle/>
+          <a:p>
+            <a:r>
+              <a:rPr lang="de-DE" dirty="0" err="1" smtClean="0">
+                <a:solidFill>
+                  <a:schemeClr val="accent6"/>
+                </a:solidFill>
+              </a:rPr>
+              <a:t>response</a:t>
+            </a:r>
+            <a:r>
+              <a:rPr lang="de-DE" dirty="0" smtClean="0">
+                <a:solidFill>
+                  <a:schemeClr val="accent6"/>
+                </a:solidFill>
+              </a:rPr>
+              <a:t> #1</a:t>
+            </a:r>
+            <a:endParaRPr lang="de-DE" dirty="0">
+              <a:solidFill>
+                <a:schemeClr val="accent6"/>
+              </a:solidFill>
+            </a:endParaRPr>
+          </a:p>
+        </p:txBody>
+      </p:sp>
+      <p:sp>
+        <p:nvSpPr>
+          <p:cNvPr id="21" name="Textfeld 20"/>
+          <p:cNvSpPr txBox="1"/>
+          <p:nvPr/>
+        </p:nvSpPr>
+        <p:spPr>
+          <a:xfrm>
+            <a:off x="6508703" y="2568092"/>
+            <a:ext cx="1454244" cy="369332"/>
+          </a:xfrm>
+          <a:prstGeom prst="rect">
+            <a:avLst/>
+          </a:prstGeom>
+          <a:noFill/>
+        </p:spPr>
+        <p:txBody>
+          <a:bodyPr wrap="none" rtlCol="0">
+            <a:spAutoFit/>
+          </a:bodyPr>
+          <a:lstStyle/>
+          <a:p>
+            <a:r>
+              <a:rPr lang="de-DE" dirty="0" err="1">
+                <a:solidFill>
+                  <a:schemeClr val="accent6"/>
+                </a:solidFill>
+              </a:rPr>
+              <a:t>response</a:t>
+            </a:r>
+            <a:r>
+              <a:rPr lang="de-DE" dirty="0">
+                <a:solidFill>
+                  <a:schemeClr val="accent6"/>
+                </a:solidFill>
+              </a:rPr>
+              <a:t> </a:t>
+            </a:r>
+            <a:r>
+              <a:rPr lang="de-DE" dirty="0" smtClean="0">
+                <a:solidFill>
+                  <a:schemeClr val="accent6"/>
+                </a:solidFill>
+              </a:rPr>
+              <a:t>#2</a:t>
+            </a:r>
+            <a:endParaRPr lang="de-DE" dirty="0">
+              <a:solidFill>
+                <a:schemeClr val="accent6"/>
+              </a:solidFill>
+            </a:endParaRPr>
+          </a:p>
+        </p:txBody>
+      </p:sp>
+      <p:cxnSp>
+        <p:nvCxnSpPr>
+          <p:cNvPr id="23" name="Gerade Verbindung 22"/>
+          <p:cNvCxnSpPr/>
+          <p:nvPr/>
+        </p:nvCxnSpPr>
+        <p:spPr>
+          <a:xfrm>
+            <a:off x="3419872" y="4596601"/>
+            <a:ext cx="0" cy="416575"/>
+          </a:xfrm>
+          <a:prstGeom prst="line">
+            <a:avLst/>
+          </a:prstGeom>
+          <a:ln w="28575">
+            <a:solidFill>
+              <a:schemeClr val="accent6"/>
+            </a:solidFill>
+            <a:prstDash val="sysDash"/>
+          </a:ln>
+        </p:spPr>
+        <p:style>
+          <a:lnRef idx="1">
+            <a:schemeClr val="accent1"/>
+          </a:lnRef>
+          <a:fillRef idx="0">
+            <a:schemeClr val="accent1"/>
+          </a:fillRef>
+          <a:effectRef idx="0">
+            <a:schemeClr val="accent1"/>
+          </a:effectRef>
+          <a:fontRef idx="minor">
+            <a:schemeClr val="tx1"/>
+          </a:fontRef>
+        </p:style>
+      </p:cxnSp>
     </p:spTree>
     <p:extLst>
       <p:ext uri="{BB962C8B-B14F-4D97-AF65-F5344CB8AC3E}">
-        <p14:creationId xmlns:p14="http://schemas.microsoft.com/office/powerpoint/2010/main" val="1402837145"/>
+        <p14:creationId xmlns:p14="http://schemas.microsoft.com/office/powerpoint/2010/main" val="1010280657"/>
       </p:ext>
     </p:extLst>
   </p:cSld>
   <p:clrMapOvr>
     <a:masterClrMapping/>
   </p:clrMapOvr>
-  <mc:AlternateContent xmlns:mc="http://schemas.openxmlformats.org/markup-compatibility/2006">
-    <mc:Choice xmlns:p14="http://schemas.microsoft.com/office/powerpoint/2010/main" Requires="p14">
+  <mc:AlternateContent xmlns:mc="http://schemas.openxmlformats.org/markup-compatibility/2006" xmlns:p14="http://schemas.microsoft.com/office/powerpoint/2010/main">
+    <mc:Choice Requires="p14">
       <p:transition spd="med" p14:dur="700">
         <p:fade/>
       </p:transition>
     </mc:Choice>
-    <mc:Fallback>
+    <mc:Fallback xmlns="">
       <p:transition spd="med">
         <p:fade/>
       </p:transition>
@@ -14867,268 +15133,9 @@
   <p:timing>
     <p:tnLst>
       <p:par>
-        <p:cTn id="1" dur="indefinite" restart="never" nodeType="tmRoot">
-          <p:childTnLst>
-            <p:seq concurrent="1" nextAc="seek">
-              <p:cTn id="2" dur="indefinite" nodeType="mainSeq">
-                <p:childTnLst>
-                  <p:par>
-                    <p:cTn id="3" fill="hold">
-                      <p:stCondLst>
-                        <p:cond delay="indefinite"/>
-                      </p:stCondLst>
-                      <p:childTnLst>
-                        <p:par>
-                          <p:cTn id="4" fill="hold">
-                            <p:stCondLst>
-                              <p:cond delay="0"/>
-                            </p:stCondLst>
-                            <p:childTnLst>
-                              <p:par>
-                                <p:cTn id="5" presetID="2" presetClass="entr" presetSubtype="1" fill="hold" nodeType="clickEffect">
-                                  <p:stCondLst>
-                                    <p:cond delay="0"/>
-                                  </p:stCondLst>
-                                  <p:childTnLst>
-                                    <p:set>
-                                      <p:cBhvr>
-                                        <p:cTn id="6" dur="1" fill="hold">
-                                          <p:stCondLst>
-                                            <p:cond delay="0"/>
-                                          </p:stCondLst>
-                                        </p:cTn>
-                                        <p:tgtEl>
-                                          <p:spTgt spid="2"/>
-                                        </p:tgtEl>
-                                        <p:attrNameLst>
-                                          <p:attrName>style.visibility</p:attrName>
-                                        </p:attrNameLst>
-                                      </p:cBhvr>
-                                      <p:to>
-                                        <p:strVal val="visible"/>
-                                      </p:to>
-                                    </p:set>
-                                    <p:anim calcmode="lin" valueType="num">
-                                      <p:cBhvr additive="base">
-                                        <p:cTn id="7" dur="500" fill="hold"/>
-                                        <p:tgtEl>
-                                          <p:spTgt spid="2"/>
-                                        </p:tgtEl>
-                                        <p:attrNameLst>
-                                          <p:attrName>ppt_x</p:attrName>
-                                        </p:attrNameLst>
-                                      </p:cBhvr>
-                                      <p:tavLst>
-                                        <p:tav tm="0">
-                                          <p:val>
-                                            <p:strVal val="#ppt_x"/>
-                                          </p:val>
-                                        </p:tav>
-                                        <p:tav tm="100000">
-                                          <p:val>
-                                            <p:strVal val="#ppt_x"/>
-                                          </p:val>
-                                        </p:tav>
-                                      </p:tavLst>
-                                    </p:anim>
-                                    <p:anim calcmode="lin" valueType="num">
-                                      <p:cBhvr additive="base">
-                                        <p:cTn id="8" dur="500" fill="hold"/>
-                                        <p:tgtEl>
-                                          <p:spTgt spid="2"/>
-                                        </p:tgtEl>
-                                        <p:attrNameLst>
-                                          <p:attrName>ppt_y</p:attrName>
-                                        </p:attrNameLst>
-                                      </p:cBhvr>
-                                      <p:tavLst>
-                                        <p:tav tm="0">
-                                          <p:val>
-                                            <p:strVal val="0-#ppt_h/2"/>
-                                          </p:val>
-                                        </p:tav>
-                                        <p:tav tm="100000">
-                                          <p:val>
-                                            <p:strVal val="#ppt_y"/>
-                                          </p:val>
-                                        </p:tav>
-                                      </p:tavLst>
-                                    </p:anim>
-                                  </p:childTnLst>
-                                </p:cTn>
-                              </p:par>
-                            </p:childTnLst>
-                          </p:cTn>
-                        </p:par>
-                      </p:childTnLst>
-                    </p:cTn>
-                  </p:par>
-                  <p:par>
-                    <p:cTn id="9" fill="hold">
-                      <p:stCondLst>
-                        <p:cond delay="indefinite"/>
-                      </p:stCondLst>
-                      <p:childTnLst>
-                        <p:par>
-                          <p:cTn id="10" fill="hold">
-                            <p:stCondLst>
-                              <p:cond delay="0"/>
-                            </p:stCondLst>
-                            <p:childTnLst>
-                              <p:par>
-                                <p:cTn id="11" presetID="22" presetClass="entr" presetSubtype="8" fill="hold" grpId="0" nodeType="clickEffect">
-                                  <p:stCondLst>
-                                    <p:cond delay="0"/>
-                                  </p:stCondLst>
-                                  <p:childTnLst>
-                                    <p:set>
-                                      <p:cBhvr>
-                                        <p:cTn id="12" dur="1" fill="hold">
-                                          <p:stCondLst>
-                                            <p:cond delay="0"/>
-                                          </p:stCondLst>
-                                        </p:cTn>
-                                        <p:tgtEl>
-                                          <p:spTgt spid="11"/>
-                                        </p:tgtEl>
-                                        <p:attrNameLst>
-                                          <p:attrName>style.visibility</p:attrName>
-                                        </p:attrNameLst>
-                                      </p:cBhvr>
-                                      <p:to>
-                                        <p:strVal val="visible"/>
-                                      </p:to>
-                                    </p:set>
-                                    <p:animEffect transition="in" filter="wipe(left)">
-                                      <p:cBhvr>
-                                        <p:cTn id="13" dur="500"/>
-                                        <p:tgtEl>
-                                          <p:spTgt spid="11"/>
-                                        </p:tgtEl>
-                                      </p:cBhvr>
-                                    </p:animEffect>
-                                  </p:childTnLst>
-                                </p:cTn>
-                              </p:par>
-                            </p:childTnLst>
-                          </p:cTn>
-                        </p:par>
-                      </p:childTnLst>
-                    </p:cTn>
-                  </p:par>
-                  <p:par>
-                    <p:cTn id="14" fill="hold">
-                      <p:stCondLst>
-                        <p:cond delay="indefinite"/>
-                      </p:stCondLst>
-                      <p:childTnLst>
-                        <p:par>
-                          <p:cTn id="15" fill="hold">
-                            <p:stCondLst>
-                              <p:cond delay="0"/>
-                            </p:stCondLst>
-                            <p:childTnLst>
-                              <p:par>
-                                <p:cTn id="16" presetID="22" presetClass="entr" presetSubtype="4" fill="hold" nodeType="clickEffect">
-                                  <p:stCondLst>
-                                    <p:cond delay="0"/>
-                                  </p:stCondLst>
-                                  <p:childTnLst>
-                                    <p:set>
-                                      <p:cBhvr>
-                                        <p:cTn id="17" dur="1" fill="hold">
-                                          <p:stCondLst>
-                                            <p:cond delay="0"/>
-                                          </p:stCondLst>
-                                        </p:cTn>
-                                        <p:tgtEl>
-                                          <p:spTgt spid="12"/>
-                                        </p:tgtEl>
-                                        <p:attrNameLst>
-                                          <p:attrName>style.visibility</p:attrName>
-                                        </p:attrNameLst>
-                                      </p:cBhvr>
-                                      <p:to>
-                                        <p:strVal val="visible"/>
-                                      </p:to>
-                                    </p:set>
-                                    <p:animEffect transition="in" filter="wipe(down)">
-                                      <p:cBhvr>
-                                        <p:cTn id="18" dur="500"/>
-                                        <p:tgtEl>
-                                          <p:spTgt spid="12"/>
-                                        </p:tgtEl>
-                                      </p:cBhvr>
-                                    </p:animEffect>
-                                  </p:childTnLst>
-                                </p:cTn>
-                              </p:par>
-                              <p:par>
-                                <p:cTn id="19" presetID="22" presetClass="entr" presetSubtype="4" fill="hold" grpId="0" nodeType="withEffect">
-                                  <p:stCondLst>
-                                    <p:cond delay="0"/>
-                                  </p:stCondLst>
-                                  <p:childTnLst>
-                                    <p:set>
-                                      <p:cBhvr>
-                                        <p:cTn id="20" dur="1" fill="hold">
-                                          <p:stCondLst>
-                                            <p:cond delay="0"/>
-                                          </p:stCondLst>
-                                        </p:cTn>
-                                        <p:tgtEl>
-                                          <p:spTgt spid="20"/>
-                                        </p:tgtEl>
-                                        <p:attrNameLst>
-                                          <p:attrName>style.visibility</p:attrName>
-                                        </p:attrNameLst>
-                                      </p:cBhvr>
-                                      <p:to>
-                                        <p:strVal val="visible"/>
-                                      </p:to>
-                                    </p:set>
-                                    <p:animEffect transition="in" filter="wipe(down)">
-                                      <p:cBhvr>
-                                        <p:cTn id="21" dur="500"/>
-                                        <p:tgtEl>
-                                          <p:spTgt spid="20"/>
-                                        </p:tgtEl>
-                                      </p:cBhvr>
-                                    </p:animEffect>
-                                  </p:childTnLst>
-                                </p:cTn>
-                              </p:par>
-                            </p:childTnLst>
-                          </p:cTn>
-                        </p:par>
-                      </p:childTnLst>
-                    </p:cTn>
-                  </p:par>
-                </p:childTnLst>
-              </p:cTn>
-              <p:prevCondLst>
-                <p:cond evt="onPrev" delay="0">
-                  <p:tgtEl>
-                    <p:sldTgt/>
-                  </p:tgtEl>
-                </p:cond>
-              </p:prevCondLst>
-              <p:nextCondLst>
-                <p:cond evt="onNext" delay="0">
-                  <p:tgtEl>
-                    <p:sldTgt/>
-                  </p:tgtEl>
-                </p:cond>
-              </p:nextCondLst>
-            </p:seq>
-          </p:childTnLst>
-        </p:cTn>
+        <p:cTn id="1" dur="indefinite" restart="never" nodeType="tmRoot"/>
       </p:par>
     </p:tnLst>
-    <p:bldLst>
-      <p:bldP spid="11" grpId="0" animBg="1"/>
-      <p:bldP spid="20" grpId="0"/>
-    </p:bldLst>
   </p:timing>
 </p:sld>
 </file>
@@ -16832,23 +16839,207 @@
           </a:fontRef>
         </p:style>
       </p:cxnSp>
+      <p:sp>
+        <p:nvSpPr>
+          <p:cNvPr id="26" name="Rechteck 25"/>
+          <p:cNvSpPr/>
+          <p:nvPr/>
+        </p:nvSpPr>
+        <p:spPr>
+          <a:xfrm>
+            <a:off x="4355976" y="3997984"/>
+            <a:ext cx="1440160" cy="327152"/>
+          </a:xfrm>
+          <a:prstGeom prst="rect">
+            <a:avLst/>
+          </a:prstGeom>
+          <a:pattFill prst="dkUpDiag">
+            <a:fgClr>
+              <a:srgbClr val="E9503E"/>
+            </a:fgClr>
+            <a:bgClr>
+              <a:schemeClr val="bg1"/>
+            </a:bgClr>
+          </a:pattFill>
+          <a:ln>
+            <a:noFill/>
+          </a:ln>
+        </p:spPr>
+        <p:style>
+          <a:lnRef idx="2">
+            <a:schemeClr val="accent1">
+              <a:shade val="50000"/>
+            </a:schemeClr>
+          </a:lnRef>
+          <a:fillRef idx="1">
+            <a:schemeClr val="accent1"/>
+          </a:fillRef>
+          <a:effectRef idx="0">
+            <a:schemeClr val="accent1"/>
+          </a:effectRef>
+          <a:fontRef idx="minor">
+            <a:schemeClr val="lt1"/>
+          </a:fontRef>
+        </p:style>
+        <p:txBody>
+          <a:bodyPr rtlCol="0" anchor="ctr"/>
+          <a:lstStyle/>
+          <a:p>
+            <a:pPr algn="ctr"/>
+            <a:endParaRPr lang="de-DE" dirty="0">
+              <a:solidFill>
+                <a:schemeClr val="accent6"/>
+              </a:solidFill>
+            </a:endParaRPr>
+          </a:p>
+        </p:txBody>
+      </p:sp>
+      <p:cxnSp>
+        <p:nvCxnSpPr>
+          <p:cNvPr id="27" name="Gerade Verbindung mit Pfeil 26"/>
+          <p:cNvCxnSpPr/>
+          <p:nvPr/>
+        </p:nvCxnSpPr>
+        <p:spPr>
+          <a:xfrm>
+            <a:off x="4355976" y="4388601"/>
+            <a:ext cx="0" cy="416000"/>
+          </a:xfrm>
+          <a:prstGeom prst="straightConnector1">
+            <a:avLst/>
+          </a:prstGeom>
+          <a:ln w="28575">
+            <a:solidFill>
+              <a:srgbClr val="E9503E"/>
+            </a:solidFill>
+            <a:headEnd type="none" w="med" len="med"/>
+            <a:tailEnd type="triangle" w="med" len="med"/>
+          </a:ln>
+        </p:spPr>
+        <p:style>
+          <a:lnRef idx="1">
+            <a:schemeClr val="accent2"/>
+          </a:lnRef>
+          <a:fillRef idx="0">
+            <a:schemeClr val="accent2"/>
+          </a:fillRef>
+          <a:effectRef idx="0">
+            <a:schemeClr val="accent2"/>
+          </a:effectRef>
+          <a:fontRef idx="minor">
+            <a:schemeClr val="tx1"/>
+          </a:fontRef>
+        </p:style>
+      </p:cxnSp>
+      <p:cxnSp>
+        <p:nvCxnSpPr>
+          <p:cNvPr id="35" name="Gerade Verbindung mit Pfeil 34"/>
+          <p:cNvCxnSpPr/>
+          <p:nvPr/>
+        </p:nvCxnSpPr>
+        <p:spPr>
+          <a:xfrm>
+            <a:off x="5808712" y="4388601"/>
+            <a:ext cx="0" cy="416000"/>
+          </a:xfrm>
+          <a:prstGeom prst="straightConnector1">
+            <a:avLst/>
+          </a:prstGeom>
+          <a:ln w="28575">
+            <a:solidFill>
+              <a:srgbClr val="E9503E"/>
+            </a:solidFill>
+            <a:headEnd type="triangle" w="med" len="med"/>
+            <a:tailEnd type="none" w="med" len="med"/>
+          </a:ln>
+        </p:spPr>
+        <p:style>
+          <a:lnRef idx="1">
+            <a:schemeClr val="accent2"/>
+          </a:lnRef>
+          <a:fillRef idx="0">
+            <a:schemeClr val="accent2"/>
+          </a:fillRef>
+          <a:effectRef idx="0">
+            <a:schemeClr val="accent2"/>
+          </a:effectRef>
+          <a:fontRef idx="minor">
+            <a:schemeClr val="tx1"/>
+          </a:fontRef>
+        </p:style>
+      </p:cxnSp>
+      <p:sp>
+        <p:nvSpPr>
+          <p:cNvPr id="36" name="Textfeld 35"/>
+          <p:cNvSpPr txBox="1"/>
+          <p:nvPr/>
+        </p:nvSpPr>
+        <p:spPr>
+          <a:xfrm>
+            <a:off x="4355976" y="4589100"/>
+            <a:ext cx="1440160" cy="338554"/>
+          </a:xfrm>
+          <a:prstGeom prst="rect">
+            <a:avLst/>
+          </a:prstGeom>
+          <a:noFill/>
+        </p:spPr>
+        <p:txBody>
+          <a:bodyPr wrap="square" rtlCol="0">
+            <a:spAutoFit/>
+          </a:bodyPr>
+          <a:lstStyle/>
+          <a:p>
+            <a:pPr algn="ctr"/>
+            <a:r>
+              <a:rPr lang="de-DE" sz="1600" dirty="0" err="1" smtClean="0">
+                <a:solidFill>
+                  <a:srgbClr val="E9503E"/>
+                </a:solidFill>
+              </a:rPr>
+              <a:t>system</a:t>
+            </a:r>
+            <a:r>
+              <a:rPr lang="de-DE" sz="1600" dirty="0" smtClean="0">
+                <a:solidFill>
+                  <a:srgbClr val="E9503E"/>
+                </a:solidFill>
+              </a:rPr>
+              <a:t> </a:t>
+            </a:r>
+            <a:r>
+              <a:rPr lang="de-DE" sz="1600" dirty="0" err="1" smtClean="0">
+                <a:solidFill>
+                  <a:srgbClr val="E9503E"/>
+                </a:solidFill>
+              </a:rPr>
+              <a:t>calls</a:t>
+            </a:r>
+            <a:endParaRPr lang="de-DE" sz="1600" dirty="0">
+              <a:solidFill>
+                <a:srgbClr val="E9503E"/>
+              </a:solidFill>
+            </a:endParaRPr>
+          </a:p>
+        </p:txBody>
+      </p:sp>
     </p:spTree>
     <p:extLst>
       <p:ext uri="{BB962C8B-B14F-4D97-AF65-F5344CB8AC3E}">
-        <p14:creationId xmlns:p14="http://schemas.microsoft.com/office/powerpoint/2010/main" val="1010280657"/>
+        <p14:creationId xmlns:p14="http://schemas.microsoft.com/office/powerpoint/2010/main" val="3707172566"/>
       </p:ext>
     </p:extLst>
   </p:cSld>
   <p:clrMapOvr>
     <a:masterClrMapping/>
   </p:clrMapOvr>
-  <mc:AlternateContent xmlns:mc="http://schemas.openxmlformats.org/markup-compatibility/2006">
-    <mc:Choice xmlns:p14="http://schemas.microsoft.com/office/powerpoint/2010/main" Requires="p14">
+  <mc:AlternateContent xmlns:mc="http://schemas.openxmlformats.org/markup-compatibility/2006" xmlns:p14="http://schemas.microsoft.com/office/powerpoint/2010/main">
+    <mc:Choice Requires="p14">
       <p:transition spd="med" p14:dur="700">
         <p:fade/>
       </p:transition>
     </mc:Choice>
-    <mc:Fallback>
+    <mc:Fallback xmlns="">
       <p:transition spd="med">
         <p:fade/>
       </p:transition>
@@ -16857,304 +17048,9 @@
   <p:timing>
     <p:tnLst>
       <p:par>
-        <p:cTn id="1" dur="indefinite" restart="never" nodeType="tmRoot">
-          <p:childTnLst>
-            <p:seq concurrent="1" nextAc="seek">
-              <p:cTn id="2" dur="indefinite" nodeType="mainSeq">
-                <p:childTnLst>
-                  <p:par>
-                    <p:cTn id="3" fill="hold">
-                      <p:stCondLst>
-                        <p:cond delay="indefinite"/>
-                        <p:cond evt="onBegin" delay="0">
-                          <p:tn val="2"/>
-                        </p:cond>
-                      </p:stCondLst>
-                      <p:childTnLst>
-                        <p:par>
-                          <p:cTn id="4" fill="hold">
-                            <p:stCondLst>
-                              <p:cond delay="0"/>
-                            </p:stCondLst>
-                            <p:childTnLst>
-                              <p:par>
-                                <p:cTn id="5" presetID="22" presetClass="entr" presetSubtype="1" fill="hold" grpId="0" nodeType="afterEffect">
-                                  <p:stCondLst>
-                                    <p:cond delay="0"/>
-                                  </p:stCondLst>
-                                  <p:childTnLst>
-                                    <p:set>
-                                      <p:cBhvr>
-                                        <p:cTn id="6" dur="1" fill="hold">
-                                          <p:stCondLst>
-                                            <p:cond delay="0"/>
-                                          </p:stCondLst>
-                                        </p:cTn>
-                                        <p:tgtEl>
-                                          <p:spTgt spid="19"/>
-                                        </p:tgtEl>
-                                        <p:attrNameLst>
-                                          <p:attrName>style.visibility</p:attrName>
-                                        </p:attrNameLst>
-                                      </p:cBhvr>
-                                      <p:to>
-                                        <p:strVal val="visible"/>
-                                      </p:to>
-                                    </p:set>
-                                    <p:animEffect transition="in" filter="wipe(up)">
-                                      <p:cBhvr>
-                                        <p:cTn id="7" dur="500"/>
-                                        <p:tgtEl>
-                                          <p:spTgt spid="19"/>
-                                        </p:tgtEl>
-                                      </p:cBhvr>
-                                    </p:animEffect>
-                                  </p:childTnLst>
-                                </p:cTn>
-                              </p:par>
-                              <p:par>
-                                <p:cTn id="8" presetID="22" presetClass="entr" presetSubtype="1" fill="hold" nodeType="withEffect">
-                                  <p:stCondLst>
-                                    <p:cond delay="0"/>
-                                  </p:stCondLst>
-                                  <p:childTnLst>
-                                    <p:set>
-                                      <p:cBhvr>
-                                        <p:cTn id="9" dur="1" fill="hold">
-                                          <p:stCondLst>
-                                            <p:cond delay="0"/>
-                                          </p:stCondLst>
-                                        </p:cTn>
-                                        <p:tgtEl>
-                                          <p:spTgt spid="13"/>
-                                        </p:tgtEl>
-                                        <p:attrNameLst>
-                                          <p:attrName>style.visibility</p:attrName>
-                                        </p:attrNameLst>
-                                      </p:cBhvr>
-                                      <p:to>
-                                        <p:strVal val="visible"/>
-                                      </p:to>
-                                    </p:set>
-                                    <p:animEffect transition="in" filter="wipe(up)">
-                                      <p:cBhvr>
-                                        <p:cTn id="10" dur="500"/>
-                                        <p:tgtEl>
-                                          <p:spTgt spid="13"/>
-                                        </p:tgtEl>
-                                      </p:cBhvr>
-                                    </p:animEffect>
-                                  </p:childTnLst>
-                                </p:cTn>
-                              </p:par>
-                            </p:childTnLst>
-                          </p:cTn>
-                        </p:par>
-                        <p:par>
-                          <p:cTn id="11" fill="hold">
-                            <p:stCondLst>
-                              <p:cond delay="500"/>
-                            </p:stCondLst>
-                            <p:childTnLst>
-                              <p:par>
-                                <p:cTn id="12" presetID="22" presetClass="entr" presetSubtype="8" fill="hold" grpId="0" nodeType="afterEffect">
-                                  <p:stCondLst>
-                                    <p:cond delay="0"/>
-                                  </p:stCondLst>
-                                  <p:childTnLst>
-                                    <p:set>
-                                      <p:cBhvr>
-                                        <p:cTn id="13" dur="1" fill="hold">
-                                          <p:stCondLst>
-                                            <p:cond delay="0"/>
-                                          </p:stCondLst>
-                                        </p:cTn>
-                                        <p:tgtEl>
-                                          <p:spTgt spid="14"/>
-                                        </p:tgtEl>
-                                        <p:attrNameLst>
-                                          <p:attrName>style.visibility</p:attrName>
-                                        </p:attrNameLst>
-                                      </p:cBhvr>
-                                      <p:to>
-                                        <p:strVal val="visible"/>
-                                      </p:to>
-                                    </p:set>
-                                    <p:animEffect transition="in" filter="wipe(left)">
-                                      <p:cBhvr>
-                                        <p:cTn id="14" dur="500"/>
-                                        <p:tgtEl>
-                                          <p:spTgt spid="14"/>
-                                        </p:tgtEl>
-                                      </p:cBhvr>
-                                    </p:animEffect>
-                                  </p:childTnLst>
-                                </p:cTn>
-                              </p:par>
-                            </p:childTnLst>
-                          </p:cTn>
-                        </p:par>
-                        <p:par>
-                          <p:cTn id="15" fill="hold">
-                            <p:stCondLst>
-                              <p:cond delay="1000"/>
-                            </p:stCondLst>
-                            <p:childTnLst>
-                              <p:par>
-                                <p:cTn id="16" presetID="22" presetClass="entr" presetSubtype="4" fill="hold" nodeType="afterEffect">
-                                  <p:stCondLst>
-                                    <p:cond delay="0"/>
-                                  </p:stCondLst>
-                                  <p:childTnLst>
-                                    <p:set>
-                                      <p:cBhvr>
-                                        <p:cTn id="17" dur="1" fill="hold">
-                                          <p:stCondLst>
-                                            <p:cond delay="0"/>
-                                          </p:stCondLst>
-                                        </p:cTn>
-                                        <p:tgtEl>
-                                          <p:spTgt spid="15"/>
-                                        </p:tgtEl>
-                                        <p:attrNameLst>
-                                          <p:attrName>style.visibility</p:attrName>
-                                        </p:attrNameLst>
-                                      </p:cBhvr>
-                                      <p:to>
-                                        <p:strVal val="visible"/>
-                                      </p:to>
-                                    </p:set>
-                                    <p:animEffect transition="in" filter="wipe(down)">
-                                      <p:cBhvr>
-                                        <p:cTn id="18" dur="500"/>
-                                        <p:tgtEl>
-                                          <p:spTgt spid="15"/>
-                                        </p:tgtEl>
-                                      </p:cBhvr>
-                                    </p:animEffect>
-                                  </p:childTnLst>
-                                </p:cTn>
-                              </p:par>
-                            </p:childTnLst>
-                          </p:cTn>
-                        </p:par>
-                        <p:par>
-                          <p:cTn id="19" fill="hold">
-                            <p:stCondLst>
-                              <p:cond delay="1500"/>
-                            </p:stCondLst>
-                            <p:childTnLst>
-                              <p:par>
-                                <p:cTn id="20" presetID="22" presetClass="entr" presetSubtype="4" fill="hold" grpId="0" nodeType="afterEffect">
-                                  <p:stCondLst>
-                                    <p:cond delay="0"/>
-                                  </p:stCondLst>
-                                  <p:childTnLst>
-                                    <p:set>
-                                      <p:cBhvr>
-                                        <p:cTn id="21" dur="1" fill="hold">
-                                          <p:stCondLst>
-                                            <p:cond delay="0"/>
-                                          </p:stCondLst>
-                                        </p:cTn>
-                                        <p:tgtEl>
-                                          <p:spTgt spid="21"/>
-                                        </p:tgtEl>
-                                        <p:attrNameLst>
-                                          <p:attrName>style.visibility</p:attrName>
-                                        </p:attrNameLst>
-                                      </p:cBhvr>
-                                      <p:to>
-                                        <p:strVal val="visible"/>
-                                      </p:to>
-                                    </p:set>
-                                    <p:animEffect transition="in" filter="wipe(down)">
-                                      <p:cBhvr>
-                                        <p:cTn id="22" dur="500"/>
-                                        <p:tgtEl>
-                                          <p:spTgt spid="21"/>
-                                        </p:tgtEl>
-                                      </p:cBhvr>
-                                    </p:animEffect>
-                                  </p:childTnLst>
-                                </p:cTn>
-                              </p:par>
-                            </p:childTnLst>
-                          </p:cTn>
-                        </p:par>
-                        <p:par>
-                          <p:cTn id="23" fill="hold">
-                            <p:stCondLst>
-                              <p:cond delay="2000"/>
-                            </p:stCondLst>
-                            <p:childTnLst>
-                              <p:par>
-                                <p:cTn id="24" presetID="22" presetClass="entr" presetSubtype="1" fill="hold" nodeType="afterEffect">
-                                  <p:stCondLst>
-                                    <p:cond delay="500"/>
-                                  </p:stCondLst>
-                                  <p:childTnLst>
-                                    <p:set>
-                                      <p:cBhvr>
-                                        <p:cTn id="25" dur="1" fill="hold">
-                                          <p:stCondLst>
-                                            <p:cond delay="0"/>
-                                          </p:stCondLst>
-                                        </p:cTn>
-                                        <p:tgtEl>
-                                          <p:spTgt spid="23"/>
-                                        </p:tgtEl>
-                                        <p:attrNameLst>
-                                          <p:attrName>style.visibility</p:attrName>
-                                        </p:attrNameLst>
-                                      </p:cBhvr>
-                                      <p:to>
-                                        <p:strVal val="visible"/>
-                                      </p:to>
-                                    </p:set>
-                                    <p:animEffect transition="in" filter="wipe(up)">
-                                      <p:cBhvr>
-                                        <p:cTn id="26" dur="500"/>
-                                        <p:tgtEl>
-                                          <p:spTgt spid="23"/>
-                                        </p:tgtEl>
-                                      </p:cBhvr>
-                                    </p:animEffect>
-                                  </p:childTnLst>
-                                </p:cTn>
-                              </p:par>
-                            </p:childTnLst>
-                          </p:cTn>
-                        </p:par>
-                      </p:childTnLst>
-                    </p:cTn>
-                  </p:par>
-                </p:childTnLst>
-              </p:cTn>
-              <p:prevCondLst>
-                <p:cond evt="onPrev" delay="0">
-                  <p:tgtEl>
-                    <p:sldTgt/>
-                  </p:tgtEl>
-                </p:cond>
-              </p:prevCondLst>
-              <p:nextCondLst>
-                <p:cond evt="onNext" delay="0">
-                  <p:tgtEl>
-                    <p:sldTgt/>
-                  </p:tgtEl>
-                </p:cond>
-              </p:nextCondLst>
-            </p:seq>
-          </p:childTnLst>
-        </p:cTn>
+        <p:cTn id="1" dur="indefinite" restart="never" nodeType="tmRoot"/>
       </p:par>
     </p:tnLst>
-    <p:bldLst>
-      <p:bldP spid="14" grpId="0" animBg="1"/>
-      <p:bldP spid="19" grpId="0"/>
-      <p:bldP spid="21" grpId="0"/>
-    </p:bldLst>
   </p:timing>
 </p:sld>
 </file>
@@ -17193,7 +17089,7 @@
           <a:p>
             <a:r>
               <a:rPr lang="de-DE" dirty="0" smtClean="0"/>
-              <a:t>Traditional, thread-</a:t>
+              <a:t>Event-</a:t>
             </a:r>
             <a:r>
               <a:rPr lang="de-DE" dirty="0" err="1" smtClean="0"/>
@@ -17286,7 +17182,7 @@
         <p:spPr>
           <a:xfrm>
             <a:off x="971600" y="3189451"/>
-            <a:ext cx="7128792" cy="2164849"/>
+            <a:ext cx="7128792" cy="1319669"/>
           </a:xfrm>
           <a:prstGeom prst="rect">
             <a:avLst/>
@@ -17325,7 +17221,7 @@
         </p:nvSpPr>
         <p:spPr>
           <a:xfrm>
-            <a:off x="971600" y="5296525"/>
+            <a:off x="973394" y="4509120"/>
             <a:ext cx="1872208" cy="369332"/>
           </a:xfrm>
           <a:prstGeom prst="rect">
@@ -17389,18 +17285,13 @@
         </p:nvSpPr>
         <p:spPr>
           <a:xfrm>
-            <a:off x="1691680" y="3405476"/>
-            <a:ext cx="4752528" cy="360040"/>
+            <a:off x="971600" y="3405476"/>
+            <a:ext cx="7128792" cy="360040"/>
           </a:xfrm>
           <a:prstGeom prst="rect">
             <a:avLst/>
           </a:prstGeom>
-          <a:solidFill>
-            <a:schemeClr val="accent2">
-              <a:lumMod val="20000"/>
-              <a:lumOff val="80000"/>
-            </a:schemeClr>
-          </a:solidFill>
+          <a:noFill/>
           <a:ln>
             <a:solidFill>
               <a:schemeClr val="accent2">
@@ -17430,22 +17321,6 @@
           <a:bodyPr rtlCol="0" anchor="ctr"/>
           <a:lstStyle/>
           <a:p>
-            <a:r>
-              <a:rPr lang="de-DE" i="1" dirty="0" err="1" smtClean="0">
-                <a:solidFill>
-                  <a:schemeClr val="accent6"/>
-                </a:solidFill>
-              </a:rPr>
-              <a:t>thread</a:t>
-            </a:r>
-            <a:r>
-              <a:rPr lang="de-DE" i="1" dirty="0" smtClean="0">
-                <a:solidFill>
-                  <a:schemeClr val="accent6"/>
-                </a:solidFill>
-              </a:rPr>
-              <a:t> 1</a:t>
-            </a:r>
             <a:endParaRPr lang="de-DE" i="1" dirty="0">
               <a:solidFill>
                 <a:schemeClr val="accent6"/>
@@ -17462,7 +17337,7 @@
         </p:nvCxnSpPr>
         <p:spPr>
           <a:xfrm>
-            <a:off x="6440438" y="2541380"/>
+            <a:off x="5868144" y="2541380"/>
             <a:ext cx="0" cy="792088"/>
           </a:xfrm>
           <a:prstGeom prst="straightConnector1">
@@ -17488,40 +17363,6 @@
           </a:fontRef>
         </p:style>
       </p:cxnSp>
-      <p:cxnSp>
-        <p:nvCxnSpPr>
-          <p:cNvPr id="13" name="Gerade Verbindung mit Pfeil 12"/>
-          <p:cNvCxnSpPr/>
-          <p:nvPr/>
-        </p:nvCxnSpPr>
-        <p:spPr>
-          <a:xfrm>
-            <a:off x="2699792" y="2937424"/>
-            <a:ext cx="0" cy="972108"/>
-          </a:xfrm>
-          <a:prstGeom prst="straightConnector1">
-            <a:avLst/>
-          </a:prstGeom>
-          <a:ln w="28575">
-            <a:headEnd type="none" w="med" len="med"/>
-            <a:tailEnd type="triangle" w="med" len="med"/>
-          </a:ln>
-        </p:spPr>
-        <p:style>
-          <a:lnRef idx="1">
-            <a:schemeClr val="accent2"/>
-          </a:lnRef>
-          <a:fillRef idx="0">
-            <a:schemeClr val="accent2"/>
-          </a:fillRef>
-          <a:effectRef idx="0">
-            <a:schemeClr val="accent2"/>
-          </a:effectRef>
-          <a:fontRef idx="minor">
-            <a:schemeClr val="tx1"/>
-          </a:fontRef>
-        </p:style>
-      </p:cxnSp>
       <p:sp>
         <p:nvSpPr>
           <p:cNvPr id="14" name="Rechteck 13"/>
@@ -17530,8 +17371,8 @@
         </p:nvSpPr>
         <p:spPr>
           <a:xfrm>
-            <a:off x="2699792" y="3981540"/>
-            <a:ext cx="4032448" cy="360040"/>
+            <a:off x="1682221" y="3405476"/>
+            <a:ext cx="360040" cy="360040"/>
           </a:xfrm>
           <a:prstGeom prst="rect">
             <a:avLst/>
@@ -17571,22 +17412,6 @@
           <a:bodyPr rtlCol="0" anchor="ctr"/>
           <a:lstStyle/>
           <a:p>
-            <a:r>
-              <a:rPr lang="de-DE" i="1" dirty="0" err="1" smtClean="0">
-                <a:solidFill>
-                  <a:schemeClr val="accent6"/>
-                </a:solidFill>
-              </a:rPr>
-              <a:t>thread</a:t>
-            </a:r>
-            <a:r>
-              <a:rPr lang="de-DE" dirty="0" smtClean="0">
-                <a:solidFill>
-                  <a:schemeClr val="accent6"/>
-                </a:solidFill>
-              </a:rPr>
-              <a:t> 2</a:t>
-            </a:r>
             <a:endParaRPr lang="de-DE" dirty="0">
               <a:solidFill>
                 <a:schemeClr val="accent6"/>
@@ -17595,40 +17420,6 @@
           </a:p>
         </p:txBody>
       </p:sp>
-      <p:cxnSp>
-        <p:nvCxnSpPr>
-          <p:cNvPr id="15" name="Gerade Verbindung mit Pfeil 14"/>
-          <p:cNvCxnSpPr/>
-          <p:nvPr/>
-        </p:nvCxnSpPr>
-        <p:spPr>
-          <a:xfrm>
-            <a:off x="6732240" y="2937424"/>
-            <a:ext cx="0" cy="972108"/>
-          </a:xfrm>
-          <a:prstGeom prst="straightConnector1">
-            <a:avLst/>
-          </a:prstGeom>
-          <a:ln w="28575">
-            <a:headEnd type="triangle" w="med" len="med"/>
-            <a:tailEnd type="none" w="med" len="med"/>
-          </a:ln>
-        </p:spPr>
-        <p:style>
-          <a:lnRef idx="1">
-            <a:schemeClr val="accent2"/>
-          </a:lnRef>
-          <a:fillRef idx="0">
-            <a:schemeClr val="accent2"/>
-          </a:fillRef>
-          <a:effectRef idx="0">
-            <a:schemeClr val="accent2"/>
-          </a:effectRef>
-          <a:fontRef idx="minor">
-            <a:schemeClr val="tx1"/>
-          </a:fontRef>
-        </p:style>
-      </p:cxnSp>
       <p:sp>
         <p:nvSpPr>
           <p:cNvPr id="18" name="Textfeld 17"/>
@@ -17677,14 +17468,14 @@
       </p:sp>
       <p:sp>
         <p:nvSpPr>
-          <p:cNvPr id="19" name="Textfeld 18"/>
+          <p:cNvPr id="20" name="Textfeld 19"/>
           <p:cNvSpPr txBox="1"/>
           <p:nvPr/>
         </p:nvSpPr>
         <p:spPr>
           <a:xfrm>
-            <a:off x="2246308" y="2568092"/>
-            <a:ext cx="1274708" cy="369332"/>
+            <a:off x="5436096" y="2109332"/>
+            <a:ext cx="1454244" cy="369332"/>
           </a:xfrm>
           <a:prstGeom prst="rect">
             <a:avLst/>
@@ -17703,7 +17494,7 @@
                   <a:schemeClr val="accent6"/>
                 </a:solidFill>
               </a:rPr>
-              <a:t>request</a:t>
+              <a:t>response</a:t>
             </a:r>
             <a:r>
               <a:rPr lang="de-DE" dirty="0" smtClean="0">
@@ -17711,7 +17502,7 @@
                   <a:schemeClr val="accent6"/>
                 </a:solidFill>
               </a:rPr>
-              <a:t> #2</a:t>
+              <a:t> #1</a:t>
             </a:r>
             <a:endParaRPr lang="de-DE" dirty="0">
               <a:solidFill>
@@ -17723,164 +17514,31 @@
       </p:sp>
       <p:sp>
         <p:nvSpPr>
-          <p:cNvPr id="20" name="Textfeld 19"/>
-          <p:cNvSpPr txBox="1"/>
+          <p:cNvPr id="25" name="Rechteck 24"/>
+          <p:cNvSpPr/>
           <p:nvPr/>
         </p:nvSpPr>
         <p:spPr>
           <a:xfrm>
-            <a:off x="5436096" y="2109332"/>
-            <a:ext cx="1454244" cy="369332"/>
+            <a:off x="2246308" y="3405476"/>
+            <a:ext cx="360040" cy="360040"/>
           </a:xfrm>
           <a:prstGeom prst="rect">
             <a:avLst/>
           </a:prstGeom>
-          <a:noFill/>
-        </p:spPr>
-        <p:txBody>
-          <a:bodyPr wrap="none" rtlCol="0">
-            <a:spAutoFit/>
-          </a:bodyPr>
-          <a:lstStyle/>
-          <a:p>
-            <a:r>
-              <a:rPr lang="de-DE" dirty="0" err="1" smtClean="0">
-                <a:solidFill>
-                  <a:schemeClr val="accent6"/>
-                </a:solidFill>
-              </a:rPr>
-              <a:t>response</a:t>
-            </a:r>
-            <a:r>
-              <a:rPr lang="de-DE" dirty="0" smtClean="0">
-                <a:solidFill>
-                  <a:schemeClr val="accent6"/>
-                </a:solidFill>
-              </a:rPr>
-              <a:t> #1</a:t>
-            </a:r>
-            <a:endParaRPr lang="de-DE" dirty="0">
-              <a:solidFill>
-                <a:schemeClr val="accent6"/>
-              </a:solidFill>
-            </a:endParaRPr>
-          </a:p>
-        </p:txBody>
-      </p:sp>
-      <p:sp>
-        <p:nvSpPr>
-          <p:cNvPr id="21" name="Textfeld 20"/>
-          <p:cNvSpPr txBox="1"/>
-          <p:nvPr/>
-        </p:nvSpPr>
-        <p:spPr>
-          <a:xfrm>
-            <a:off x="6508703" y="2568092"/>
-            <a:ext cx="1454244" cy="369332"/>
-          </a:xfrm>
-          <a:prstGeom prst="rect">
-            <a:avLst/>
-          </a:prstGeom>
-          <a:noFill/>
-        </p:spPr>
-        <p:txBody>
-          <a:bodyPr wrap="none" rtlCol="0">
-            <a:spAutoFit/>
-          </a:bodyPr>
-          <a:lstStyle/>
-          <a:p>
-            <a:r>
-              <a:rPr lang="de-DE" dirty="0" err="1">
-                <a:solidFill>
-                  <a:schemeClr val="accent6"/>
-                </a:solidFill>
-              </a:rPr>
-              <a:t>response</a:t>
-            </a:r>
-            <a:r>
-              <a:rPr lang="de-DE" dirty="0">
-                <a:solidFill>
-                  <a:schemeClr val="accent6"/>
-                </a:solidFill>
-              </a:rPr>
-              <a:t> </a:t>
-            </a:r>
-            <a:r>
-              <a:rPr lang="de-DE" dirty="0" smtClean="0">
-                <a:solidFill>
-                  <a:schemeClr val="accent6"/>
-                </a:solidFill>
-              </a:rPr>
-              <a:t>#2</a:t>
-            </a:r>
-            <a:endParaRPr lang="de-DE" dirty="0">
-              <a:solidFill>
-                <a:schemeClr val="accent6"/>
-              </a:solidFill>
-            </a:endParaRPr>
-          </a:p>
-        </p:txBody>
-      </p:sp>
-      <p:cxnSp>
-        <p:nvCxnSpPr>
-          <p:cNvPr id="23" name="Gerade Verbindung 22"/>
-          <p:cNvCxnSpPr/>
-          <p:nvPr/>
-        </p:nvCxnSpPr>
-        <p:spPr>
-          <a:xfrm>
-            <a:off x="3419872" y="4596601"/>
-            <a:ext cx="0" cy="416575"/>
-          </a:xfrm>
-          <a:prstGeom prst="line">
-            <a:avLst/>
-          </a:prstGeom>
-          <a:ln w="28575">
+          <a:solidFill>
+            <a:schemeClr val="accent2">
+              <a:lumMod val="20000"/>
+              <a:lumOff val="80000"/>
+            </a:schemeClr>
+          </a:solidFill>
+          <a:ln>
             <a:solidFill>
-              <a:schemeClr val="accent6"/>
+              <a:schemeClr val="accent2">
+                <a:lumMod val="60000"/>
+                <a:lumOff val="40000"/>
+              </a:schemeClr>
             </a:solidFill>
-            <a:prstDash val="sysDash"/>
-          </a:ln>
-        </p:spPr>
-        <p:style>
-          <a:lnRef idx="1">
-            <a:schemeClr val="accent1"/>
-          </a:lnRef>
-          <a:fillRef idx="0">
-            <a:schemeClr val="accent1"/>
-          </a:fillRef>
-          <a:effectRef idx="0">
-            <a:schemeClr val="accent1"/>
-          </a:effectRef>
-          <a:fontRef idx="minor">
-            <a:schemeClr val="tx1"/>
-          </a:fontRef>
-        </p:style>
-      </p:cxnSp>
-      <p:sp>
-        <p:nvSpPr>
-          <p:cNvPr id="26" name="Rechteck 25"/>
-          <p:cNvSpPr/>
-          <p:nvPr/>
-        </p:nvSpPr>
-        <p:spPr>
-          <a:xfrm>
-            <a:off x="4355976" y="3997984"/>
-            <a:ext cx="1440160" cy="327152"/>
-          </a:xfrm>
-          <a:prstGeom prst="rect">
-            <a:avLst/>
-          </a:prstGeom>
-          <a:pattFill prst="dkUpDiag">
-            <a:fgClr>
-              <a:srgbClr val="E9503E"/>
-            </a:fgClr>
-            <a:bgClr>
-              <a:schemeClr val="bg1"/>
-            </a:bgClr>
-          </a:pattFill>
-          <a:ln>
-            <a:noFill/>
           </a:ln>
         </p:spPr>
         <p:style>
@@ -17903,7 +17561,6 @@
           <a:bodyPr rtlCol="0" anchor="ctr"/>
           <a:lstStyle/>
           <a:p>
-            <a:pPr algn="ctr"/>
             <a:endParaRPr lang="de-DE" dirty="0">
               <a:solidFill>
                 <a:schemeClr val="accent6"/>
@@ -17912,130 +17569,115 @@
           </a:p>
         </p:txBody>
       </p:sp>
-      <p:cxnSp>
-        <p:nvCxnSpPr>
-          <p:cNvPr id="27" name="Gerade Verbindung mit Pfeil 26"/>
-          <p:cNvCxnSpPr/>
-          <p:nvPr/>
-        </p:nvCxnSpPr>
+      <p:sp>
+        <p:nvSpPr>
+          <p:cNvPr id="28" name="Rechteck 27"/>
+          <p:cNvSpPr/>
+          <p:nvPr/>
+        </p:nvSpPr>
         <p:spPr>
           <a:xfrm>
-            <a:off x="4355976" y="4388601"/>
-            <a:ext cx="0" cy="416000"/>
-          </a:xfrm>
-          <a:prstGeom prst="straightConnector1">
-            <a:avLst/>
-          </a:prstGeom>
-          <a:ln w="28575">
+            <a:off x="4211960" y="3405476"/>
+            <a:ext cx="648072" cy="360040"/>
+          </a:xfrm>
+          <a:prstGeom prst="rect">
+            <a:avLst/>
+          </a:prstGeom>
+          <a:solidFill>
+            <a:schemeClr val="accent2">
+              <a:lumMod val="20000"/>
+              <a:lumOff val="80000"/>
+            </a:schemeClr>
+          </a:solidFill>
+          <a:ln>
             <a:solidFill>
-              <a:srgbClr val="E9503E"/>
+              <a:schemeClr val="accent2">
+                <a:lumMod val="60000"/>
+                <a:lumOff val="40000"/>
+              </a:schemeClr>
             </a:solidFill>
-            <a:headEnd type="none" w="med" len="med"/>
-            <a:tailEnd type="triangle" w="med" len="med"/>
           </a:ln>
         </p:spPr>
         <p:style>
-          <a:lnRef idx="1">
-            <a:schemeClr val="accent2"/>
+          <a:lnRef idx="2">
+            <a:schemeClr val="accent1">
+              <a:shade val="50000"/>
+            </a:schemeClr>
           </a:lnRef>
-          <a:fillRef idx="0">
-            <a:schemeClr val="accent2"/>
+          <a:fillRef idx="1">
+            <a:schemeClr val="accent1"/>
           </a:fillRef>
           <a:effectRef idx="0">
-            <a:schemeClr val="accent2"/>
+            <a:schemeClr val="accent1"/>
           </a:effectRef>
           <a:fontRef idx="minor">
-            <a:schemeClr val="tx1"/>
+            <a:schemeClr val="lt1"/>
           </a:fontRef>
         </p:style>
-      </p:cxnSp>
-      <p:cxnSp>
-        <p:nvCxnSpPr>
-          <p:cNvPr id="35" name="Gerade Verbindung mit Pfeil 34"/>
-          <p:cNvCxnSpPr/>
-          <p:nvPr/>
-        </p:nvCxnSpPr>
+        <p:txBody>
+          <a:bodyPr rtlCol="0" anchor="ctr"/>
+          <a:lstStyle/>
+          <a:p>
+            <a:endParaRPr lang="de-DE" dirty="0">
+              <a:solidFill>
+                <a:schemeClr val="accent6"/>
+              </a:solidFill>
+            </a:endParaRPr>
+          </a:p>
+        </p:txBody>
+      </p:sp>
+      <p:sp>
+        <p:nvSpPr>
+          <p:cNvPr id="29" name="Rechteck 28"/>
+          <p:cNvSpPr/>
+          <p:nvPr/>
+        </p:nvSpPr>
         <p:spPr>
           <a:xfrm>
-            <a:off x="5808712" y="4388601"/>
-            <a:ext cx="0" cy="416000"/>
-          </a:xfrm>
-          <a:prstGeom prst="straightConnector1">
-            <a:avLst/>
-          </a:prstGeom>
-          <a:ln w="28575">
+            <a:off x="5724128" y="3405475"/>
+            <a:ext cx="173608" cy="355669"/>
+          </a:xfrm>
+          <a:prstGeom prst="rect">
+            <a:avLst/>
+          </a:prstGeom>
+          <a:solidFill>
+            <a:schemeClr val="accent2">
+              <a:lumMod val="20000"/>
+              <a:lumOff val="80000"/>
+            </a:schemeClr>
+          </a:solidFill>
+          <a:ln>
             <a:solidFill>
-              <a:srgbClr val="E9503E"/>
+              <a:schemeClr val="accent2">
+                <a:lumMod val="60000"/>
+                <a:lumOff val="40000"/>
+              </a:schemeClr>
             </a:solidFill>
-            <a:headEnd type="triangle" w="med" len="med"/>
-            <a:tailEnd type="none" w="med" len="med"/>
           </a:ln>
         </p:spPr>
         <p:style>
-          <a:lnRef idx="1">
-            <a:schemeClr val="accent2"/>
+          <a:lnRef idx="2">
+            <a:schemeClr val="accent1">
+              <a:shade val="50000"/>
+            </a:schemeClr>
           </a:lnRef>
-          <a:fillRef idx="0">
-            <a:schemeClr val="accent2"/>
+          <a:fillRef idx="1">
+            <a:schemeClr val="accent1"/>
           </a:fillRef>
           <a:effectRef idx="0">
-            <a:schemeClr val="accent2"/>
+            <a:schemeClr val="accent1"/>
           </a:effectRef>
           <a:fontRef idx="minor">
-            <a:schemeClr val="tx1"/>
+            <a:schemeClr val="lt1"/>
           </a:fontRef>
         </p:style>
-      </p:cxnSp>
-      <p:sp>
-        <p:nvSpPr>
-          <p:cNvPr id="36" name="Textfeld 35"/>
-          <p:cNvSpPr txBox="1"/>
-          <p:nvPr/>
-        </p:nvSpPr>
-        <p:spPr>
-          <a:xfrm>
-            <a:off x="4355976" y="4589100"/>
-            <a:ext cx="1440160" cy="338554"/>
-          </a:xfrm>
-          <a:prstGeom prst="rect">
-            <a:avLst/>
-          </a:prstGeom>
-          <a:noFill/>
-        </p:spPr>
-        <p:txBody>
-          <a:bodyPr wrap="square" rtlCol="0">
-            <a:spAutoFit/>
-          </a:bodyPr>
+        <p:txBody>
+          <a:bodyPr rtlCol="0" anchor="ctr"/>
           <a:lstStyle/>
           <a:p>
-            <a:pPr algn="ctr"/>
-            <a:r>
-              <a:rPr lang="de-DE" sz="1600" dirty="0" err="1" smtClean="0">
-                <a:solidFill>
-                  <a:srgbClr val="E9503E"/>
-                </a:solidFill>
-              </a:rPr>
-              <a:t>system</a:t>
-            </a:r>
-            <a:r>
-              <a:rPr lang="de-DE" sz="1600" dirty="0" smtClean="0">
-                <a:solidFill>
-                  <a:srgbClr val="E9503E"/>
-                </a:solidFill>
-              </a:rPr>
-              <a:t> </a:t>
-            </a:r>
-            <a:r>
-              <a:rPr lang="de-DE" sz="1600" dirty="0" err="1" smtClean="0">
-                <a:solidFill>
-                  <a:srgbClr val="E9503E"/>
-                </a:solidFill>
-              </a:rPr>
-              <a:t>calls</a:t>
-            </a:r>
-            <a:endParaRPr lang="de-DE" sz="1600" dirty="0">
+            <a:endParaRPr lang="de-DE" dirty="0">
               <a:solidFill>
-                <a:srgbClr val="E9503E"/>
+                <a:schemeClr val="accent6"/>
               </a:solidFill>
             </a:endParaRPr>
           </a:p>
@@ -18044,20 +17686,20 @@
     </p:spTree>
     <p:extLst>
       <p:ext uri="{BB962C8B-B14F-4D97-AF65-F5344CB8AC3E}">
-        <p14:creationId xmlns:p14="http://schemas.microsoft.com/office/powerpoint/2010/main" val="3707172566"/>
+        <p14:creationId xmlns:p14="http://schemas.microsoft.com/office/powerpoint/2010/main" val="3626672369"/>
       </p:ext>
     </p:extLst>
   </p:cSld>
   <p:clrMapOvr>
     <a:masterClrMapping/>
   </p:clrMapOvr>
-  <mc:AlternateContent xmlns:mc="http://schemas.openxmlformats.org/markup-compatibility/2006">
-    <mc:Choice xmlns:p14="http://schemas.microsoft.com/office/powerpoint/2010/main" Requires="p14">
+  <mc:AlternateContent xmlns:mc="http://schemas.openxmlformats.org/markup-compatibility/2006" xmlns:p14="http://schemas.microsoft.com/office/powerpoint/2010/main">
+    <mc:Choice Requires="p14">
       <p:transition spd="med" p14:dur="700">
         <p:fade/>
       </p:transition>
     </mc:Choice>
-    <mc:Fallback>
+    <mc:Fallback xmlns="">
       <p:transition spd="med">
         <p:fade/>
       </p:transition>
@@ -18701,23 +18343,319 @@
           </a:p>
         </p:txBody>
       </p:sp>
+      <p:sp>
+        <p:nvSpPr>
+          <p:cNvPr id="34" name="Rechteck 33"/>
+          <p:cNvSpPr/>
+          <p:nvPr/>
+        </p:nvSpPr>
+        <p:spPr>
+          <a:xfrm>
+            <a:off x="971600" y="5133667"/>
+            <a:ext cx="7128792" cy="671597"/>
+          </a:xfrm>
+          <a:prstGeom prst="rect">
+            <a:avLst/>
+          </a:prstGeom>
+        </p:spPr>
+        <p:style>
+          <a:lnRef idx="2">
+            <a:schemeClr val="accent1">
+              <a:shade val="50000"/>
+            </a:schemeClr>
+          </a:lnRef>
+          <a:fillRef idx="1">
+            <a:schemeClr val="accent1"/>
+          </a:fillRef>
+          <a:effectRef idx="0">
+            <a:schemeClr val="accent1"/>
+          </a:effectRef>
+          <a:fontRef idx="minor">
+            <a:schemeClr val="lt1"/>
+          </a:fontRef>
+        </p:style>
+        <p:txBody>
+          <a:bodyPr rtlCol="0" anchor="ctr"/>
+          <a:lstStyle/>
+          <a:p>
+            <a:pPr algn="ctr"/>
+            <a:r>
+              <a:rPr lang="de-DE" dirty="0" err="1" smtClean="0">
+                <a:solidFill>
+                  <a:schemeClr val="tx1"/>
+                </a:solidFill>
+              </a:rPr>
+              <a:t>event</a:t>
+            </a:r>
+            <a:r>
+              <a:rPr lang="de-DE" dirty="0" smtClean="0">
+                <a:solidFill>
+                  <a:schemeClr val="tx1"/>
+                </a:solidFill>
+              </a:rPr>
+              <a:t> </a:t>
+            </a:r>
+            <a:r>
+              <a:rPr lang="de-DE" dirty="0" err="1" smtClean="0">
+                <a:solidFill>
+                  <a:schemeClr val="tx1"/>
+                </a:solidFill>
+              </a:rPr>
+              <a:t>module</a:t>
+            </a:r>
+            <a:r>
+              <a:rPr lang="de-DE" dirty="0" smtClean="0">
+                <a:solidFill>
+                  <a:schemeClr val="tx1"/>
+                </a:solidFill>
+              </a:rPr>
+              <a:t> (e.g. „</a:t>
+            </a:r>
+            <a:r>
+              <a:rPr lang="de-DE" dirty="0" err="1" smtClean="0">
+                <a:solidFill>
+                  <a:schemeClr val="tx1"/>
+                </a:solidFill>
+              </a:rPr>
+              <a:t>epoll</a:t>
+            </a:r>
+            <a:r>
+              <a:rPr lang="de-DE" dirty="0" smtClean="0">
+                <a:solidFill>
+                  <a:schemeClr val="tx1"/>
+                </a:solidFill>
+              </a:rPr>
+              <a:t>“)</a:t>
+            </a:r>
+            <a:endParaRPr lang="de-DE" dirty="0">
+              <a:solidFill>
+                <a:schemeClr val="tx1"/>
+              </a:solidFill>
+            </a:endParaRPr>
+          </a:p>
+        </p:txBody>
+      </p:sp>
+      <p:cxnSp>
+        <p:nvCxnSpPr>
+          <p:cNvPr id="17" name="Gerade Verbindung mit Pfeil 16"/>
+          <p:cNvCxnSpPr/>
+          <p:nvPr/>
+        </p:nvCxnSpPr>
+        <p:spPr>
+          <a:xfrm>
+            <a:off x="2042261" y="3849285"/>
+            <a:ext cx="0" cy="1163891"/>
+          </a:xfrm>
+          <a:prstGeom prst="straightConnector1">
+            <a:avLst/>
+          </a:prstGeom>
+          <a:ln w="12700">
+            <a:tailEnd type="arrow"/>
+          </a:ln>
+        </p:spPr>
+        <p:style>
+          <a:lnRef idx="1">
+            <a:schemeClr val="accent4"/>
+          </a:lnRef>
+          <a:fillRef idx="0">
+            <a:schemeClr val="accent4"/>
+          </a:fillRef>
+          <a:effectRef idx="0">
+            <a:schemeClr val="accent4"/>
+          </a:effectRef>
+          <a:fontRef idx="minor">
+            <a:schemeClr val="tx1"/>
+          </a:fontRef>
+        </p:style>
+      </p:cxnSp>
+      <p:cxnSp>
+        <p:nvCxnSpPr>
+          <p:cNvPr id="37" name="Gerade Verbindung mit Pfeil 36"/>
+          <p:cNvCxnSpPr/>
+          <p:nvPr/>
+        </p:nvCxnSpPr>
+        <p:spPr>
+          <a:xfrm>
+            <a:off x="2606348" y="3849285"/>
+            <a:ext cx="0" cy="1163891"/>
+          </a:xfrm>
+          <a:prstGeom prst="straightConnector1">
+            <a:avLst/>
+          </a:prstGeom>
+          <a:ln w="12700">
+            <a:tailEnd type="arrow"/>
+          </a:ln>
+        </p:spPr>
+        <p:style>
+          <a:lnRef idx="1">
+            <a:schemeClr val="accent4"/>
+          </a:lnRef>
+          <a:fillRef idx="0">
+            <a:schemeClr val="accent4"/>
+          </a:fillRef>
+          <a:effectRef idx="0">
+            <a:schemeClr val="accent4"/>
+          </a:effectRef>
+          <a:fontRef idx="minor">
+            <a:schemeClr val="tx1"/>
+          </a:fontRef>
+        </p:style>
+      </p:cxnSp>
+      <p:cxnSp>
+        <p:nvCxnSpPr>
+          <p:cNvPr id="40" name="Gerade Verbindung mit Pfeil 39"/>
+          <p:cNvCxnSpPr/>
+          <p:nvPr/>
+        </p:nvCxnSpPr>
+        <p:spPr>
+          <a:xfrm>
+            <a:off x="4860032" y="3849285"/>
+            <a:ext cx="0" cy="1163891"/>
+          </a:xfrm>
+          <a:prstGeom prst="straightConnector1">
+            <a:avLst/>
+          </a:prstGeom>
+          <a:ln w="12700">
+            <a:tailEnd type="arrow"/>
+          </a:ln>
+        </p:spPr>
+        <p:style>
+          <a:lnRef idx="1">
+            <a:schemeClr val="accent4"/>
+          </a:lnRef>
+          <a:fillRef idx="0">
+            <a:schemeClr val="accent4"/>
+          </a:fillRef>
+          <a:effectRef idx="0">
+            <a:schemeClr val="accent4"/>
+          </a:effectRef>
+          <a:fontRef idx="minor">
+            <a:schemeClr val="tx1"/>
+          </a:fontRef>
+        </p:style>
+      </p:cxnSp>
+      <p:cxnSp>
+        <p:nvCxnSpPr>
+          <p:cNvPr id="43" name="Gerade Verbindung mit Pfeil 42"/>
+          <p:cNvCxnSpPr/>
+          <p:nvPr/>
+        </p:nvCxnSpPr>
+        <p:spPr>
+          <a:xfrm>
+            <a:off x="5724128" y="3849285"/>
+            <a:ext cx="0" cy="1163891"/>
+          </a:xfrm>
+          <a:prstGeom prst="straightConnector1">
+            <a:avLst/>
+          </a:prstGeom>
+          <a:ln w="12700">
+            <a:prstDash val="dash"/>
+            <a:headEnd type="arrow" w="med" len="med"/>
+            <a:tailEnd type="none" w="med" len="med"/>
+          </a:ln>
+        </p:spPr>
+        <p:style>
+          <a:lnRef idx="1">
+            <a:schemeClr val="accent4"/>
+          </a:lnRef>
+          <a:fillRef idx="0">
+            <a:schemeClr val="accent4"/>
+          </a:fillRef>
+          <a:effectRef idx="0">
+            <a:schemeClr val="accent4"/>
+          </a:effectRef>
+          <a:fontRef idx="minor">
+            <a:schemeClr val="tx1"/>
+          </a:fontRef>
+        </p:style>
+      </p:cxnSp>
+      <p:cxnSp>
+        <p:nvCxnSpPr>
+          <p:cNvPr id="47" name="Gerade Verbindung mit Pfeil 46"/>
+          <p:cNvCxnSpPr/>
+          <p:nvPr/>
+        </p:nvCxnSpPr>
+        <p:spPr>
+          <a:xfrm>
+            <a:off x="4212290" y="3849285"/>
+            <a:ext cx="0" cy="1163891"/>
+          </a:xfrm>
+          <a:prstGeom prst="straightConnector1">
+            <a:avLst/>
+          </a:prstGeom>
+          <a:ln w="12700">
+            <a:prstDash val="dash"/>
+            <a:headEnd type="arrow" w="med" len="med"/>
+            <a:tailEnd type="none" w="med" len="med"/>
+          </a:ln>
+        </p:spPr>
+        <p:style>
+          <a:lnRef idx="1">
+            <a:schemeClr val="accent4"/>
+          </a:lnRef>
+          <a:fillRef idx="0">
+            <a:schemeClr val="accent4"/>
+          </a:fillRef>
+          <a:effectRef idx="0">
+            <a:schemeClr val="accent4"/>
+          </a:effectRef>
+          <a:fontRef idx="minor">
+            <a:schemeClr val="tx1"/>
+          </a:fontRef>
+        </p:style>
+      </p:cxnSp>
+      <p:cxnSp>
+        <p:nvCxnSpPr>
+          <p:cNvPr id="49" name="Gerade Verbindung mit Pfeil 48"/>
+          <p:cNvCxnSpPr/>
+          <p:nvPr/>
+        </p:nvCxnSpPr>
+        <p:spPr>
+          <a:xfrm>
+            <a:off x="2246308" y="3849285"/>
+            <a:ext cx="0" cy="1163891"/>
+          </a:xfrm>
+          <a:prstGeom prst="straightConnector1">
+            <a:avLst/>
+          </a:prstGeom>
+          <a:ln w="12700">
+            <a:prstDash val="dash"/>
+            <a:headEnd type="arrow" w="med" len="med"/>
+            <a:tailEnd type="none" w="med" len="med"/>
+          </a:ln>
+        </p:spPr>
+        <p:style>
+          <a:lnRef idx="1">
+            <a:schemeClr val="accent4"/>
+          </a:lnRef>
+          <a:fillRef idx="0">
+            <a:schemeClr val="accent4"/>
+          </a:fillRef>
+          <a:effectRef idx="0">
+            <a:schemeClr val="accent4"/>
+          </a:effectRef>
+          <a:fontRef idx="minor">
+            <a:schemeClr val="tx1"/>
+          </a:fontRef>
+        </p:style>
+      </p:cxnSp>
     </p:spTree>
     <p:extLst>
       <p:ext uri="{BB962C8B-B14F-4D97-AF65-F5344CB8AC3E}">
-        <p14:creationId xmlns:p14="http://schemas.microsoft.com/office/powerpoint/2010/main" val="3626672369"/>
+        <p14:creationId xmlns:p14="http://schemas.microsoft.com/office/powerpoint/2010/main" val="3406739250"/>
       </p:ext>
     </p:extLst>
   </p:cSld>
   <p:clrMapOvr>
     <a:masterClrMapping/>
   </p:clrMapOvr>
-  <mc:AlternateContent xmlns:mc="http://schemas.openxmlformats.org/markup-compatibility/2006">
-    <mc:Choice xmlns:p14="http://schemas.microsoft.com/office/powerpoint/2010/main" Requires="p14">
+  <mc:AlternateContent xmlns:mc="http://schemas.openxmlformats.org/markup-compatibility/2006" xmlns:p14="http://schemas.microsoft.com/office/powerpoint/2010/main">
+    <mc:Choice Requires="p14">
       <p:transition spd="med" p14:dur="700">
         <p:fade/>
       </p:transition>
     </mc:Choice>
-    <mc:Fallback>
+    <mc:Fallback xmlns="">
       <p:transition spd="med">
         <p:fade/>
       </p:transition>
@@ -19041,6 +18979,43 @@
           </a:fontRef>
         </p:style>
       </p:cxnSp>
+      <p:cxnSp>
+        <p:nvCxnSpPr>
+          <p:cNvPr id="13" name="Gerade Verbindung mit Pfeil 12"/>
+          <p:cNvCxnSpPr/>
+          <p:nvPr/>
+        </p:nvCxnSpPr>
+        <p:spPr>
+          <a:xfrm>
+            <a:off x="2699792" y="2937424"/>
+            <a:ext cx="0" cy="396044"/>
+          </a:xfrm>
+          <a:prstGeom prst="straightConnector1">
+            <a:avLst/>
+          </a:prstGeom>
+          <a:ln w="28575">
+            <a:solidFill>
+              <a:srgbClr val="00B050"/>
+            </a:solidFill>
+            <a:headEnd type="none" w="med" len="med"/>
+            <a:tailEnd type="triangle" w="med" len="med"/>
+          </a:ln>
+        </p:spPr>
+        <p:style>
+          <a:lnRef idx="1">
+            <a:schemeClr val="accent2"/>
+          </a:lnRef>
+          <a:fillRef idx="0">
+            <a:schemeClr val="accent2"/>
+          </a:fillRef>
+          <a:effectRef idx="0">
+            <a:schemeClr val="accent2"/>
+          </a:effectRef>
+          <a:fontRef idx="minor">
+            <a:schemeClr val="tx1"/>
+          </a:fontRef>
+        </p:style>
+      </p:cxnSp>
       <p:sp>
         <p:nvSpPr>
           <p:cNvPr id="14" name="Rechteck 13"/>
@@ -19098,6 +19073,43 @@
           </a:p>
         </p:txBody>
       </p:sp>
+      <p:cxnSp>
+        <p:nvCxnSpPr>
+          <p:cNvPr id="15" name="Gerade Verbindung mit Pfeil 14"/>
+          <p:cNvCxnSpPr/>
+          <p:nvPr/>
+        </p:nvCxnSpPr>
+        <p:spPr>
+          <a:xfrm>
+            <a:off x="6732240" y="2937424"/>
+            <a:ext cx="0" cy="396044"/>
+          </a:xfrm>
+          <a:prstGeom prst="straightConnector1">
+            <a:avLst/>
+          </a:prstGeom>
+          <a:ln w="28575">
+            <a:solidFill>
+              <a:srgbClr val="00B050"/>
+            </a:solidFill>
+            <a:headEnd type="triangle" w="med" len="med"/>
+            <a:tailEnd type="none" w="med" len="med"/>
+          </a:ln>
+        </p:spPr>
+        <p:style>
+          <a:lnRef idx="1">
+            <a:schemeClr val="accent2"/>
+          </a:lnRef>
+          <a:fillRef idx="0">
+            <a:schemeClr val="accent2"/>
+          </a:fillRef>
+          <a:effectRef idx="0">
+            <a:schemeClr val="accent2"/>
+          </a:effectRef>
+          <a:fontRef idx="minor">
+            <a:schemeClr val="tx1"/>
+          </a:fontRef>
+        </p:style>
+      </p:cxnSp>
       <p:sp>
         <p:nvSpPr>
           <p:cNvPr id="18" name="Textfeld 17"/>
@@ -19146,14 +19158,14 @@
       </p:sp>
       <p:sp>
         <p:nvSpPr>
-          <p:cNvPr id="20" name="Textfeld 19"/>
+          <p:cNvPr id="19" name="Textfeld 18"/>
           <p:cNvSpPr txBox="1"/>
           <p:nvPr/>
         </p:nvSpPr>
         <p:spPr>
           <a:xfrm>
-            <a:off x="5436096" y="2109332"/>
-            <a:ext cx="1454244" cy="369332"/>
+            <a:off x="2246308" y="2568092"/>
+            <a:ext cx="1274708" cy="369332"/>
           </a:xfrm>
           <a:prstGeom prst="rect">
             <a:avLst/>
@@ -19169,6 +19181,52 @@
             <a:r>
               <a:rPr lang="de-DE" dirty="0" err="1" smtClean="0">
                 <a:solidFill>
+                  <a:srgbClr val="00B050"/>
+                </a:solidFill>
+              </a:rPr>
+              <a:t>request</a:t>
+            </a:r>
+            <a:r>
+              <a:rPr lang="de-DE" dirty="0" smtClean="0">
+                <a:solidFill>
+                  <a:srgbClr val="00B050"/>
+                </a:solidFill>
+              </a:rPr>
+              <a:t> #2</a:t>
+            </a:r>
+            <a:endParaRPr lang="de-DE" dirty="0">
+              <a:solidFill>
+                <a:srgbClr val="00B050"/>
+              </a:solidFill>
+            </a:endParaRPr>
+          </a:p>
+        </p:txBody>
+      </p:sp>
+      <p:sp>
+        <p:nvSpPr>
+          <p:cNvPr id="20" name="Textfeld 19"/>
+          <p:cNvSpPr txBox="1"/>
+          <p:nvPr/>
+        </p:nvSpPr>
+        <p:spPr>
+          <a:xfrm>
+            <a:off x="5436096" y="2109332"/>
+            <a:ext cx="1454244" cy="369332"/>
+          </a:xfrm>
+          <a:prstGeom prst="rect">
+            <a:avLst/>
+          </a:prstGeom>
+          <a:noFill/>
+        </p:spPr>
+        <p:txBody>
+          <a:bodyPr wrap="none" rtlCol="0">
+            <a:spAutoFit/>
+          </a:bodyPr>
+          <a:lstStyle/>
+          <a:p>
+            <a:r>
+              <a:rPr lang="de-DE" dirty="0" err="1" smtClean="0">
+                <a:solidFill>
                   <a:schemeClr val="accent6"/>
                 </a:solidFill>
               </a:rPr>
@@ -19185,6 +19243,60 @@
             <a:endParaRPr lang="de-DE" dirty="0">
               <a:solidFill>
                 <a:schemeClr val="accent6"/>
+              </a:solidFill>
+            </a:endParaRPr>
+          </a:p>
+        </p:txBody>
+      </p:sp>
+      <p:sp>
+        <p:nvSpPr>
+          <p:cNvPr id="21" name="Textfeld 20"/>
+          <p:cNvSpPr txBox="1"/>
+          <p:nvPr/>
+        </p:nvSpPr>
+        <p:spPr>
+          <a:xfrm>
+            <a:off x="6508703" y="2568092"/>
+            <a:ext cx="1454244" cy="369332"/>
+          </a:xfrm>
+          <a:prstGeom prst="rect">
+            <a:avLst/>
+          </a:prstGeom>
+          <a:noFill/>
+        </p:spPr>
+        <p:txBody>
+          <a:bodyPr wrap="none" rtlCol="0">
+            <a:spAutoFit/>
+          </a:bodyPr>
+          <a:lstStyle/>
+          <a:p>
+            <a:r>
+              <a:rPr lang="de-DE" dirty="0" err="1">
+                <a:solidFill>
+                  <a:srgbClr val="00B050"/>
+                </a:solidFill>
+              </a:rPr>
+              <a:t>response</a:t>
+            </a:r>
+            <a:r>
+              <a:rPr lang="de-DE" dirty="0">
+                <a:solidFill>
+                  <a:srgbClr val="00B050"/>
+                </a:solidFill>
+              </a:rPr>
+              <a:t> </a:t>
+            </a:r>
+            <a:r>
+              <a:rPr lang="de-DE" dirty="0" smtClean="0">
+                <a:solidFill>
+                  <a:srgbClr val="00B050"/>
+                </a:solidFill>
+              </a:rPr>
+              <a:t>#2</a:t>
+            </a:r>
+            <a:endParaRPr lang="de-DE" dirty="0">
+              <a:solidFill>
+                <a:srgbClr val="00B050"/>
               </a:solidFill>
             </a:endParaRPr>
           </a:p>
@@ -19312,8 +19424,8 @@
         </p:nvSpPr>
         <p:spPr>
           <a:xfrm>
-            <a:off x="5724128" y="3405475"/>
-            <a:ext cx="173608" cy="355669"/>
+            <a:off x="5724128" y="3410630"/>
+            <a:ext cx="173608" cy="354886"/>
           </a:xfrm>
           <a:prstGeom prst="rect">
             <a:avLst/>
@@ -19330,6 +19442,210 @@
                 <a:lumMod val="60000"/>
                 <a:lumOff val="40000"/>
               </a:schemeClr>
+            </a:solidFill>
+          </a:ln>
+        </p:spPr>
+        <p:style>
+          <a:lnRef idx="2">
+            <a:schemeClr val="accent1">
+              <a:shade val="50000"/>
+            </a:schemeClr>
+          </a:lnRef>
+          <a:fillRef idx="1">
+            <a:schemeClr val="accent1"/>
+          </a:fillRef>
+          <a:effectRef idx="0">
+            <a:schemeClr val="accent1"/>
+          </a:effectRef>
+          <a:fontRef idx="minor">
+            <a:schemeClr val="lt1"/>
+          </a:fontRef>
+        </p:style>
+        <p:txBody>
+          <a:bodyPr rtlCol="0" anchor="ctr"/>
+          <a:lstStyle/>
+          <a:p>
+            <a:endParaRPr lang="de-DE" dirty="0">
+              <a:solidFill>
+                <a:schemeClr val="accent6"/>
+              </a:solidFill>
+            </a:endParaRPr>
+          </a:p>
+        </p:txBody>
+      </p:sp>
+      <p:sp>
+        <p:nvSpPr>
+          <p:cNvPr id="30" name="Rechteck 29"/>
+          <p:cNvSpPr/>
+          <p:nvPr/>
+        </p:nvSpPr>
+        <p:spPr>
+          <a:xfrm>
+            <a:off x="2699792" y="3405476"/>
+            <a:ext cx="360040" cy="360040"/>
+          </a:xfrm>
+          <a:prstGeom prst="rect">
+            <a:avLst/>
+          </a:prstGeom>
+          <a:solidFill>
+            <a:srgbClr val="CDFFE4"/>
+          </a:solidFill>
+          <a:ln>
+            <a:solidFill>
+              <a:srgbClr val="00B050"/>
+            </a:solidFill>
+          </a:ln>
+        </p:spPr>
+        <p:style>
+          <a:lnRef idx="2">
+            <a:schemeClr val="accent1">
+              <a:shade val="50000"/>
+            </a:schemeClr>
+          </a:lnRef>
+          <a:fillRef idx="1">
+            <a:schemeClr val="accent1"/>
+          </a:fillRef>
+          <a:effectRef idx="0">
+            <a:schemeClr val="accent1"/>
+          </a:effectRef>
+          <a:fontRef idx="minor">
+            <a:schemeClr val="lt1"/>
+          </a:fontRef>
+        </p:style>
+        <p:txBody>
+          <a:bodyPr rtlCol="0" anchor="ctr"/>
+          <a:lstStyle/>
+          <a:p>
+            <a:endParaRPr lang="de-DE" dirty="0">
+              <a:solidFill>
+                <a:schemeClr val="accent6"/>
+              </a:solidFill>
+            </a:endParaRPr>
+          </a:p>
+        </p:txBody>
+      </p:sp>
+      <p:sp>
+        <p:nvSpPr>
+          <p:cNvPr id="31" name="Rechteck 30"/>
+          <p:cNvSpPr/>
+          <p:nvPr/>
+        </p:nvSpPr>
+        <p:spPr>
+          <a:xfrm>
+            <a:off x="6552220" y="3405476"/>
+            <a:ext cx="180020" cy="360040"/>
+          </a:xfrm>
+          <a:prstGeom prst="rect">
+            <a:avLst/>
+          </a:prstGeom>
+          <a:solidFill>
+            <a:srgbClr val="CDFFE4"/>
+          </a:solidFill>
+          <a:ln>
+            <a:solidFill>
+              <a:srgbClr val="00B050"/>
+            </a:solidFill>
+          </a:ln>
+        </p:spPr>
+        <p:style>
+          <a:lnRef idx="2">
+            <a:schemeClr val="accent1">
+              <a:shade val="50000"/>
+            </a:schemeClr>
+          </a:lnRef>
+          <a:fillRef idx="1">
+            <a:schemeClr val="accent1"/>
+          </a:fillRef>
+          <a:effectRef idx="0">
+            <a:schemeClr val="accent1"/>
+          </a:effectRef>
+          <a:fontRef idx="minor">
+            <a:schemeClr val="lt1"/>
+          </a:fontRef>
+        </p:style>
+        <p:txBody>
+          <a:bodyPr rtlCol="0" anchor="ctr"/>
+          <a:lstStyle/>
+          <a:p>
+            <a:endParaRPr lang="de-DE" dirty="0">
+              <a:solidFill>
+                <a:schemeClr val="accent6"/>
+              </a:solidFill>
+            </a:endParaRPr>
+          </a:p>
+        </p:txBody>
+      </p:sp>
+      <p:sp>
+        <p:nvSpPr>
+          <p:cNvPr id="32" name="Rechteck 31"/>
+          <p:cNvSpPr/>
+          <p:nvPr/>
+        </p:nvSpPr>
+        <p:spPr>
+          <a:xfrm>
+            <a:off x="3340996" y="3405476"/>
+            <a:ext cx="438916" cy="360040"/>
+          </a:xfrm>
+          <a:prstGeom prst="rect">
+            <a:avLst/>
+          </a:prstGeom>
+          <a:solidFill>
+            <a:srgbClr val="CDFFE4"/>
+          </a:solidFill>
+          <a:ln>
+            <a:solidFill>
+              <a:srgbClr val="00B050"/>
+            </a:solidFill>
+          </a:ln>
+        </p:spPr>
+        <p:style>
+          <a:lnRef idx="2">
+            <a:schemeClr val="accent1">
+              <a:shade val="50000"/>
+            </a:schemeClr>
+          </a:lnRef>
+          <a:fillRef idx="1">
+            <a:schemeClr val="accent1"/>
+          </a:fillRef>
+          <a:effectRef idx="0">
+            <a:schemeClr val="accent1"/>
+          </a:effectRef>
+          <a:fontRef idx="minor">
+            <a:schemeClr val="lt1"/>
+          </a:fontRef>
+        </p:style>
+        <p:txBody>
+          <a:bodyPr rtlCol="0" anchor="ctr"/>
+          <a:lstStyle/>
+          <a:p>
+            <a:endParaRPr lang="de-DE" dirty="0">
+              <a:solidFill>
+                <a:schemeClr val="accent6"/>
+              </a:solidFill>
+            </a:endParaRPr>
+          </a:p>
+        </p:txBody>
+      </p:sp>
+      <p:sp>
+        <p:nvSpPr>
+          <p:cNvPr id="33" name="Rechteck 32"/>
+          <p:cNvSpPr/>
+          <p:nvPr/>
+        </p:nvSpPr>
+        <p:spPr>
+          <a:xfrm>
+            <a:off x="5148063" y="3405476"/>
+            <a:ext cx="300953" cy="360040"/>
+          </a:xfrm>
+          <a:prstGeom prst="rect">
+            <a:avLst/>
+          </a:prstGeom>
+          <a:solidFill>
+            <a:srgbClr val="CDFFE4"/>
+          </a:solidFill>
+          <a:ln>
+            <a:solidFill>
+              <a:srgbClr val="00B050"/>
             </a:solidFill>
           </a:ln>
         </p:spPr>
@@ -19521,13 +19837,13 @@
       </p:cxnSp>
       <p:cxnSp>
         <p:nvCxnSpPr>
-          <p:cNvPr id="40" name="Gerade Verbindung mit Pfeil 39"/>
+          <p:cNvPr id="38" name="Gerade Verbindung mit Pfeil 37"/>
           <p:cNvCxnSpPr/>
           <p:nvPr/>
         </p:nvCxnSpPr>
         <p:spPr>
           <a:xfrm>
-            <a:off x="4860032" y="3849285"/>
+            <a:off x="3059832" y="3849285"/>
             <a:ext cx="0" cy="1163891"/>
           </a:xfrm>
           <a:prstGeom prst="straightConnector1">
@@ -19554,22 +19870,20 @@
       </p:cxnSp>
       <p:cxnSp>
         <p:nvCxnSpPr>
-          <p:cNvPr id="43" name="Gerade Verbindung mit Pfeil 42"/>
+          <p:cNvPr id="39" name="Gerade Verbindung mit Pfeil 38"/>
           <p:cNvCxnSpPr/>
           <p:nvPr/>
         </p:nvCxnSpPr>
         <p:spPr>
           <a:xfrm>
-            <a:off x="5724128" y="3849285"/>
+            <a:off x="3779912" y="3849285"/>
             <a:ext cx="0" cy="1163891"/>
           </a:xfrm>
           <a:prstGeom prst="straightConnector1">
             <a:avLst/>
           </a:prstGeom>
           <a:ln w="12700">
-            <a:prstDash val="dash"/>
-            <a:headEnd type="arrow" w="med" len="med"/>
-            <a:tailEnd type="none" w="med" len="med"/>
+            <a:tailEnd type="arrow"/>
           </a:ln>
         </p:spPr>
         <p:style>
@@ -19589,22 +19903,20 @@
       </p:cxnSp>
       <p:cxnSp>
         <p:nvCxnSpPr>
-          <p:cNvPr id="47" name="Gerade Verbindung mit Pfeil 46"/>
+          <p:cNvPr id="40" name="Gerade Verbindung mit Pfeil 39"/>
           <p:cNvCxnSpPr/>
           <p:nvPr/>
         </p:nvCxnSpPr>
         <p:spPr>
           <a:xfrm>
-            <a:off x="4212290" y="3849285"/>
+            <a:off x="4860032" y="3849285"/>
             <a:ext cx="0" cy="1163891"/>
           </a:xfrm>
           <a:prstGeom prst="straightConnector1">
             <a:avLst/>
           </a:prstGeom>
           <a:ln w="12700">
-            <a:prstDash val="dash"/>
-            <a:headEnd type="arrow" w="med" len="med"/>
-            <a:tailEnd type="none" w="med" len="med"/>
+            <a:tailEnd type="arrow"/>
           </a:ln>
         </p:spPr>
         <p:style>
@@ -19624,13 +19936,221 @@
       </p:cxnSp>
       <p:cxnSp>
         <p:nvCxnSpPr>
-          <p:cNvPr id="49" name="Gerade Verbindung mit Pfeil 48"/>
+          <p:cNvPr id="41" name="Gerade Verbindung mit Pfeil 40"/>
           <p:cNvCxnSpPr/>
           <p:nvPr/>
         </p:nvCxnSpPr>
         <p:spPr>
           <a:xfrm>
+            <a:off x="5452960" y="3849285"/>
+            <a:ext cx="0" cy="1163891"/>
+          </a:xfrm>
+          <a:prstGeom prst="straightConnector1">
+            <a:avLst/>
+          </a:prstGeom>
+          <a:ln w="12700">
+            <a:tailEnd type="arrow"/>
+          </a:ln>
+        </p:spPr>
+        <p:style>
+          <a:lnRef idx="1">
+            <a:schemeClr val="accent4"/>
+          </a:lnRef>
+          <a:fillRef idx="0">
+            <a:schemeClr val="accent4"/>
+          </a:fillRef>
+          <a:effectRef idx="0">
+            <a:schemeClr val="accent4"/>
+          </a:effectRef>
+          <a:fontRef idx="minor">
+            <a:schemeClr val="tx1"/>
+          </a:fontRef>
+        </p:style>
+      </p:cxnSp>
+      <p:cxnSp>
+        <p:nvCxnSpPr>
+          <p:cNvPr id="50" name="Gerade Verbindung mit Pfeil 49"/>
+          <p:cNvCxnSpPr/>
+          <p:nvPr/>
+        </p:nvCxnSpPr>
+        <p:spPr>
+          <a:xfrm>
+            <a:off x="5724128" y="3849285"/>
+            <a:ext cx="0" cy="1163891"/>
+          </a:xfrm>
+          <a:prstGeom prst="straightConnector1">
+            <a:avLst/>
+          </a:prstGeom>
+          <a:ln w="12700">
+            <a:prstDash val="dash"/>
+            <a:headEnd type="arrow" w="med" len="med"/>
+            <a:tailEnd type="none" w="med" len="med"/>
+          </a:ln>
+        </p:spPr>
+        <p:style>
+          <a:lnRef idx="1">
+            <a:schemeClr val="accent4"/>
+          </a:lnRef>
+          <a:fillRef idx="0">
+            <a:schemeClr val="accent4"/>
+          </a:fillRef>
+          <a:effectRef idx="0">
+            <a:schemeClr val="accent4"/>
+          </a:effectRef>
+          <a:fontRef idx="minor">
+            <a:schemeClr val="tx1"/>
+          </a:fontRef>
+        </p:style>
+      </p:cxnSp>
+      <p:cxnSp>
+        <p:nvCxnSpPr>
+          <p:cNvPr id="51" name="Gerade Verbindung mit Pfeil 50"/>
+          <p:cNvCxnSpPr/>
+          <p:nvPr/>
+        </p:nvCxnSpPr>
+        <p:spPr>
+          <a:xfrm>
+            <a:off x="4212290" y="3849285"/>
+            <a:ext cx="0" cy="1163891"/>
+          </a:xfrm>
+          <a:prstGeom prst="straightConnector1">
+            <a:avLst/>
+          </a:prstGeom>
+          <a:ln w="12700">
+            <a:prstDash val="dash"/>
+            <a:headEnd type="arrow" w="med" len="med"/>
+            <a:tailEnd type="none" w="med" len="med"/>
+          </a:ln>
+        </p:spPr>
+        <p:style>
+          <a:lnRef idx="1">
+            <a:schemeClr val="accent4"/>
+          </a:lnRef>
+          <a:fillRef idx="0">
+            <a:schemeClr val="accent4"/>
+          </a:fillRef>
+          <a:effectRef idx="0">
+            <a:schemeClr val="accent4"/>
+          </a:effectRef>
+          <a:fontRef idx="minor">
+            <a:schemeClr val="tx1"/>
+          </a:fontRef>
+        </p:style>
+      </p:cxnSp>
+      <p:cxnSp>
+        <p:nvCxnSpPr>
+          <p:cNvPr id="52" name="Gerade Verbindung mit Pfeil 51"/>
+          <p:cNvCxnSpPr/>
+          <p:nvPr/>
+        </p:nvCxnSpPr>
+        <p:spPr>
+          <a:xfrm>
             <a:off x="2246308" y="3849285"/>
+            <a:ext cx="0" cy="1163891"/>
+          </a:xfrm>
+          <a:prstGeom prst="straightConnector1">
+            <a:avLst/>
+          </a:prstGeom>
+          <a:ln w="12700">
+            <a:prstDash val="dash"/>
+            <a:headEnd type="arrow" w="med" len="med"/>
+            <a:tailEnd type="none" w="med" len="med"/>
+          </a:ln>
+        </p:spPr>
+        <p:style>
+          <a:lnRef idx="1">
+            <a:schemeClr val="accent4"/>
+          </a:lnRef>
+          <a:fillRef idx="0">
+            <a:schemeClr val="accent4"/>
+          </a:fillRef>
+          <a:effectRef idx="0">
+            <a:schemeClr val="accent4"/>
+          </a:effectRef>
+          <a:fontRef idx="minor">
+            <a:schemeClr val="tx1"/>
+          </a:fontRef>
+        </p:style>
+      </p:cxnSp>
+      <p:cxnSp>
+        <p:nvCxnSpPr>
+          <p:cNvPr id="53" name="Gerade Verbindung mit Pfeil 52"/>
+          <p:cNvCxnSpPr/>
+          <p:nvPr/>
+        </p:nvCxnSpPr>
+        <p:spPr>
+          <a:xfrm>
+            <a:off x="3345353" y="3849285"/>
+            <a:ext cx="0" cy="1163891"/>
+          </a:xfrm>
+          <a:prstGeom prst="straightConnector1">
+            <a:avLst/>
+          </a:prstGeom>
+          <a:ln w="12700">
+            <a:prstDash val="dash"/>
+            <a:headEnd type="arrow" w="med" len="med"/>
+            <a:tailEnd type="none" w="med" len="med"/>
+          </a:ln>
+        </p:spPr>
+        <p:style>
+          <a:lnRef idx="1">
+            <a:schemeClr val="accent4"/>
+          </a:lnRef>
+          <a:fillRef idx="0">
+            <a:schemeClr val="accent4"/>
+          </a:fillRef>
+          <a:effectRef idx="0">
+            <a:schemeClr val="accent4"/>
+          </a:effectRef>
+          <a:fontRef idx="minor">
+            <a:schemeClr val="tx1"/>
+          </a:fontRef>
+        </p:style>
+      </p:cxnSp>
+      <p:cxnSp>
+        <p:nvCxnSpPr>
+          <p:cNvPr id="54" name="Gerade Verbindung mit Pfeil 53"/>
+          <p:cNvCxnSpPr/>
+          <p:nvPr/>
+        </p:nvCxnSpPr>
+        <p:spPr>
+          <a:xfrm>
+            <a:off x="5140616" y="3849285"/>
+            <a:ext cx="0" cy="1163891"/>
+          </a:xfrm>
+          <a:prstGeom prst="straightConnector1">
+            <a:avLst/>
+          </a:prstGeom>
+          <a:ln w="12700">
+            <a:prstDash val="dash"/>
+            <a:headEnd type="arrow" w="med" len="med"/>
+            <a:tailEnd type="none" w="med" len="med"/>
+          </a:ln>
+        </p:spPr>
+        <p:style>
+          <a:lnRef idx="1">
+            <a:schemeClr val="accent4"/>
+          </a:lnRef>
+          <a:fillRef idx="0">
+            <a:schemeClr val="accent4"/>
+          </a:fillRef>
+          <a:effectRef idx="0">
+            <a:schemeClr val="accent4"/>
+          </a:effectRef>
+          <a:fontRef idx="minor">
+            <a:schemeClr val="tx1"/>
+          </a:fontRef>
+        </p:style>
+      </p:cxnSp>
+      <p:cxnSp>
+        <p:nvCxnSpPr>
+          <p:cNvPr id="55" name="Gerade Verbindung mit Pfeil 54"/>
+          <p:cNvCxnSpPr/>
+          <p:nvPr/>
+        </p:nvCxnSpPr>
+        <p:spPr>
+          <a:xfrm>
+            <a:off x="6552220" y="3849285"/>
             <a:ext cx="0" cy="1163891"/>
           </a:xfrm>
           <a:prstGeom prst="straightConnector1">
@@ -19660,20 +20180,20 @@
     </p:spTree>
     <p:extLst>
       <p:ext uri="{BB962C8B-B14F-4D97-AF65-F5344CB8AC3E}">
-        <p14:creationId xmlns:p14="http://schemas.microsoft.com/office/powerpoint/2010/main" val="3406739250"/>
+        <p14:creationId xmlns:p14="http://schemas.microsoft.com/office/powerpoint/2010/main" val="138003420"/>
       </p:ext>
     </p:extLst>
   </p:cSld>
   <p:clrMapOvr>
     <a:masterClrMapping/>
   </p:clrMapOvr>
-  <mc:AlternateContent xmlns:mc="http://schemas.openxmlformats.org/markup-compatibility/2006">
-    <mc:Choice xmlns:p14="http://schemas.microsoft.com/office/powerpoint/2010/main" Requires="p14">
+  <mc:AlternateContent xmlns:mc="http://schemas.openxmlformats.org/markup-compatibility/2006" xmlns:p14="http://schemas.microsoft.com/office/powerpoint/2010/main">
+    <mc:Choice Requires="p14">
       <p:transition spd="med" p14:dur="700">
         <p:fade/>
       </p:transition>
     </mc:Choice>
-    <mc:Fallback>
+    <mc:Fallback xmlns="">
       <p:transition spd="med">
         <p:fade/>
       </p:transition>
@@ -19708,7 +20228,44 @@
       </p:grpSpPr>
       <p:sp>
         <p:nvSpPr>
-          <p:cNvPr id="3" name="Titel 2"/>
+          <p:cNvPr id="6" name="Inhaltsplatzhalter 5"/>
+          <p:cNvSpPr>
+            <a:spLocks noGrp="1"/>
+          </p:cNvSpPr>
+          <p:nvPr>
+            <p:ph idx="1"/>
+          </p:nvPr>
+        </p:nvSpPr>
+        <p:spPr/>
+        <p:txBody>
+          <a:bodyPr/>
+          <a:lstStyle/>
+          <a:p>
+            <a:pPr marL="0" indent="0">
+              <a:buNone/>
+            </a:pPr>
+            <a:r>
+              <a:rPr lang="de-DE" sz="2400" b="1" dirty="0" err="1" smtClean="0"/>
+              <a:t>nginx</a:t>
+            </a:r>
+            <a:r>
+              <a:rPr lang="de-DE" sz="2400" b="1" dirty="0" smtClean="0"/>
+              <a:t> </a:t>
+            </a:r>
+            <a:r>
+              <a:rPr lang="de-DE" sz="2400" b="1" dirty="0" err="1" smtClean="0"/>
+              <a:t>processes</a:t>
+            </a:r>
+            <a:r>
+              <a:rPr lang="de-DE" sz="2400" b="1" dirty="0"/>
+              <a:t>:</a:t>
+            </a:r>
+          </a:p>
+        </p:txBody>
+      </p:sp>
+      <p:sp>
+        <p:nvSpPr>
+          <p:cNvPr id="4" name="Titel 3"/>
           <p:cNvSpPr>
             <a:spLocks noGrp="1"/>
           </p:cNvSpPr>
@@ -19722,1496 +20279,79 @@
           <a:lstStyle/>
           <a:p>
             <a:r>
+              <a:rPr lang="de-DE" dirty="0" err="1" smtClean="0"/>
+              <a:t>nginx</a:t>
+            </a:r>
+            <a:r>
               <a:rPr lang="de-DE" dirty="0" smtClean="0"/>
-              <a:t>Event-</a:t>
+              <a:t> – </a:t>
             </a:r>
             <a:r>
               <a:rPr lang="de-DE" dirty="0" err="1" smtClean="0"/>
-              <a:t>based</a:t>
-            </a:r>
-            <a:r>
-              <a:rPr lang="de-DE" dirty="0" smtClean="0"/>
-              <a:t> </a:t>
-            </a:r>
-            <a:r>
-              <a:rPr lang="de-DE" dirty="0" err="1" smtClean="0"/>
-              <a:t>Architectures</a:t>
+              <a:t>Overview</a:t>
             </a:r>
             <a:endParaRPr lang="de-DE" dirty="0"/>
           </a:p>
         </p:txBody>
       </p:sp>
-      <p:cxnSp>
-        <p:nvCxnSpPr>
-          <p:cNvPr id="5" name="Gerade Verbindung mit Pfeil 4"/>
-          <p:cNvCxnSpPr/>
-          <p:nvPr/>
-        </p:nvCxnSpPr>
-        <p:spPr>
-          <a:xfrm>
-            <a:off x="971600" y="5949280"/>
-            <a:ext cx="7200800" cy="0"/>
-          </a:xfrm>
-          <a:prstGeom prst="straightConnector1">
-            <a:avLst/>
-          </a:prstGeom>
-          <a:ln w="28575">
-            <a:solidFill>
-              <a:schemeClr val="tx1"/>
-            </a:solidFill>
-            <a:tailEnd type="arrow"/>
-          </a:ln>
-        </p:spPr>
-        <p:style>
-          <a:lnRef idx="1">
-            <a:schemeClr val="accent4"/>
-          </a:lnRef>
-          <a:fillRef idx="0">
-            <a:schemeClr val="accent4"/>
-          </a:fillRef>
-          <a:effectRef idx="0">
-            <a:schemeClr val="accent4"/>
-          </a:effectRef>
-          <a:fontRef idx="minor">
-            <a:schemeClr val="tx1"/>
-          </a:fontRef>
-        </p:style>
-      </p:cxnSp>
-      <p:sp>
-        <p:nvSpPr>
-          <p:cNvPr id="6" name="Textfeld 5"/>
-          <p:cNvSpPr txBox="1"/>
-          <p:nvPr/>
-        </p:nvSpPr>
-        <p:spPr>
-          <a:xfrm>
-            <a:off x="7740352" y="6057825"/>
-            <a:ext cx="432048" cy="369332"/>
+      <p:pic>
+        <p:nvPicPr>
+          <p:cNvPr id="1026" name="Picture 2" descr="H:\studium\ies-project\presentation\nginx-overview.png"/>
+          <p:cNvPicPr>
+            <a:picLocks noChangeAspect="1" noChangeArrowheads="1"/>
+          </p:cNvPicPr>
+          <p:nvPr/>
+        </p:nvPicPr>
+        <p:blipFill>
+          <a:blip r:embed="rId3">
+            <a:extLst>
+              <a:ext uri="{28A0092B-C50C-407E-A947-70E740481C1C}">
+                <a14:useLocalDpi xmlns:a14="http://schemas.microsoft.com/office/drawing/2010/main" val="0"/>
+              </a:ext>
+            </a:extLst>
+          </a:blip>
+          <a:srcRect/>
+          <a:stretch>
+            <a:fillRect/>
+          </a:stretch>
+        </p:blipFill>
+        <p:spPr bwMode="auto">
+          <a:xfrm>
+            <a:off x="1907704" y="2420888"/>
+            <a:ext cx="4709839" cy="2805573"/>
           </a:xfrm>
           <a:prstGeom prst="rect">
             <a:avLst/>
           </a:prstGeom>
           <a:noFill/>
-        </p:spPr>
-        <p:txBody>
-          <a:bodyPr wrap="square" rtlCol="0">
-            <a:spAutoFit/>
-          </a:bodyPr>
-          <a:lstStyle/>
-          <a:p>
-            <a:r>
-              <a:rPr lang="de-DE" dirty="0" smtClean="0"/>
-              <a:t>t</a:t>
-            </a:r>
-            <a:endParaRPr lang="de-DE" dirty="0"/>
-          </a:p>
-        </p:txBody>
-      </p:sp>
-      <p:sp>
-        <p:nvSpPr>
-          <p:cNvPr id="7" name="Rechteck 6"/>
-          <p:cNvSpPr/>
-          <p:nvPr/>
-        </p:nvSpPr>
-        <p:spPr>
-          <a:xfrm>
-            <a:off x="971600" y="3189451"/>
-            <a:ext cx="7128792" cy="1319669"/>
-          </a:xfrm>
-          <a:prstGeom prst="rect">
-            <a:avLst/>
-          </a:prstGeom>
-        </p:spPr>
-        <p:style>
-          <a:lnRef idx="2">
-            <a:schemeClr val="accent3">
-              <a:shade val="50000"/>
-            </a:schemeClr>
-          </a:lnRef>
-          <a:fillRef idx="1">
-            <a:schemeClr val="accent3"/>
-          </a:fillRef>
-          <a:effectRef idx="0">
-            <a:schemeClr val="accent3"/>
-          </a:effectRef>
-          <a:fontRef idx="minor">
-            <a:schemeClr val="lt1"/>
-          </a:fontRef>
-        </p:style>
-        <p:txBody>
-          <a:bodyPr rtlCol="0" anchor="ctr"/>
-          <a:lstStyle/>
-          <a:p>
-            <a:pPr algn="ctr"/>
-            <a:endParaRPr lang="de-DE"/>
-          </a:p>
-        </p:txBody>
-      </p:sp>
-      <p:sp>
-        <p:nvSpPr>
-          <p:cNvPr id="8" name="Textfeld 7"/>
-          <p:cNvSpPr txBox="1"/>
-          <p:nvPr/>
-        </p:nvSpPr>
-        <p:spPr>
-          <a:xfrm>
-            <a:off x="973394" y="4509120"/>
-            <a:ext cx="1872208" cy="369332"/>
-          </a:xfrm>
-          <a:prstGeom prst="rect">
-            <a:avLst/>
-          </a:prstGeom>
-          <a:noFill/>
-        </p:spPr>
-        <p:txBody>
-          <a:bodyPr wrap="square" rtlCol="0">
-            <a:spAutoFit/>
-          </a:bodyPr>
-          <a:lstStyle/>
-          <a:p>
-            <a:r>
-              <a:rPr lang="en-US" dirty="0" smtClean="0"/>
-              <a:t>process</a:t>
-            </a:r>
-            <a:endParaRPr lang="en-US" dirty="0"/>
-          </a:p>
-        </p:txBody>
-      </p:sp>
-      <p:cxnSp>
-        <p:nvCxnSpPr>
-          <p:cNvPr id="10" name="Gerade Verbindung mit Pfeil 9"/>
-          <p:cNvCxnSpPr/>
-          <p:nvPr/>
-        </p:nvCxnSpPr>
-        <p:spPr>
-          <a:xfrm>
-            <a:off x="1691680" y="2541380"/>
-            <a:ext cx="0" cy="792088"/>
-          </a:xfrm>
-          <a:prstGeom prst="straightConnector1">
-            <a:avLst/>
-          </a:prstGeom>
-          <a:ln w="28575">
-            <a:headEnd type="none" w="med" len="med"/>
-            <a:tailEnd type="triangle" w="med" len="med"/>
-          </a:ln>
-        </p:spPr>
-        <p:style>
-          <a:lnRef idx="1">
-            <a:schemeClr val="accent2"/>
-          </a:lnRef>
-          <a:fillRef idx="0">
-            <a:schemeClr val="accent2"/>
-          </a:fillRef>
-          <a:effectRef idx="0">
-            <a:schemeClr val="accent2"/>
-          </a:effectRef>
-          <a:fontRef idx="minor">
-            <a:schemeClr val="tx1"/>
-          </a:fontRef>
-        </p:style>
-      </p:cxnSp>
-      <p:sp>
-        <p:nvSpPr>
-          <p:cNvPr id="11" name="Rechteck 10"/>
-          <p:cNvSpPr/>
-          <p:nvPr/>
-        </p:nvSpPr>
-        <p:spPr>
-          <a:xfrm>
-            <a:off x="971600" y="3405476"/>
-            <a:ext cx="7128792" cy="360040"/>
-          </a:xfrm>
-          <a:prstGeom prst="rect">
-            <a:avLst/>
-          </a:prstGeom>
-          <a:noFill/>
-          <a:ln>
-            <a:solidFill>
-              <a:schemeClr val="accent2">
-                <a:lumMod val="60000"/>
-                <a:lumOff val="40000"/>
-              </a:schemeClr>
-            </a:solidFill>
-          </a:ln>
-        </p:spPr>
-        <p:style>
-          <a:lnRef idx="2">
-            <a:schemeClr val="accent1">
-              <a:shade val="50000"/>
-            </a:schemeClr>
-          </a:lnRef>
-          <a:fillRef idx="1">
-            <a:schemeClr val="accent1"/>
-          </a:fillRef>
-          <a:effectRef idx="0">
-            <a:schemeClr val="accent1"/>
-          </a:effectRef>
-          <a:fontRef idx="minor">
-            <a:schemeClr val="lt1"/>
-          </a:fontRef>
-        </p:style>
-        <p:txBody>
-          <a:bodyPr rtlCol="0" anchor="ctr"/>
-          <a:lstStyle/>
-          <a:p>
-            <a:endParaRPr lang="de-DE" i="1" dirty="0">
-              <a:solidFill>
-                <a:schemeClr val="accent6"/>
-              </a:solidFill>
-            </a:endParaRPr>
-          </a:p>
-        </p:txBody>
-      </p:sp>
-      <p:cxnSp>
-        <p:nvCxnSpPr>
-          <p:cNvPr id="12" name="Gerade Verbindung mit Pfeil 11"/>
-          <p:cNvCxnSpPr/>
-          <p:nvPr/>
-        </p:nvCxnSpPr>
-        <p:spPr>
-          <a:xfrm>
-            <a:off x="5868144" y="2541380"/>
-            <a:ext cx="0" cy="792088"/>
-          </a:xfrm>
-          <a:prstGeom prst="straightConnector1">
-            <a:avLst/>
-          </a:prstGeom>
-          <a:ln w="28575">
-            <a:headEnd type="triangle" w="med" len="med"/>
-            <a:tailEnd type="none" w="med" len="med"/>
-          </a:ln>
-        </p:spPr>
-        <p:style>
-          <a:lnRef idx="1">
-            <a:schemeClr val="accent2"/>
-          </a:lnRef>
-          <a:fillRef idx="0">
-            <a:schemeClr val="accent2"/>
-          </a:fillRef>
-          <a:effectRef idx="0">
-            <a:schemeClr val="accent2"/>
-          </a:effectRef>
-          <a:fontRef idx="minor">
-            <a:schemeClr val="tx1"/>
-          </a:fontRef>
-        </p:style>
-      </p:cxnSp>
-      <p:cxnSp>
-        <p:nvCxnSpPr>
-          <p:cNvPr id="13" name="Gerade Verbindung mit Pfeil 12"/>
-          <p:cNvCxnSpPr/>
-          <p:nvPr/>
-        </p:nvCxnSpPr>
-        <p:spPr>
-          <a:xfrm>
-            <a:off x="2699792" y="2937424"/>
-            <a:ext cx="0" cy="396044"/>
-          </a:xfrm>
-          <a:prstGeom prst="straightConnector1">
-            <a:avLst/>
-          </a:prstGeom>
-          <a:ln w="28575">
-            <a:solidFill>
-              <a:srgbClr val="00B050"/>
-            </a:solidFill>
-            <a:headEnd type="none" w="med" len="med"/>
-            <a:tailEnd type="triangle" w="med" len="med"/>
-          </a:ln>
-        </p:spPr>
-        <p:style>
-          <a:lnRef idx="1">
-            <a:schemeClr val="accent2"/>
-          </a:lnRef>
-          <a:fillRef idx="0">
-            <a:schemeClr val="accent2"/>
-          </a:fillRef>
-          <a:effectRef idx="0">
-            <a:schemeClr val="accent2"/>
-          </a:effectRef>
-          <a:fontRef idx="minor">
-            <a:schemeClr val="tx1"/>
-          </a:fontRef>
-        </p:style>
-      </p:cxnSp>
-      <p:sp>
-        <p:nvSpPr>
-          <p:cNvPr id="14" name="Rechteck 13"/>
-          <p:cNvSpPr/>
-          <p:nvPr/>
-        </p:nvSpPr>
-        <p:spPr>
-          <a:xfrm>
-            <a:off x="1682221" y="3405476"/>
-            <a:ext cx="360040" cy="360040"/>
-          </a:xfrm>
-          <a:prstGeom prst="rect">
-            <a:avLst/>
-          </a:prstGeom>
-          <a:solidFill>
-            <a:schemeClr val="accent2">
-              <a:lumMod val="20000"/>
-              <a:lumOff val="80000"/>
-            </a:schemeClr>
-          </a:solidFill>
-          <a:ln>
-            <a:solidFill>
-              <a:schemeClr val="accent2">
-                <a:lumMod val="60000"/>
-                <a:lumOff val="40000"/>
-              </a:schemeClr>
-            </a:solidFill>
-          </a:ln>
-        </p:spPr>
-        <p:style>
-          <a:lnRef idx="2">
-            <a:schemeClr val="accent1">
-              <a:shade val="50000"/>
-            </a:schemeClr>
-          </a:lnRef>
-          <a:fillRef idx="1">
-            <a:schemeClr val="accent1"/>
-          </a:fillRef>
-          <a:effectRef idx="0">
-            <a:schemeClr val="accent1"/>
-          </a:effectRef>
-          <a:fontRef idx="minor">
-            <a:schemeClr val="lt1"/>
-          </a:fontRef>
-        </p:style>
-        <p:txBody>
-          <a:bodyPr rtlCol="0" anchor="ctr"/>
-          <a:lstStyle/>
-          <a:p>
-            <a:endParaRPr lang="de-DE" dirty="0">
-              <a:solidFill>
-                <a:schemeClr val="accent6"/>
-              </a:solidFill>
-            </a:endParaRPr>
-          </a:p>
-        </p:txBody>
-      </p:sp>
-      <p:cxnSp>
-        <p:nvCxnSpPr>
-          <p:cNvPr id="15" name="Gerade Verbindung mit Pfeil 14"/>
-          <p:cNvCxnSpPr/>
-          <p:nvPr/>
-        </p:nvCxnSpPr>
-        <p:spPr>
-          <a:xfrm>
-            <a:off x="6732240" y="2937424"/>
-            <a:ext cx="0" cy="396044"/>
-          </a:xfrm>
-          <a:prstGeom prst="straightConnector1">
-            <a:avLst/>
-          </a:prstGeom>
-          <a:ln w="28575">
-            <a:solidFill>
-              <a:srgbClr val="00B050"/>
-            </a:solidFill>
-            <a:headEnd type="triangle" w="med" len="med"/>
-            <a:tailEnd type="none" w="med" len="med"/>
-          </a:ln>
-        </p:spPr>
-        <p:style>
-          <a:lnRef idx="1">
-            <a:schemeClr val="accent2"/>
-          </a:lnRef>
-          <a:fillRef idx="0">
-            <a:schemeClr val="accent2"/>
-          </a:fillRef>
-          <a:effectRef idx="0">
-            <a:schemeClr val="accent2"/>
-          </a:effectRef>
-          <a:fontRef idx="minor">
-            <a:schemeClr val="tx1"/>
-          </a:fontRef>
-        </p:style>
-      </p:cxnSp>
-      <p:sp>
-        <p:nvSpPr>
-          <p:cNvPr id="18" name="Textfeld 17"/>
-          <p:cNvSpPr txBox="1"/>
-          <p:nvPr/>
-        </p:nvSpPr>
-        <p:spPr>
-          <a:xfrm>
-            <a:off x="971600" y="2109332"/>
-            <a:ext cx="1274708" cy="369332"/>
-          </a:xfrm>
-          <a:prstGeom prst="rect">
-            <a:avLst/>
-          </a:prstGeom>
-          <a:noFill/>
-        </p:spPr>
-        <p:txBody>
-          <a:bodyPr wrap="none" rtlCol="0">
-            <a:spAutoFit/>
-          </a:bodyPr>
-          <a:lstStyle/>
-          <a:p>
-            <a:r>
-              <a:rPr lang="de-DE" dirty="0" err="1" smtClean="0">
-                <a:solidFill>
-                  <a:schemeClr val="accent6"/>
-                </a:solidFill>
-              </a:rPr>
-              <a:t>request</a:t>
-            </a:r>
-            <a:r>
-              <a:rPr lang="de-DE" dirty="0" smtClean="0">
-                <a:solidFill>
-                  <a:schemeClr val="accent6"/>
-                </a:solidFill>
-              </a:rPr>
-              <a:t> #1</a:t>
-            </a:r>
-            <a:endParaRPr lang="de-DE" dirty="0">
-              <a:solidFill>
-                <a:schemeClr val="accent6"/>
-              </a:solidFill>
-            </a:endParaRPr>
-          </a:p>
-        </p:txBody>
-      </p:sp>
-      <p:sp>
-        <p:nvSpPr>
-          <p:cNvPr id="19" name="Textfeld 18"/>
-          <p:cNvSpPr txBox="1"/>
-          <p:nvPr/>
-        </p:nvSpPr>
-        <p:spPr>
-          <a:xfrm>
-            <a:off x="2246308" y="2568092"/>
-            <a:ext cx="1274708" cy="369332"/>
-          </a:xfrm>
-          <a:prstGeom prst="rect">
-            <a:avLst/>
-          </a:prstGeom>
-          <a:noFill/>
-        </p:spPr>
-        <p:txBody>
-          <a:bodyPr wrap="none" rtlCol="0">
-            <a:spAutoFit/>
-          </a:bodyPr>
-          <a:lstStyle/>
-          <a:p>
-            <a:r>
-              <a:rPr lang="de-DE" dirty="0" err="1" smtClean="0">
-                <a:solidFill>
-                  <a:srgbClr val="00B050"/>
-                </a:solidFill>
-              </a:rPr>
-              <a:t>request</a:t>
-            </a:r>
-            <a:r>
-              <a:rPr lang="de-DE" dirty="0" smtClean="0">
-                <a:solidFill>
-                  <a:srgbClr val="00B050"/>
-                </a:solidFill>
-              </a:rPr>
-              <a:t> #2</a:t>
-            </a:r>
-            <a:endParaRPr lang="de-DE" dirty="0">
-              <a:solidFill>
-                <a:srgbClr val="00B050"/>
-              </a:solidFill>
-            </a:endParaRPr>
-          </a:p>
-        </p:txBody>
-      </p:sp>
-      <p:sp>
-        <p:nvSpPr>
-          <p:cNvPr id="20" name="Textfeld 19"/>
-          <p:cNvSpPr txBox="1"/>
-          <p:nvPr/>
-        </p:nvSpPr>
-        <p:spPr>
-          <a:xfrm>
-            <a:off x="5436096" y="2109332"/>
-            <a:ext cx="1454244" cy="369332"/>
-          </a:xfrm>
-          <a:prstGeom prst="rect">
-            <a:avLst/>
-          </a:prstGeom>
-          <a:noFill/>
-        </p:spPr>
-        <p:txBody>
-          <a:bodyPr wrap="none" rtlCol="0">
-            <a:spAutoFit/>
-          </a:bodyPr>
-          <a:lstStyle/>
-          <a:p>
-            <a:r>
-              <a:rPr lang="de-DE" dirty="0" err="1" smtClean="0">
-                <a:solidFill>
-                  <a:schemeClr val="accent6"/>
-                </a:solidFill>
-              </a:rPr>
-              <a:t>response</a:t>
-            </a:r>
-            <a:r>
-              <a:rPr lang="de-DE" dirty="0" smtClean="0">
-                <a:solidFill>
-                  <a:schemeClr val="accent6"/>
-                </a:solidFill>
-              </a:rPr>
-              <a:t> #1</a:t>
-            </a:r>
-            <a:endParaRPr lang="de-DE" dirty="0">
-              <a:solidFill>
-                <a:schemeClr val="accent6"/>
-              </a:solidFill>
-            </a:endParaRPr>
-          </a:p>
-        </p:txBody>
-      </p:sp>
-      <p:sp>
-        <p:nvSpPr>
-          <p:cNvPr id="21" name="Textfeld 20"/>
-          <p:cNvSpPr txBox="1"/>
-          <p:nvPr/>
-        </p:nvSpPr>
-        <p:spPr>
-          <a:xfrm>
-            <a:off x="6508703" y="2568092"/>
-            <a:ext cx="1454244" cy="369332"/>
-          </a:xfrm>
-          <a:prstGeom prst="rect">
-            <a:avLst/>
-          </a:prstGeom>
-          <a:noFill/>
-        </p:spPr>
-        <p:txBody>
-          <a:bodyPr wrap="none" rtlCol="0">
-            <a:spAutoFit/>
-          </a:bodyPr>
-          <a:lstStyle/>
-          <a:p>
-            <a:r>
-              <a:rPr lang="de-DE" dirty="0" err="1">
-                <a:solidFill>
-                  <a:srgbClr val="00B050"/>
-                </a:solidFill>
-              </a:rPr>
-              <a:t>response</a:t>
-            </a:r>
-            <a:r>
-              <a:rPr lang="de-DE" dirty="0">
-                <a:solidFill>
-                  <a:srgbClr val="00B050"/>
-                </a:solidFill>
-              </a:rPr>
-              <a:t> </a:t>
-            </a:r>
-            <a:r>
-              <a:rPr lang="de-DE" dirty="0" smtClean="0">
-                <a:solidFill>
-                  <a:srgbClr val="00B050"/>
-                </a:solidFill>
-              </a:rPr>
-              <a:t>#2</a:t>
-            </a:r>
-            <a:endParaRPr lang="de-DE" dirty="0">
-              <a:solidFill>
-                <a:srgbClr val="00B050"/>
-              </a:solidFill>
-            </a:endParaRPr>
-          </a:p>
-        </p:txBody>
-      </p:sp>
-      <p:sp>
-        <p:nvSpPr>
-          <p:cNvPr id="25" name="Rechteck 24"/>
-          <p:cNvSpPr/>
-          <p:nvPr/>
-        </p:nvSpPr>
-        <p:spPr>
-          <a:xfrm>
-            <a:off x="2246308" y="3405476"/>
-            <a:ext cx="360040" cy="360040"/>
-          </a:xfrm>
-          <a:prstGeom prst="rect">
-            <a:avLst/>
-          </a:prstGeom>
-          <a:solidFill>
-            <a:schemeClr val="accent2">
-              <a:lumMod val="20000"/>
-              <a:lumOff val="80000"/>
-            </a:schemeClr>
-          </a:solidFill>
-          <a:ln>
-            <a:solidFill>
-              <a:schemeClr val="accent2">
-                <a:lumMod val="60000"/>
-                <a:lumOff val="40000"/>
-              </a:schemeClr>
-            </a:solidFill>
-          </a:ln>
-        </p:spPr>
-        <p:style>
-          <a:lnRef idx="2">
-            <a:schemeClr val="accent1">
-              <a:shade val="50000"/>
-            </a:schemeClr>
-          </a:lnRef>
-          <a:fillRef idx="1">
-            <a:schemeClr val="accent1"/>
-          </a:fillRef>
-          <a:effectRef idx="0">
-            <a:schemeClr val="accent1"/>
-          </a:effectRef>
-          <a:fontRef idx="minor">
-            <a:schemeClr val="lt1"/>
-          </a:fontRef>
-        </p:style>
-        <p:txBody>
-          <a:bodyPr rtlCol="0" anchor="ctr"/>
-          <a:lstStyle/>
-          <a:p>
-            <a:endParaRPr lang="de-DE" dirty="0">
-              <a:solidFill>
-                <a:schemeClr val="accent6"/>
-              </a:solidFill>
-            </a:endParaRPr>
-          </a:p>
-        </p:txBody>
-      </p:sp>
-      <p:sp>
-        <p:nvSpPr>
-          <p:cNvPr id="28" name="Rechteck 27"/>
-          <p:cNvSpPr/>
-          <p:nvPr/>
-        </p:nvSpPr>
-        <p:spPr>
-          <a:xfrm>
-            <a:off x="4211960" y="3405476"/>
-            <a:ext cx="648072" cy="360040"/>
-          </a:xfrm>
-          <a:prstGeom prst="rect">
-            <a:avLst/>
-          </a:prstGeom>
-          <a:solidFill>
-            <a:schemeClr val="accent2">
-              <a:lumMod val="20000"/>
-              <a:lumOff val="80000"/>
-            </a:schemeClr>
-          </a:solidFill>
-          <a:ln>
-            <a:solidFill>
-              <a:schemeClr val="accent2">
-                <a:lumMod val="60000"/>
-                <a:lumOff val="40000"/>
-              </a:schemeClr>
-            </a:solidFill>
-          </a:ln>
-        </p:spPr>
-        <p:style>
-          <a:lnRef idx="2">
-            <a:schemeClr val="accent1">
-              <a:shade val="50000"/>
-            </a:schemeClr>
-          </a:lnRef>
-          <a:fillRef idx="1">
-            <a:schemeClr val="accent1"/>
-          </a:fillRef>
-          <a:effectRef idx="0">
-            <a:schemeClr val="accent1"/>
-          </a:effectRef>
-          <a:fontRef idx="minor">
-            <a:schemeClr val="lt1"/>
-          </a:fontRef>
-        </p:style>
-        <p:txBody>
-          <a:bodyPr rtlCol="0" anchor="ctr"/>
-          <a:lstStyle/>
-          <a:p>
-            <a:endParaRPr lang="de-DE" dirty="0">
-              <a:solidFill>
-                <a:schemeClr val="accent6"/>
-              </a:solidFill>
-            </a:endParaRPr>
-          </a:p>
-        </p:txBody>
-      </p:sp>
-      <p:sp>
-        <p:nvSpPr>
-          <p:cNvPr id="29" name="Rechteck 28"/>
-          <p:cNvSpPr/>
-          <p:nvPr/>
-        </p:nvSpPr>
-        <p:spPr>
-          <a:xfrm>
-            <a:off x="5724128" y="3410630"/>
-            <a:ext cx="173608" cy="354886"/>
-          </a:xfrm>
-          <a:prstGeom prst="rect">
-            <a:avLst/>
-          </a:prstGeom>
-          <a:solidFill>
-            <a:schemeClr val="accent2">
-              <a:lumMod val="20000"/>
-              <a:lumOff val="80000"/>
-            </a:schemeClr>
-          </a:solidFill>
-          <a:ln>
-            <a:solidFill>
-              <a:schemeClr val="accent2">
-                <a:lumMod val="60000"/>
-                <a:lumOff val="40000"/>
-              </a:schemeClr>
-            </a:solidFill>
-          </a:ln>
-        </p:spPr>
-        <p:style>
-          <a:lnRef idx="2">
-            <a:schemeClr val="accent1">
-              <a:shade val="50000"/>
-            </a:schemeClr>
-          </a:lnRef>
-          <a:fillRef idx="1">
-            <a:schemeClr val="accent1"/>
-          </a:fillRef>
-          <a:effectRef idx="0">
-            <a:schemeClr val="accent1"/>
-          </a:effectRef>
-          <a:fontRef idx="minor">
-            <a:schemeClr val="lt1"/>
-          </a:fontRef>
-        </p:style>
-        <p:txBody>
-          <a:bodyPr rtlCol="0" anchor="ctr"/>
-          <a:lstStyle/>
-          <a:p>
-            <a:endParaRPr lang="de-DE" dirty="0">
-              <a:solidFill>
-                <a:schemeClr val="accent6"/>
-              </a:solidFill>
-            </a:endParaRPr>
-          </a:p>
-        </p:txBody>
-      </p:sp>
-      <p:sp>
-        <p:nvSpPr>
-          <p:cNvPr id="30" name="Rechteck 29"/>
-          <p:cNvSpPr/>
-          <p:nvPr/>
-        </p:nvSpPr>
-        <p:spPr>
-          <a:xfrm>
-            <a:off x="2699792" y="3405476"/>
-            <a:ext cx="360040" cy="360040"/>
-          </a:xfrm>
-          <a:prstGeom prst="rect">
-            <a:avLst/>
-          </a:prstGeom>
-          <a:solidFill>
-            <a:srgbClr val="CDFFE4"/>
-          </a:solidFill>
-          <a:ln>
-            <a:solidFill>
-              <a:srgbClr val="00B050"/>
-            </a:solidFill>
-          </a:ln>
-        </p:spPr>
-        <p:style>
-          <a:lnRef idx="2">
-            <a:schemeClr val="accent1">
-              <a:shade val="50000"/>
-            </a:schemeClr>
-          </a:lnRef>
-          <a:fillRef idx="1">
-            <a:schemeClr val="accent1"/>
-          </a:fillRef>
-          <a:effectRef idx="0">
-            <a:schemeClr val="accent1"/>
-          </a:effectRef>
-          <a:fontRef idx="minor">
-            <a:schemeClr val="lt1"/>
-          </a:fontRef>
-        </p:style>
-        <p:txBody>
-          <a:bodyPr rtlCol="0" anchor="ctr"/>
-          <a:lstStyle/>
-          <a:p>
-            <a:endParaRPr lang="de-DE" dirty="0">
-              <a:solidFill>
-                <a:schemeClr val="accent6"/>
-              </a:solidFill>
-            </a:endParaRPr>
-          </a:p>
-        </p:txBody>
-      </p:sp>
-      <p:sp>
-        <p:nvSpPr>
-          <p:cNvPr id="31" name="Rechteck 30"/>
-          <p:cNvSpPr/>
-          <p:nvPr/>
-        </p:nvSpPr>
-        <p:spPr>
-          <a:xfrm>
-            <a:off x="6552220" y="3405476"/>
-            <a:ext cx="180020" cy="360040"/>
-          </a:xfrm>
-          <a:prstGeom prst="rect">
-            <a:avLst/>
-          </a:prstGeom>
-          <a:solidFill>
-            <a:srgbClr val="CDFFE4"/>
-          </a:solidFill>
-          <a:ln>
-            <a:solidFill>
-              <a:srgbClr val="00B050"/>
-            </a:solidFill>
-          </a:ln>
-        </p:spPr>
-        <p:style>
-          <a:lnRef idx="2">
-            <a:schemeClr val="accent1">
-              <a:shade val="50000"/>
-            </a:schemeClr>
-          </a:lnRef>
-          <a:fillRef idx="1">
-            <a:schemeClr val="accent1"/>
-          </a:fillRef>
-          <a:effectRef idx="0">
-            <a:schemeClr val="accent1"/>
-          </a:effectRef>
-          <a:fontRef idx="minor">
-            <a:schemeClr val="lt1"/>
-          </a:fontRef>
-        </p:style>
-        <p:txBody>
-          <a:bodyPr rtlCol="0" anchor="ctr"/>
-          <a:lstStyle/>
-          <a:p>
-            <a:endParaRPr lang="de-DE" dirty="0">
-              <a:solidFill>
-                <a:schemeClr val="accent6"/>
-              </a:solidFill>
-            </a:endParaRPr>
-          </a:p>
-        </p:txBody>
-      </p:sp>
-      <p:sp>
-        <p:nvSpPr>
-          <p:cNvPr id="32" name="Rechteck 31"/>
-          <p:cNvSpPr/>
-          <p:nvPr/>
-        </p:nvSpPr>
-        <p:spPr>
-          <a:xfrm>
-            <a:off x="3340996" y="3405476"/>
-            <a:ext cx="438916" cy="360040"/>
-          </a:xfrm>
-          <a:prstGeom prst="rect">
-            <a:avLst/>
-          </a:prstGeom>
-          <a:solidFill>
-            <a:srgbClr val="CDFFE4"/>
-          </a:solidFill>
-          <a:ln>
-            <a:solidFill>
-              <a:srgbClr val="00B050"/>
-            </a:solidFill>
-          </a:ln>
-        </p:spPr>
-        <p:style>
-          <a:lnRef idx="2">
-            <a:schemeClr val="accent1">
-              <a:shade val="50000"/>
-            </a:schemeClr>
-          </a:lnRef>
-          <a:fillRef idx="1">
-            <a:schemeClr val="accent1"/>
-          </a:fillRef>
-          <a:effectRef idx="0">
-            <a:schemeClr val="accent1"/>
-          </a:effectRef>
-          <a:fontRef idx="minor">
-            <a:schemeClr val="lt1"/>
-          </a:fontRef>
-        </p:style>
-        <p:txBody>
-          <a:bodyPr rtlCol="0" anchor="ctr"/>
-          <a:lstStyle/>
-          <a:p>
-            <a:endParaRPr lang="de-DE" dirty="0">
-              <a:solidFill>
-                <a:schemeClr val="accent6"/>
-              </a:solidFill>
-            </a:endParaRPr>
-          </a:p>
-        </p:txBody>
-      </p:sp>
-      <p:sp>
-        <p:nvSpPr>
-          <p:cNvPr id="33" name="Rechteck 32"/>
-          <p:cNvSpPr/>
-          <p:nvPr/>
-        </p:nvSpPr>
-        <p:spPr>
-          <a:xfrm>
-            <a:off x="5148063" y="3405476"/>
-            <a:ext cx="300953" cy="360040"/>
-          </a:xfrm>
-          <a:prstGeom prst="rect">
-            <a:avLst/>
-          </a:prstGeom>
-          <a:solidFill>
-            <a:srgbClr val="CDFFE4"/>
-          </a:solidFill>
-          <a:ln>
-            <a:solidFill>
-              <a:srgbClr val="00B050"/>
-            </a:solidFill>
-          </a:ln>
-        </p:spPr>
-        <p:style>
-          <a:lnRef idx="2">
-            <a:schemeClr val="accent1">
-              <a:shade val="50000"/>
-            </a:schemeClr>
-          </a:lnRef>
-          <a:fillRef idx="1">
-            <a:schemeClr val="accent1"/>
-          </a:fillRef>
-          <a:effectRef idx="0">
-            <a:schemeClr val="accent1"/>
-          </a:effectRef>
-          <a:fontRef idx="minor">
-            <a:schemeClr val="lt1"/>
-          </a:fontRef>
-        </p:style>
-        <p:txBody>
-          <a:bodyPr rtlCol="0" anchor="ctr"/>
-          <a:lstStyle/>
-          <a:p>
-            <a:endParaRPr lang="de-DE" dirty="0">
-              <a:solidFill>
-                <a:schemeClr val="accent6"/>
-              </a:solidFill>
-            </a:endParaRPr>
-          </a:p>
-        </p:txBody>
-      </p:sp>
-      <p:sp>
-        <p:nvSpPr>
-          <p:cNvPr id="34" name="Rechteck 33"/>
-          <p:cNvSpPr/>
-          <p:nvPr/>
-        </p:nvSpPr>
-        <p:spPr>
-          <a:xfrm>
-            <a:off x="971600" y="5133667"/>
-            <a:ext cx="7128792" cy="671597"/>
-          </a:xfrm>
-          <a:prstGeom prst="rect">
-            <a:avLst/>
-          </a:prstGeom>
-        </p:spPr>
-        <p:style>
-          <a:lnRef idx="2">
-            <a:schemeClr val="accent1">
-              <a:shade val="50000"/>
-            </a:schemeClr>
-          </a:lnRef>
-          <a:fillRef idx="1">
-            <a:schemeClr val="accent1"/>
-          </a:fillRef>
-          <a:effectRef idx="0">
-            <a:schemeClr val="accent1"/>
-          </a:effectRef>
-          <a:fontRef idx="minor">
-            <a:schemeClr val="lt1"/>
-          </a:fontRef>
-        </p:style>
-        <p:txBody>
-          <a:bodyPr rtlCol="0" anchor="ctr"/>
-          <a:lstStyle/>
-          <a:p>
-            <a:pPr algn="ctr"/>
-            <a:r>
-              <a:rPr lang="de-DE" dirty="0" err="1" smtClean="0">
-                <a:solidFill>
-                  <a:schemeClr val="tx1"/>
-                </a:solidFill>
-              </a:rPr>
-              <a:t>event</a:t>
-            </a:r>
-            <a:r>
-              <a:rPr lang="de-DE" dirty="0" smtClean="0">
-                <a:solidFill>
-                  <a:schemeClr val="tx1"/>
-                </a:solidFill>
-              </a:rPr>
-              <a:t> </a:t>
-            </a:r>
-            <a:r>
-              <a:rPr lang="de-DE" dirty="0" err="1" smtClean="0">
-                <a:solidFill>
-                  <a:schemeClr val="tx1"/>
-                </a:solidFill>
-              </a:rPr>
-              <a:t>module</a:t>
-            </a:r>
-            <a:r>
-              <a:rPr lang="de-DE" dirty="0" smtClean="0">
-                <a:solidFill>
-                  <a:schemeClr val="tx1"/>
-                </a:solidFill>
-              </a:rPr>
-              <a:t> (e.g. „</a:t>
-            </a:r>
-            <a:r>
-              <a:rPr lang="de-DE" dirty="0" err="1" smtClean="0">
-                <a:solidFill>
-                  <a:schemeClr val="tx1"/>
-                </a:solidFill>
-              </a:rPr>
-              <a:t>epoll</a:t>
-            </a:r>
-            <a:r>
-              <a:rPr lang="de-DE" dirty="0" smtClean="0">
-                <a:solidFill>
-                  <a:schemeClr val="tx1"/>
-                </a:solidFill>
-              </a:rPr>
-              <a:t>“)</a:t>
-            </a:r>
-            <a:endParaRPr lang="de-DE" dirty="0">
-              <a:solidFill>
-                <a:schemeClr val="tx1"/>
-              </a:solidFill>
-            </a:endParaRPr>
-          </a:p>
-        </p:txBody>
-      </p:sp>
-      <p:cxnSp>
-        <p:nvCxnSpPr>
-          <p:cNvPr id="17" name="Gerade Verbindung mit Pfeil 16"/>
-          <p:cNvCxnSpPr/>
-          <p:nvPr/>
-        </p:nvCxnSpPr>
-        <p:spPr>
-          <a:xfrm>
-            <a:off x="2042261" y="3849285"/>
-            <a:ext cx="0" cy="1163891"/>
-          </a:xfrm>
-          <a:prstGeom prst="straightConnector1">
-            <a:avLst/>
-          </a:prstGeom>
-          <a:ln w="12700">
-            <a:tailEnd type="arrow"/>
-          </a:ln>
-        </p:spPr>
-        <p:style>
-          <a:lnRef idx="1">
-            <a:schemeClr val="accent4"/>
-          </a:lnRef>
-          <a:fillRef idx="0">
-            <a:schemeClr val="accent4"/>
-          </a:fillRef>
-          <a:effectRef idx="0">
-            <a:schemeClr val="accent4"/>
-          </a:effectRef>
-          <a:fontRef idx="minor">
-            <a:schemeClr val="tx1"/>
-          </a:fontRef>
-        </p:style>
-      </p:cxnSp>
-      <p:cxnSp>
-        <p:nvCxnSpPr>
-          <p:cNvPr id="37" name="Gerade Verbindung mit Pfeil 36"/>
-          <p:cNvCxnSpPr/>
-          <p:nvPr/>
-        </p:nvCxnSpPr>
-        <p:spPr>
-          <a:xfrm>
-            <a:off x="2606348" y="3849285"/>
-            <a:ext cx="0" cy="1163891"/>
-          </a:xfrm>
-          <a:prstGeom prst="straightConnector1">
-            <a:avLst/>
-          </a:prstGeom>
-          <a:ln w="12700">
-            <a:tailEnd type="arrow"/>
-          </a:ln>
-        </p:spPr>
-        <p:style>
-          <a:lnRef idx="1">
-            <a:schemeClr val="accent4"/>
-          </a:lnRef>
-          <a:fillRef idx="0">
-            <a:schemeClr val="accent4"/>
-          </a:fillRef>
-          <a:effectRef idx="0">
-            <a:schemeClr val="accent4"/>
-          </a:effectRef>
-          <a:fontRef idx="minor">
-            <a:schemeClr val="tx1"/>
-          </a:fontRef>
-        </p:style>
-      </p:cxnSp>
-      <p:cxnSp>
-        <p:nvCxnSpPr>
-          <p:cNvPr id="38" name="Gerade Verbindung mit Pfeil 37"/>
-          <p:cNvCxnSpPr/>
-          <p:nvPr/>
-        </p:nvCxnSpPr>
-        <p:spPr>
-          <a:xfrm>
-            <a:off x="3059832" y="3849285"/>
-            <a:ext cx="0" cy="1163891"/>
-          </a:xfrm>
-          <a:prstGeom prst="straightConnector1">
-            <a:avLst/>
-          </a:prstGeom>
-          <a:ln w="12700">
-            <a:tailEnd type="arrow"/>
-          </a:ln>
-        </p:spPr>
-        <p:style>
-          <a:lnRef idx="1">
-            <a:schemeClr val="accent4"/>
-          </a:lnRef>
-          <a:fillRef idx="0">
-            <a:schemeClr val="accent4"/>
-          </a:fillRef>
-          <a:effectRef idx="0">
-            <a:schemeClr val="accent4"/>
-          </a:effectRef>
-          <a:fontRef idx="minor">
-            <a:schemeClr val="tx1"/>
-          </a:fontRef>
-        </p:style>
-      </p:cxnSp>
-      <p:cxnSp>
-        <p:nvCxnSpPr>
-          <p:cNvPr id="39" name="Gerade Verbindung mit Pfeil 38"/>
-          <p:cNvCxnSpPr/>
-          <p:nvPr/>
-        </p:nvCxnSpPr>
-        <p:spPr>
-          <a:xfrm>
-            <a:off x="3779912" y="3849285"/>
-            <a:ext cx="0" cy="1163891"/>
-          </a:xfrm>
-          <a:prstGeom prst="straightConnector1">
-            <a:avLst/>
-          </a:prstGeom>
-          <a:ln w="12700">
-            <a:tailEnd type="arrow"/>
-          </a:ln>
-        </p:spPr>
-        <p:style>
-          <a:lnRef idx="1">
-            <a:schemeClr val="accent4"/>
-          </a:lnRef>
-          <a:fillRef idx="0">
-            <a:schemeClr val="accent4"/>
-          </a:fillRef>
-          <a:effectRef idx="0">
-            <a:schemeClr val="accent4"/>
-          </a:effectRef>
-          <a:fontRef idx="minor">
-            <a:schemeClr val="tx1"/>
-          </a:fontRef>
-        </p:style>
-      </p:cxnSp>
-      <p:cxnSp>
-        <p:nvCxnSpPr>
-          <p:cNvPr id="40" name="Gerade Verbindung mit Pfeil 39"/>
-          <p:cNvCxnSpPr/>
-          <p:nvPr/>
-        </p:nvCxnSpPr>
-        <p:spPr>
-          <a:xfrm>
-            <a:off x="4860032" y="3849285"/>
-            <a:ext cx="0" cy="1163891"/>
-          </a:xfrm>
-          <a:prstGeom prst="straightConnector1">
-            <a:avLst/>
-          </a:prstGeom>
-          <a:ln w="12700">
-            <a:tailEnd type="arrow"/>
-          </a:ln>
-        </p:spPr>
-        <p:style>
-          <a:lnRef idx="1">
-            <a:schemeClr val="accent4"/>
-          </a:lnRef>
-          <a:fillRef idx="0">
-            <a:schemeClr val="accent4"/>
-          </a:fillRef>
-          <a:effectRef idx="0">
-            <a:schemeClr val="accent4"/>
-          </a:effectRef>
-          <a:fontRef idx="minor">
-            <a:schemeClr val="tx1"/>
-          </a:fontRef>
-        </p:style>
-      </p:cxnSp>
-      <p:cxnSp>
-        <p:nvCxnSpPr>
-          <p:cNvPr id="41" name="Gerade Verbindung mit Pfeil 40"/>
-          <p:cNvCxnSpPr/>
-          <p:nvPr/>
-        </p:nvCxnSpPr>
-        <p:spPr>
-          <a:xfrm>
-            <a:off x="5452960" y="3849285"/>
-            <a:ext cx="0" cy="1163891"/>
-          </a:xfrm>
-          <a:prstGeom prst="straightConnector1">
-            <a:avLst/>
-          </a:prstGeom>
-          <a:ln w="12700">
-            <a:tailEnd type="arrow"/>
-          </a:ln>
-        </p:spPr>
-        <p:style>
-          <a:lnRef idx="1">
-            <a:schemeClr val="accent4"/>
-          </a:lnRef>
-          <a:fillRef idx="0">
-            <a:schemeClr val="accent4"/>
-          </a:fillRef>
-          <a:effectRef idx="0">
-            <a:schemeClr val="accent4"/>
-          </a:effectRef>
-          <a:fontRef idx="minor">
-            <a:schemeClr val="tx1"/>
-          </a:fontRef>
-        </p:style>
-      </p:cxnSp>
-      <p:cxnSp>
-        <p:nvCxnSpPr>
-          <p:cNvPr id="50" name="Gerade Verbindung mit Pfeil 49"/>
-          <p:cNvCxnSpPr/>
-          <p:nvPr/>
-        </p:nvCxnSpPr>
-        <p:spPr>
-          <a:xfrm>
-            <a:off x="5724128" y="3849285"/>
-            <a:ext cx="0" cy="1163891"/>
-          </a:xfrm>
-          <a:prstGeom prst="straightConnector1">
-            <a:avLst/>
-          </a:prstGeom>
-          <a:ln w="12700">
-            <a:prstDash val="dash"/>
-            <a:headEnd type="arrow" w="med" len="med"/>
-            <a:tailEnd type="none" w="med" len="med"/>
-          </a:ln>
-        </p:spPr>
-        <p:style>
-          <a:lnRef idx="1">
-            <a:schemeClr val="accent4"/>
-          </a:lnRef>
-          <a:fillRef idx="0">
-            <a:schemeClr val="accent4"/>
-          </a:fillRef>
-          <a:effectRef idx="0">
-            <a:schemeClr val="accent4"/>
-          </a:effectRef>
-          <a:fontRef idx="minor">
-            <a:schemeClr val="tx1"/>
-          </a:fontRef>
-        </p:style>
-      </p:cxnSp>
-      <p:cxnSp>
-        <p:nvCxnSpPr>
-          <p:cNvPr id="51" name="Gerade Verbindung mit Pfeil 50"/>
-          <p:cNvCxnSpPr/>
-          <p:nvPr/>
-        </p:nvCxnSpPr>
-        <p:spPr>
-          <a:xfrm>
-            <a:off x="4212290" y="3849285"/>
-            <a:ext cx="0" cy="1163891"/>
-          </a:xfrm>
-          <a:prstGeom prst="straightConnector1">
-            <a:avLst/>
-          </a:prstGeom>
-          <a:ln w="12700">
-            <a:prstDash val="dash"/>
-            <a:headEnd type="arrow" w="med" len="med"/>
-            <a:tailEnd type="none" w="med" len="med"/>
-          </a:ln>
-        </p:spPr>
-        <p:style>
-          <a:lnRef idx="1">
-            <a:schemeClr val="accent4"/>
-          </a:lnRef>
-          <a:fillRef idx="0">
-            <a:schemeClr val="accent4"/>
-          </a:fillRef>
-          <a:effectRef idx="0">
-            <a:schemeClr val="accent4"/>
-          </a:effectRef>
-          <a:fontRef idx="minor">
-            <a:schemeClr val="tx1"/>
-          </a:fontRef>
-        </p:style>
-      </p:cxnSp>
-      <p:cxnSp>
-        <p:nvCxnSpPr>
-          <p:cNvPr id="52" name="Gerade Verbindung mit Pfeil 51"/>
-          <p:cNvCxnSpPr/>
-          <p:nvPr/>
-        </p:nvCxnSpPr>
-        <p:spPr>
-          <a:xfrm>
-            <a:off x="2246308" y="3849285"/>
-            <a:ext cx="0" cy="1163891"/>
-          </a:xfrm>
-          <a:prstGeom prst="straightConnector1">
-            <a:avLst/>
-          </a:prstGeom>
-          <a:ln w="12700">
-            <a:prstDash val="dash"/>
-            <a:headEnd type="arrow" w="med" len="med"/>
-            <a:tailEnd type="none" w="med" len="med"/>
-          </a:ln>
-        </p:spPr>
-        <p:style>
-          <a:lnRef idx="1">
-            <a:schemeClr val="accent4"/>
-          </a:lnRef>
-          <a:fillRef idx="0">
-            <a:schemeClr val="accent4"/>
-          </a:fillRef>
-          <a:effectRef idx="0">
-            <a:schemeClr val="accent4"/>
-          </a:effectRef>
-          <a:fontRef idx="minor">
-            <a:schemeClr val="tx1"/>
-          </a:fontRef>
-        </p:style>
-      </p:cxnSp>
-      <p:cxnSp>
-        <p:nvCxnSpPr>
-          <p:cNvPr id="53" name="Gerade Verbindung mit Pfeil 52"/>
-          <p:cNvCxnSpPr/>
-          <p:nvPr/>
-        </p:nvCxnSpPr>
-        <p:spPr>
-          <a:xfrm>
-            <a:off x="3345353" y="3849285"/>
-            <a:ext cx="0" cy="1163891"/>
-          </a:xfrm>
-          <a:prstGeom prst="straightConnector1">
-            <a:avLst/>
-          </a:prstGeom>
-          <a:ln w="12700">
-            <a:prstDash val="dash"/>
-            <a:headEnd type="arrow" w="med" len="med"/>
-            <a:tailEnd type="none" w="med" len="med"/>
-          </a:ln>
-        </p:spPr>
-        <p:style>
-          <a:lnRef idx="1">
-            <a:schemeClr val="accent4"/>
-          </a:lnRef>
-          <a:fillRef idx="0">
-            <a:schemeClr val="accent4"/>
-          </a:fillRef>
-          <a:effectRef idx="0">
-            <a:schemeClr val="accent4"/>
-          </a:effectRef>
-          <a:fontRef idx="minor">
-            <a:schemeClr val="tx1"/>
-          </a:fontRef>
-        </p:style>
-      </p:cxnSp>
-      <p:cxnSp>
-        <p:nvCxnSpPr>
-          <p:cNvPr id="54" name="Gerade Verbindung mit Pfeil 53"/>
-          <p:cNvCxnSpPr/>
-          <p:nvPr/>
-        </p:nvCxnSpPr>
-        <p:spPr>
-          <a:xfrm>
-            <a:off x="5140616" y="3849285"/>
-            <a:ext cx="0" cy="1163891"/>
-          </a:xfrm>
-          <a:prstGeom prst="straightConnector1">
-            <a:avLst/>
-          </a:prstGeom>
-          <a:ln w="12700">
-            <a:prstDash val="dash"/>
-            <a:headEnd type="arrow" w="med" len="med"/>
-            <a:tailEnd type="none" w="med" len="med"/>
-          </a:ln>
-        </p:spPr>
-        <p:style>
-          <a:lnRef idx="1">
-            <a:schemeClr val="accent4"/>
-          </a:lnRef>
-          <a:fillRef idx="0">
-            <a:schemeClr val="accent4"/>
-          </a:fillRef>
-          <a:effectRef idx="0">
-            <a:schemeClr val="accent4"/>
-          </a:effectRef>
-          <a:fontRef idx="minor">
-            <a:schemeClr val="tx1"/>
-          </a:fontRef>
-        </p:style>
-      </p:cxnSp>
-      <p:cxnSp>
-        <p:nvCxnSpPr>
-          <p:cNvPr id="55" name="Gerade Verbindung mit Pfeil 54"/>
-          <p:cNvCxnSpPr/>
-          <p:nvPr/>
-        </p:nvCxnSpPr>
-        <p:spPr>
-          <a:xfrm>
-            <a:off x="6552220" y="3849285"/>
-            <a:ext cx="0" cy="1163891"/>
-          </a:xfrm>
-          <a:prstGeom prst="straightConnector1">
-            <a:avLst/>
-          </a:prstGeom>
-          <a:ln w="12700">
-            <a:prstDash val="dash"/>
-            <a:headEnd type="arrow" w="med" len="med"/>
-            <a:tailEnd type="none" w="med" len="med"/>
-          </a:ln>
-        </p:spPr>
-        <p:style>
-          <a:lnRef idx="1">
-            <a:schemeClr val="accent4"/>
-          </a:lnRef>
-          <a:fillRef idx="0">
-            <a:schemeClr val="accent4"/>
-          </a:fillRef>
-          <a:effectRef idx="0">
-            <a:schemeClr val="accent4"/>
-          </a:effectRef>
-          <a:fontRef idx="minor">
-            <a:schemeClr val="tx1"/>
-          </a:fontRef>
-        </p:style>
-      </p:cxnSp>
+          <a:extLst>
+            <a:ext uri="{909E8E84-426E-40DD-AFC4-6F175D3DCCD1}">
+              <a14:hiddenFill xmlns:a14="http://schemas.microsoft.com/office/drawing/2010/main">
+                <a:solidFill>
+                  <a:srgbClr val="FFFFFF"/>
+                </a:solidFill>
+              </a14:hiddenFill>
+            </a:ext>
+          </a:extLst>
+        </p:spPr>
+      </p:pic>
     </p:spTree>
     <p:extLst>
       <p:ext uri="{BB962C8B-B14F-4D97-AF65-F5344CB8AC3E}">
-        <p14:creationId xmlns:p14="http://schemas.microsoft.com/office/powerpoint/2010/main" val="138003420"/>
+        <p14:creationId xmlns:p14="http://schemas.microsoft.com/office/powerpoint/2010/main" val="3862899941"/>
       </p:ext>
     </p:extLst>
   </p:cSld>
   <p:clrMapOvr>
     <a:masterClrMapping/>
   </p:clrMapOvr>
-  <mc:AlternateContent xmlns:mc="http://schemas.openxmlformats.org/markup-compatibility/2006">
-    <mc:Choice xmlns:p14="http://schemas.microsoft.com/office/powerpoint/2010/main" Requires="p14">
+  <mc:AlternateContent xmlns:mc="http://schemas.openxmlformats.org/markup-compatibility/2006" xmlns:p14="http://schemas.microsoft.com/office/powerpoint/2010/main">
+    <mc:Choice Requires="p14">
       <p:transition spd="med" p14:dur="700">
         <p:fade/>
       </p:transition>
     </mc:Choice>
-    <mc:Fallback>
+    <mc:Fallback xmlns="">
       <p:transition spd="med">
         <p:fade/>
       </p:transition>
@@ -21564,13 +20704,13 @@
   <p:clrMapOvr>
     <a:masterClrMapping/>
   </p:clrMapOvr>
-  <mc:AlternateContent xmlns:mc="http://schemas.openxmlformats.org/markup-compatibility/2006">
-    <mc:Choice xmlns:p14="http://schemas.microsoft.com/office/powerpoint/2010/main" Requires="p14">
+  <mc:AlternateContent xmlns:mc="http://schemas.openxmlformats.org/markup-compatibility/2006" xmlns:p14="http://schemas.microsoft.com/office/powerpoint/2010/main">
+    <mc:Choice Requires="p14">
       <p:transition spd="med" p14:dur="700">
         <p:fade/>
       </p:transition>
     </mc:Choice>
-    <mc:Fallback>
+    <mc:Fallback xmlns="">
       <p:transition spd="med">
         <p:fade/>
       </p:transition>
@@ -22256,13 +21396,13 @@
   <p:clrMapOvr>
     <a:masterClrMapping/>
   </p:clrMapOvr>
-  <mc:AlternateContent xmlns:mc="http://schemas.openxmlformats.org/markup-compatibility/2006">
-    <mc:Choice xmlns:p14="http://schemas.microsoft.com/office/powerpoint/2010/main" Requires="p14">
+  <mc:AlternateContent xmlns:mc="http://schemas.openxmlformats.org/markup-compatibility/2006" xmlns:p14="http://schemas.microsoft.com/office/powerpoint/2010/main">
+    <mc:Choice Requires="p14">
       <p:transition spd="med" p14:dur="700">
         <p:fade/>
       </p:transition>
     </mc:Choice>
-    <mc:Fallback>
+    <mc:Fallback xmlns="">
       <p:transition spd="med">
         <p:fade/>
       </p:transition>
@@ -22615,13 +21755,13 @@
   <p:clrMapOvr>
     <a:masterClrMapping/>
   </p:clrMapOvr>
-  <mc:AlternateContent xmlns:mc="http://schemas.openxmlformats.org/markup-compatibility/2006">
-    <mc:Choice xmlns:p14="http://schemas.microsoft.com/office/powerpoint/2010/main" Requires="p14">
+  <mc:AlternateContent xmlns:mc="http://schemas.openxmlformats.org/markup-compatibility/2006" xmlns:p14="http://schemas.microsoft.com/office/powerpoint/2010/main">
+    <mc:Choice Requires="p14">
       <p:transition spd="med" p14:dur="700">
         <p:fade/>
       </p:transition>
     </mc:Choice>
-    <mc:Fallback>
+    <mc:Fallback xmlns="">
       <p:transition spd="med">
         <p:fade/>
       </p:transition>
@@ -22805,13 +21945,13 @@
   <p:clrMapOvr>
     <a:masterClrMapping/>
   </p:clrMapOvr>
-  <mc:AlternateContent xmlns:mc="http://schemas.openxmlformats.org/markup-compatibility/2006">
-    <mc:Choice xmlns:p14="http://schemas.microsoft.com/office/powerpoint/2010/main" Requires="p14">
+  <mc:AlternateContent xmlns:mc="http://schemas.openxmlformats.org/markup-compatibility/2006" xmlns:p14="http://schemas.microsoft.com/office/powerpoint/2010/main">
+    <mc:Choice Requires="p14">
       <p:transition spd="med" p14:dur="700">
         <p:fade/>
       </p:transition>
     </mc:Choice>
-    <mc:Fallback>
+    <mc:Fallback xmlns="">
       <p:transition spd="med">
         <p:fade/>
       </p:transition>
@@ -22828,7 +21968,7 @@
 </file>
 
 <file path=ppt/slides/slide29.xml><?xml version="1.0" encoding="utf-8"?>
-<p:sld xmlns:a="http://schemas.openxmlformats.org/drawingml/2006/main" xmlns:r="http://schemas.openxmlformats.org/officeDocument/2006/relationships" xmlns:p="http://schemas.openxmlformats.org/presentationml/2006/main">
+<p:sld xmlns:a="http://schemas.openxmlformats.org/drawingml/2006/main" xmlns:r="http://schemas.openxmlformats.org/officeDocument/2006/relationships" xmlns:p="http://schemas.openxmlformats.org/presentationml/2006/main" show="0">
   <p:cSld>
     <p:spTree>
       <p:nvGrpSpPr>
@@ -23681,7 +22821,7 @@
 </file>
 
 <file path=ppt/slides/slide30.xml><?xml version="1.0" encoding="utf-8"?>
-<p:sld xmlns:a="http://schemas.openxmlformats.org/drawingml/2006/main" xmlns:r="http://schemas.openxmlformats.org/officeDocument/2006/relationships" xmlns:p="http://schemas.openxmlformats.org/presentationml/2006/main">
+<p:sld xmlns:a="http://schemas.openxmlformats.org/drawingml/2006/main" xmlns:r="http://schemas.openxmlformats.org/officeDocument/2006/relationships" xmlns:p="http://schemas.openxmlformats.org/presentationml/2006/main" show="0">
   <p:cSld>
     <p:spTree>
       <p:nvGrpSpPr>
@@ -23770,10 +22910,6 @@
               </a:rPr>
               <a:t>&gt;</a:t>
             </a:r>
-            <a:endParaRPr lang="de-DE" sz="2400" i="1" dirty="0">
-              <a:latin typeface="Consolas" pitchFamily="49" charset="0"/>
-              <a:cs typeface="Consolas" pitchFamily="49" charset="0"/>
-            </a:endParaRPr>
           </a:p>
         </p:txBody>
       </p:sp>
@@ -23860,7 +22996,7 @@
 </file>
 
 <file path=ppt/slides/slide31.xml><?xml version="1.0" encoding="utf-8"?>
-<p:sld xmlns:a="http://schemas.openxmlformats.org/drawingml/2006/main" xmlns:r="http://schemas.openxmlformats.org/officeDocument/2006/relationships" xmlns:p="http://schemas.openxmlformats.org/presentationml/2006/main">
+<p:sld xmlns:a="http://schemas.openxmlformats.org/drawingml/2006/main" xmlns:r="http://schemas.openxmlformats.org/officeDocument/2006/relationships" xmlns:p="http://schemas.openxmlformats.org/presentationml/2006/main" show="0">
   <p:cSld>
     <p:spTree>
       <p:nvGrpSpPr>
@@ -24121,7 +23257,7 @@
 </file>
 
 <file path=ppt/slides/slide32.xml><?xml version="1.0" encoding="utf-8"?>
-<p:sld xmlns:a="http://schemas.openxmlformats.org/drawingml/2006/main" xmlns:r="http://schemas.openxmlformats.org/officeDocument/2006/relationships" xmlns:p="http://schemas.openxmlformats.org/presentationml/2006/main">
+<p:sld xmlns:a="http://schemas.openxmlformats.org/drawingml/2006/main" xmlns:r="http://schemas.openxmlformats.org/officeDocument/2006/relationships" xmlns:p="http://schemas.openxmlformats.org/presentationml/2006/main" show="0">
   <p:cSld>
     <p:spTree>
       <p:nvGrpSpPr>
@@ -24377,7 +23513,7 @@
           <a:p>
             <a:r>
               <a:rPr lang="de-DE" dirty="0" smtClean="0"/>
-              <a:t>Integrated Solution</a:t>
+              <a:t>Workaround</a:t>
             </a:r>
             <a:endParaRPr lang="de-DE" dirty="0"/>
           </a:p>
@@ -24922,13 +24058,13 @@
   <p:clrMapOvr>
     <a:masterClrMapping/>
   </p:clrMapOvr>
-  <mc:AlternateContent xmlns:mc="http://schemas.openxmlformats.org/markup-compatibility/2006">
-    <mc:Choice xmlns:p14="http://schemas.microsoft.com/office/powerpoint/2010/main" Requires="p14">
+  <mc:AlternateContent xmlns:mc="http://schemas.openxmlformats.org/markup-compatibility/2006" xmlns:p14="http://schemas.microsoft.com/office/powerpoint/2010/main">
+    <mc:Choice Requires="p14">
       <p:transition spd="med" p14:dur="700">
         <p:fade/>
       </p:transition>
     </mc:Choice>
-    <mc:Fallback>
+    <mc:Fallback xmlns="">
       <p:transition spd="med">
         <p:fade/>
       </p:transition>
@@ -25165,7 +24301,7 @@
 </file>
 
 <file path=ppt/slides/slide34.xml><?xml version="1.0" encoding="utf-8"?>
-<p:sld xmlns:a="http://schemas.openxmlformats.org/drawingml/2006/main" xmlns:r="http://schemas.openxmlformats.org/officeDocument/2006/relationships" xmlns:p="http://schemas.openxmlformats.org/presentationml/2006/main">
+<p:sld xmlns:a="http://schemas.openxmlformats.org/drawingml/2006/main" xmlns:r="http://schemas.openxmlformats.org/officeDocument/2006/relationships" xmlns:p="http://schemas.openxmlformats.org/presentationml/2006/main" show="0">
   <p:cSld>
     <p:spTree>
       <p:nvGrpSpPr>
@@ -25249,8 +24385,8 @@
           <a:lstStyle/>
           <a:p>
             <a:r>
-              <a:rPr lang="de-DE" dirty="0" smtClean="0"/>
-              <a:t>Integrated Solution</a:t>
+              <a:rPr lang="de-DE" dirty="0"/>
+              <a:t>Workaround</a:t>
             </a:r>
             <a:endParaRPr lang="de-DE" dirty="0"/>
           </a:p>
@@ -25856,10 +24992,6 @@
               </a:rPr>
               <a:t>]</a:t>
             </a:r>
-            <a:endParaRPr lang="de-DE" sz="1600" dirty="0">
-              <a:latin typeface="Consolas" pitchFamily="49" charset="0"/>
-              <a:cs typeface="Consolas" pitchFamily="49" charset="0"/>
-            </a:endParaRPr>
           </a:p>
         </p:txBody>
       </p:sp>
@@ -26194,14 +25326,6 @@
               </a:rPr>
               <a:t>Preceding Work</a:t>
             </a:r>
-            <a:endParaRPr lang="en-US" sz="2000" dirty="0" smtClean="0">
-              <a:solidFill>
-                <a:schemeClr val="tx1">
-                  <a:lumMod val="50000"/>
-                  <a:lumOff val="50000"/>
-                </a:schemeClr>
-              </a:solidFill>
-            </a:endParaRPr>
           </a:p>
           <a:p>
             <a:pPr>
@@ -26258,7 +25382,7 @@
 </file>
 
 <file path=ppt/slides/slide36.xml><?xml version="1.0" encoding="utf-8"?>
-<p:sld xmlns:a="http://schemas.openxmlformats.org/drawingml/2006/main" xmlns:r="http://schemas.openxmlformats.org/officeDocument/2006/relationships" xmlns:p="http://schemas.openxmlformats.org/presentationml/2006/main">
+<p:sld xmlns:a="http://schemas.openxmlformats.org/drawingml/2006/main" xmlns:r="http://schemas.openxmlformats.org/officeDocument/2006/relationships" xmlns:p="http://schemas.openxmlformats.org/presentationml/2006/main" show="0">
   <p:cSld>
     <p:spTree>
       <p:nvGrpSpPr>
@@ -26394,7 +25518,7 @@
 </file>
 
 <file path=ppt/slides/slide37.xml><?xml version="1.0" encoding="utf-8"?>
-<p:sld xmlns:a="http://schemas.openxmlformats.org/drawingml/2006/main" xmlns:r="http://schemas.openxmlformats.org/officeDocument/2006/relationships" xmlns:p="http://schemas.openxmlformats.org/presentationml/2006/main">
+<p:sld xmlns:a="http://schemas.openxmlformats.org/drawingml/2006/main" xmlns:r="http://schemas.openxmlformats.org/officeDocument/2006/relationships" xmlns:p="http://schemas.openxmlformats.org/presentationml/2006/main" show="0">
   <p:cSld>
     <p:spTree>
       <p:nvGrpSpPr>
@@ -26470,7 +25594,7 @@
 </file>
 
 <file path=ppt/slides/slide38.xml><?xml version="1.0" encoding="utf-8"?>
-<p:sld xmlns:a="http://schemas.openxmlformats.org/drawingml/2006/main" xmlns:r="http://schemas.openxmlformats.org/officeDocument/2006/relationships" xmlns:p="http://schemas.openxmlformats.org/presentationml/2006/main">
+<p:sld xmlns:a="http://schemas.openxmlformats.org/drawingml/2006/main" xmlns:r="http://schemas.openxmlformats.org/officeDocument/2006/relationships" xmlns:p="http://schemas.openxmlformats.org/presentationml/2006/main" show="0">
   <p:cSld>
     <p:spTree>
       <p:nvGrpSpPr>
@@ -27122,7 +26246,7 @@
 </file>
 
 <file path=ppt/slides/slide39.xml><?xml version="1.0" encoding="utf-8"?>
-<p:sld xmlns:a="http://schemas.openxmlformats.org/drawingml/2006/main" xmlns:r="http://schemas.openxmlformats.org/officeDocument/2006/relationships" xmlns:p="http://schemas.openxmlformats.org/presentationml/2006/main">
+<p:sld xmlns:a="http://schemas.openxmlformats.org/drawingml/2006/main" xmlns:r="http://schemas.openxmlformats.org/officeDocument/2006/relationships" xmlns:p="http://schemas.openxmlformats.org/presentationml/2006/main" show="0">
   <p:cSld>
     <p:spTree>
       <p:nvGrpSpPr>
@@ -28576,7 +27700,7 @@
 </file>
 
 <file path=ppt/slides/slide40.xml><?xml version="1.0" encoding="utf-8"?>
-<p:sld xmlns:a="http://schemas.openxmlformats.org/drawingml/2006/main" xmlns:r="http://schemas.openxmlformats.org/officeDocument/2006/relationships" xmlns:p="http://schemas.openxmlformats.org/presentationml/2006/main">
+<p:sld xmlns:a="http://schemas.openxmlformats.org/drawingml/2006/main" xmlns:r="http://schemas.openxmlformats.org/officeDocument/2006/relationships" xmlns:p="http://schemas.openxmlformats.org/presentationml/2006/main" show="0">
   <p:cSld>
     <p:spTree>
       <p:nvGrpSpPr>
@@ -30383,13 +29507,13 @@
   <p:clrMapOvr>
     <a:masterClrMapping/>
   </p:clrMapOvr>
-  <mc:AlternateContent xmlns:mc="http://schemas.openxmlformats.org/markup-compatibility/2006">
-    <mc:Choice xmlns:p14="http://schemas.microsoft.com/office/powerpoint/2010/main" Requires="p14">
+  <mc:AlternateContent xmlns:mc="http://schemas.openxmlformats.org/markup-compatibility/2006" xmlns:p14="http://schemas.microsoft.com/office/powerpoint/2010/main">
+    <mc:Choice Requires="p14">
       <p:transition spd="med" p14:dur="700">
         <p:fade/>
       </p:transition>
     </mc:Choice>
-    <mc:Fallback>
+    <mc:Fallback xmlns="">
       <p:transition spd="med">
         <p:fade/>
       </p:transition>
@@ -30406,7 +29530,7 @@
 </file>
 
 <file path=ppt/slides/slide42.xml><?xml version="1.0" encoding="utf-8"?>
-<p:sld xmlns:a="http://schemas.openxmlformats.org/drawingml/2006/main" xmlns:r="http://schemas.openxmlformats.org/officeDocument/2006/relationships" xmlns:p="http://schemas.openxmlformats.org/presentationml/2006/main">
+<p:sld xmlns:a="http://schemas.openxmlformats.org/drawingml/2006/main" xmlns:r="http://schemas.openxmlformats.org/officeDocument/2006/relationships" xmlns:p="http://schemas.openxmlformats.org/presentationml/2006/main" show="0">
   <p:cSld>
     <p:spTree>
       <p:nvGrpSpPr>
@@ -31000,13 +30124,13 @@
   <p:clrMapOvr>
     <a:masterClrMapping/>
   </p:clrMapOvr>
-  <mc:AlternateContent xmlns:mc="http://schemas.openxmlformats.org/markup-compatibility/2006">
-    <mc:Choice xmlns:p14="http://schemas.microsoft.com/office/powerpoint/2010/main" Requires="p14">
+  <mc:AlternateContent xmlns:mc="http://schemas.openxmlformats.org/markup-compatibility/2006" xmlns:p14="http://schemas.microsoft.com/office/powerpoint/2010/main">
+    <mc:Choice Requires="p14">
       <p:transition spd="med" p14:dur="700">
         <p:fade/>
       </p:transition>
     </mc:Choice>
-    <mc:Fallback>
+    <mc:Fallback xmlns="">
       <p:transition spd="med">
         <p:fade/>
       </p:transition>
@@ -31023,7 +30147,7 @@
 </file>
 
 <file path=ppt/slides/slide44.xml><?xml version="1.0" encoding="utf-8"?>
-<p:sld xmlns:a="http://schemas.openxmlformats.org/drawingml/2006/main" xmlns:r="http://schemas.openxmlformats.org/officeDocument/2006/relationships" xmlns:p="http://schemas.openxmlformats.org/presentationml/2006/main">
+<p:sld xmlns:a="http://schemas.openxmlformats.org/drawingml/2006/main" xmlns:r="http://schemas.openxmlformats.org/officeDocument/2006/relationships" xmlns:p="http://schemas.openxmlformats.org/presentationml/2006/main" show="0">
   <p:cSld>
     <p:spTree>
       <p:nvGrpSpPr>
@@ -31121,7 +30245,7 @@
 </file>
 
 <file path=ppt/slides/slide45.xml><?xml version="1.0" encoding="utf-8"?>
-<p:sld xmlns:a="http://schemas.openxmlformats.org/drawingml/2006/main" xmlns:r="http://schemas.openxmlformats.org/officeDocument/2006/relationships" xmlns:p="http://schemas.openxmlformats.org/presentationml/2006/main">
+<p:sld xmlns:a="http://schemas.openxmlformats.org/drawingml/2006/main" xmlns:r="http://schemas.openxmlformats.org/officeDocument/2006/relationships" xmlns:p="http://schemas.openxmlformats.org/presentationml/2006/main" show="0">
   <p:cSld>
     <p:spTree>
       <p:nvGrpSpPr>
@@ -31294,13 +30418,13 @@
   <p:clrMapOvr>
     <a:masterClrMapping/>
   </p:clrMapOvr>
-  <mc:AlternateContent xmlns:mc="http://schemas.openxmlformats.org/markup-compatibility/2006">
-    <mc:Choice xmlns:p14="http://schemas.microsoft.com/office/powerpoint/2010/main" Requires="p14">
+  <mc:AlternateContent xmlns:mc="http://schemas.openxmlformats.org/markup-compatibility/2006" xmlns:p14="http://schemas.microsoft.com/office/powerpoint/2010/main">
+    <mc:Choice Requires="p14">
       <p:transition spd="med" p14:dur="700">
         <p:fade/>
       </p:transition>
     </mc:Choice>
-    <mc:Fallback>
+    <mc:Fallback xmlns="">
       <p:transition spd="med">
         <p:fade/>
       </p:transition>
@@ -31317,7 +30441,7 @@
 </file>
 
 <file path=ppt/slides/slide47.xml><?xml version="1.0" encoding="utf-8"?>
-<p:sld xmlns:a="http://schemas.openxmlformats.org/drawingml/2006/main" xmlns:r="http://schemas.openxmlformats.org/officeDocument/2006/relationships" xmlns:p="http://schemas.openxmlformats.org/presentationml/2006/main">
+<p:sld xmlns:a="http://schemas.openxmlformats.org/drawingml/2006/main" xmlns:r="http://schemas.openxmlformats.org/officeDocument/2006/relationships" xmlns:p="http://schemas.openxmlformats.org/presentationml/2006/main" show="0">
   <p:cSld>
     <p:spTree>
       <p:nvGrpSpPr>
@@ -31506,13 +30630,13 @@
   <p:clrMapOvr>
     <a:masterClrMapping/>
   </p:clrMapOvr>
-  <mc:AlternateContent xmlns:mc="http://schemas.openxmlformats.org/markup-compatibility/2006">
-    <mc:Choice xmlns:p14="http://schemas.microsoft.com/office/powerpoint/2010/main" Requires="p14">
+  <mc:AlternateContent xmlns:mc="http://schemas.openxmlformats.org/markup-compatibility/2006" xmlns:p14="http://schemas.microsoft.com/office/powerpoint/2010/main">
+    <mc:Choice Requires="p14">
       <p:transition spd="med" p14:dur="700">
         <p:fade/>
       </p:transition>
     </mc:Choice>
-    <mc:Fallback>
+    <mc:Fallback xmlns="">
       <p:transition spd="med">
         <p:fade/>
       </p:transition>
@@ -31646,13 +30770,13 @@
   <p:clrMapOvr>
     <a:masterClrMapping/>
   </p:clrMapOvr>
-  <mc:AlternateContent xmlns:mc="http://schemas.openxmlformats.org/markup-compatibility/2006">
-    <mc:Choice xmlns:p14="http://schemas.microsoft.com/office/powerpoint/2010/main" Requires="p14">
+  <mc:AlternateContent xmlns:mc="http://schemas.openxmlformats.org/markup-compatibility/2006" xmlns:p14="http://schemas.microsoft.com/office/powerpoint/2010/main">
+    <mc:Choice Requires="p14">
       <p:transition spd="med" p14:dur="700">
         <p:fade/>
       </p:transition>
     </mc:Choice>
-    <mc:Fallback>
+    <mc:Fallback xmlns="">
       <p:transition spd="med">
         <p:fade/>
       </p:transition>
@@ -31893,13 +31017,13 @@
   <p:clrMapOvr>
     <a:masterClrMapping/>
   </p:clrMapOvr>
-  <mc:AlternateContent xmlns:mc="http://schemas.openxmlformats.org/markup-compatibility/2006">
-    <mc:Choice xmlns:p14="http://schemas.microsoft.com/office/powerpoint/2010/main" Requires="p14">
+  <mc:AlternateContent xmlns:mc="http://schemas.openxmlformats.org/markup-compatibility/2006" xmlns:p14="http://schemas.microsoft.com/office/powerpoint/2010/main">
+    <mc:Choice Requires="p14">
       <p:transition spd="med" p14:dur="700">
         <p:fade/>
       </p:transition>
     </mc:Choice>
-    <mc:Fallback>
+    <mc:Fallback xmlns="">
       <p:transition spd="med">
         <p:fade/>
       </p:transition>
@@ -32097,13 +31221,13 @@
   <p:clrMapOvr>
     <a:masterClrMapping/>
   </p:clrMapOvr>
-  <mc:AlternateContent xmlns:mc="http://schemas.openxmlformats.org/markup-compatibility/2006">
-    <mc:Choice xmlns:p14="http://schemas.microsoft.com/office/powerpoint/2010/main" Requires="p14">
+  <mc:AlternateContent xmlns:mc="http://schemas.openxmlformats.org/markup-compatibility/2006" xmlns:p14="http://schemas.microsoft.com/office/powerpoint/2010/main">
+    <mc:Choice Requires="p14">
       <p:transition spd="med" p14:dur="700">
         <p:fade/>
       </p:transition>
     </mc:Choice>
-    <mc:Fallback>
+    <mc:Fallback xmlns="">
       <p:transition spd="med">
         <p:fade/>
       </p:transition>
@@ -32916,13 +32040,13 @@
   <p:clrMapOvr>
     <a:masterClrMapping/>
   </p:clrMapOvr>
-  <mc:AlternateContent xmlns:mc="http://schemas.openxmlformats.org/markup-compatibility/2006">
-    <mc:Choice xmlns:p14="http://schemas.microsoft.com/office/powerpoint/2010/main" Requires="p14">
+  <mc:AlternateContent xmlns:mc="http://schemas.openxmlformats.org/markup-compatibility/2006" xmlns:p14="http://schemas.microsoft.com/office/powerpoint/2010/main">
+    <mc:Choice Requires="p14">
       <p:transition spd="med" p14:dur="700">
         <p:fade/>
       </p:transition>
     </mc:Choice>
-    <mc:Fallback>
+    <mc:Fallback xmlns="">
       <p:transition spd="med">
         <p:fade/>
       </p:transition>
@@ -34793,13 +33917,13 @@
   <p:clrMapOvr>
     <a:masterClrMapping/>
   </p:clrMapOvr>
-  <mc:AlternateContent xmlns:mc="http://schemas.openxmlformats.org/markup-compatibility/2006">
-    <mc:Choice xmlns:p14="http://schemas.microsoft.com/office/powerpoint/2010/main" Requires="p14">
+  <mc:AlternateContent xmlns:mc="http://schemas.openxmlformats.org/markup-compatibility/2006" xmlns:p14="http://schemas.microsoft.com/office/powerpoint/2010/main">
+    <mc:Choice Requires="p14">
       <p:transition spd="med" p14:dur="700">
         <p:fade/>
       </p:transition>
     </mc:Choice>
-    <mc:Fallback>
+    <mc:Fallback xmlns="">
       <p:transition spd="med">
         <p:fade/>
       </p:transition>
@@ -35767,30 +34891,160 @@
           </a:p>
         </p:txBody>
       </p:sp>
-      <p:sp>
-        <p:nvSpPr>
-          <p:cNvPr id="21" name="Rechteck 20"/>
+    </p:spTree>
+    <p:extLst>
+      <p:ext uri="{BB962C8B-B14F-4D97-AF65-F5344CB8AC3E}">
+        <p14:creationId xmlns:p14="http://schemas.microsoft.com/office/powerpoint/2010/main" val="2000332039"/>
+      </p:ext>
+    </p:extLst>
+  </p:cSld>
+  <p:clrMapOvr>
+    <a:masterClrMapping/>
+  </p:clrMapOvr>
+  <mc:AlternateContent xmlns:mc="http://schemas.openxmlformats.org/markup-compatibility/2006" xmlns:p14="http://schemas.microsoft.com/office/powerpoint/2010/main">
+    <mc:Choice Requires="p14">
+      <p:transition spd="med" p14:dur="700">
+        <p:fade/>
+      </p:transition>
+    </mc:Choice>
+    <mc:Fallback xmlns="">
+      <p:transition spd="med">
+        <p:fade/>
+      </p:transition>
+    </mc:Fallback>
+  </mc:AlternateContent>
+  <p:timing>
+    <p:tnLst>
+      <p:par>
+        <p:cTn id="1" dur="indefinite" restart="never" nodeType="tmRoot"/>
+      </p:par>
+    </p:tnLst>
+  </p:timing>
+</p:sld>
+</file>
+
+<file path=ppt/slides/slide56.xml><?xml version="1.0" encoding="utf-8"?>
+<p:sld xmlns:a="http://schemas.openxmlformats.org/drawingml/2006/main" xmlns:r="http://schemas.openxmlformats.org/officeDocument/2006/relationships" xmlns:p="http://schemas.openxmlformats.org/presentationml/2006/main">
+  <p:cSld>
+    <p:spTree>
+      <p:nvGrpSpPr>
+        <p:cNvPr id="1" name=""/>
+        <p:cNvGrpSpPr/>
+        <p:nvPr/>
+      </p:nvGrpSpPr>
+      <p:grpSpPr>
+        <a:xfrm>
+          <a:off x="0" y="0"/>
+          <a:ext cx="0" cy="0"/>
+          <a:chOff x="0" y="0"/>
+          <a:chExt cx="0" cy="0"/>
+        </a:xfrm>
+      </p:grpSpPr>
+      <p:sp>
+        <p:nvSpPr>
+          <p:cNvPr id="4" name="Titel 3"/>
+          <p:cNvSpPr>
+            <a:spLocks noGrp="1"/>
+          </p:cNvSpPr>
+          <p:nvPr>
+            <p:ph type="title"/>
+          </p:nvPr>
+        </p:nvSpPr>
+        <p:spPr/>
+        <p:txBody>
+          <a:bodyPr/>
+          <a:lstStyle/>
+          <a:p>
+            <a:r>
+              <a:rPr lang="de-DE" dirty="0" smtClean="0"/>
+              <a:t>TOE Integration</a:t>
+            </a:r>
+            <a:endParaRPr lang="de-DE" dirty="0"/>
+          </a:p>
+        </p:txBody>
+      </p:sp>
+      <p:sp>
+        <p:nvSpPr>
+          <p:cNvPr id="5" name="Rechteck 4"/>
           <p:cNvSpPr/>
           <p:nvPr/>
         </p:nvSpPr>
         <p:spPr>
           <a:xfrm>
-            <a:off x="5508104" y="2636913"/>
-            <a:ext cx="1008112" cy="1684758"/>
+            <a:off x="251520" y="1628800"/>
+            <a:ext cx="6768752" cy="432048"/>
           </a:xfrm>
           <a:prstGeom prst="rect">
             <a:avLst/>
           </a:prstGeom>
-          <a:solidFill>
-            <a:schemeClr val="accent2">
-              <a:alpha val="21176"/>
+        </p:spPr>
+        <p:style>
+          <a:lnRef idx="2">
+            <a:schemeClr val="accent5">
+              <a:shade val="50000"/>
             </a:schemeClr>
-          </a:solidFill>
-          <a:ln>
-            <a:solidFill>
-              <a:schemeClr val="accent2"/>
-            </a:solidFill>
-          </a:ln>
+          </a:lnRef>
+          <a:fillRef idx="1">
+            <a:schemeClr val="accent5"/>
+          </a:fillRef>
+          <a:effectRef idx="0">
+            <a:schemeClr val="accent5"/>
+          </a:effectRef>
+          <a:fontRef idx="minor">
+            <a:schemeClr val="lt1"/>
+          </a:fontRef>
+        </p:style>
+        <p:txBody>
+          <a:bodyPr rtlCol="0" anchor="ctr"/>
+          <a:lstStyle/>
+          <a:p>
+            <a:pPr algn="ctr"/>
+            <a:r>
+              <a:rPr lang="de-DE" dirty="0" smtClean="0">
+                <a:solidFill>
+                  <a:schemeClr val="tx1"/>
+                </a:solidFill>
+              </a:rPr>
+              <a:t>User Space (e.g. </a:t>
+            </a:r>
+            <a:r>
+              <a:rPr lang="de-DE" dirty="0" err="1" smtClean="0">
+                <a:solidFill>
+                  <a:schemeClr val="tx1"/>
+                </a:solidFill>
+              </a:rPr>
+              <a:t>nginx</a:t>
+            </a:r>
+            <a:r>
+              <a:rPr lang="de-DE" dirty="0" smtClean="0">
+                <a:solidFill>
+                  <a:schemeClr val="tx1"/>
+                </a:solidFill>
+              </a:rPr>
+              <a:t>)</a:t>
+            </a:r>
+            <a:endParaRPr lang="de-DE" dirty="0">
+              <a:solidFill>
+                <a:schemeClr val="tx1"/>
+              </a:solidFill>
+            </a:endParaRPr>
+          </a:p>
+        </p:txBody>
+      </p:sp>
+      <p:sp>
+        <p:nvSpPr>
+          <p:cNvPr id="6" name="Rechteck 5"/>
+          <p:cNvSpPr/>
+          <p:nvPr/>
+        </p:nvSpPr>
+        <p:spPr>
+          <a:xfrm>
+            <a:off x="251520" y="2492896"/>
+            <a:ext cx="6768752" cy="432048"/>
+          </a:xfrm>
+          <a:prstGeom prst="rect">
+            <a:avLst/>
+          </a:prstGeom>
         </p:spPr>
         <p:style>
           <a:lnRef idx="2">
@@ -35814,24 +35068,786 @@
           <a:p>
             <a:pPr algn="ctr"/>
             <a:r>
-              <a:rPr lang="de-DE" b="1" dirty="0" err="1" smtClean="0">
-                <a:solidFill>
-                  <a:schemeClr val="accent2"/>
+              <a:rPr lang="de-DE" dirty="0" smtClean="0">
+                <a:solidFill>
+                  <a:schemeClr val="tx1"/>
                 </a:solidFill>
               </a:rPr>
-              <a:t>sk_buff</a:t>
-            </a:r>
-            <a:endParaRPr lang="de-DE" b="1" dirty="0" smtClean="0">
+              <a:t>Socket Layer</a:t>
+            </a:r>
+            <a:endParaRPr lang="de-DE" dirty="0">
               <a:solidFill>
-                <a:schemeClr val="accent2"/>
+                <a:schemeClr val="tx1"/>
               </a:solidFill>
             </a:endParaRPr>
           </a:p>
+        </p:txBody>
+      </p:sp>
+      <p:sp>
+        <p:nvSpPr>
+          <p:cNvPr id="7" name="Rechteck 6"/>
+          <p:cNvSpPr/>
+          <p:nvPr/>
+        </p:nvSpPr>
+        <p:spPr>
+          <a:xfrm>
+            <a:off x="251520" y="2996952"/>
+            <a:ext cx="6768752" cy="432048"/>
+          </a:xfrm>
+          <a:prstGeom prst="rect">
+            <a:avLst/>
+          </a:prstGeom>
+        </p:spPr>
+        <p:style>
+          <a:lnRef idx="2">
+            <a:schemeClr val="accent1">
+              <a:shade val="50000"/>
+            </a:schemeClr>
+          </a:lnRef>
+          <a:fillRef idx="1">
+            <a:schemeClr val="accent1"/>
+          </a:fillRef>
+          <a:effectRef idx="0">
+            <a:schemeClr val="accent1"/>
+          </a:effectRef>
+          <a:fontRef idx="minor">
+            <a:schemeClr val="lt1"/>
+          </a:fontRef>
+        </p:style>
+        <p:txBody>
+          <a:bodyPr rtlCol="0" anchor="ctr"/>
+          <a:lstStyle/>
           <a:p>
             <a:pPr algn="ctr"/>
-            <a:endParaRPr lang="de-DE" sz="2800" dirty="0">
+            <a:r>
+              <a:rPr lang="de-DE" dirty="0" smtClean="0">
+                <a:solidFill>
+                  <a:schemeClr val="tx1"/>
+                </a:solidFill>
+              </a:rPr>
+              <a:t>Protocol </a:t>
+            </a:r>
+            <a:r>
+              <a:rPr lang="en-US" dirty="0" smtClean="0">
+                <a:solidFill>
+                  <a:schemeClr val="tx1"/>
+                </a:solidFill>
+              </a:rPr>
+              <a:t>Families</a:t>
+            </a:r>
+            <a:endParaRPr lang="en-US" dirty="0">
               <a:solidFill>
-                <a:schemeClr val="accent2"/>
+                <a:schemeClr val="tx1"/>
+              </a:solidFill>
+            </a:endParaRPr>
+          </a:p>
+        </p:txBody>
+      </p:sp>
+      <p:sp>
+        <p:nvSpPr>
+          <p:cNvPr id="8" name="Rechteck 7"/>
+          <p:cNvSpPr/>
+          <p:nvPr/>
+        </p:nvSpPr>
+        <p:spPr>
+          <a:xfrm>
+            <a:off x="251520" y="3501008"/>
+            <a:ext cx="6768752" cy="432048"/>
+          </a:xfrm>
+          <a:prstGeom prst="rect">
+            <a:avLst/>
+          </a:prstGeom>
+        </p:spPr>
+        <p:style>
+          <a:lnRef idx="2">
+            <a:schemeClr val="accent1">
+              <a:shade val="50000"/>
+            </a:schemeClr>
+          </a:lnRef>
+          <a:fillRef idx="1">
+            <a:schemeClr val="accent1"/>
+          </a:fillRef>
+          <a:effectRef idx="0">
+            <a:schemeClr val="accent1"/>
+          </a:effectRef>
+          <a:fontRef idx="minor">
+            <a:schemeClr val="lt1"/>
+          </a:fontRef>
+        </p:style>
+        <p:txBody>
+          <a:bodyPr rtlCol="0" anchor="ctr"/>
+          <a:lstStyle/>
+          <a:p>
+            <a:pPr algn="ctr"/>
+            <a:r>
+              <a:rPr lang="de-DE" dirty="0" smtClean="0">
+                <a:solidFill>
+                  <a:schemeClr val="tx1"/>
+                </a:solidFill>
+              </a:rPr>
+              <a:t>Network Interface</a:t>
+            </a:r>
+            <a:endParaRPr lang="de-DE" dirty="0">
+              <a:solidFill>
+                <a:schemeClr val="tx1"/>
+              </a:solidFill>
+            </a:endParaRPr>
+          </a:p>
+        </p:txBody>
+      </p:sp>
+      <p:sp>
+        <p:nvSpPr>
+          <p:cNvPr id="9" name="Rechteck 8"/>
+          <p:cNvSpPr/>
+          <p:nvPr/>
+        </p:nvSpPr>
+        <p:spPr>
+          <a:xfrm>
+            <a:off x="251520" y="4005064"/>
+            <a:ext cx="6768752" cy="432048"/>
+          </a:xfrm>
+          <a:prstGeom prst="rect">
+            <a:avLst/>
+          </a:prstGeom>
+        </p:spPr>
+        <p:style>
+          <a:lnRef idx="2">
+            <a:schemeClr val="accent1">
+              <a:shade val="50000"/>
+            </a:schemeClr>
+          </a:lnRef>
+          <a:fillRef idx="1">
+            <a:schemeClr val="accent1"/>
+          </a:fillRef>
+          <a:effectRef idx="0">
+            <a:schemeClr val="accent1"/>
+          </a:effectRef>
+          <a:fontRef idx="minor">
+            <a:schemeClr val="lt1"/>
+          </a:fontRef>
+        </p:style>
+        <p:txBody>
+          <a:bodyPr rtlCol="0" anchor="ctr"/>
+          <a:lstStyle/>
+          <a:p>
+            <a:pPr algn="ctr"/>
+            <a:r>
+              <a:rPr lang="de-DE" dirty="0" smtClean="0">
+                <a:solidFill>
+                  <a:schemeClr val="tx1"/>
+                </a:solidFill>
+              </a:rPr>
+              <a:t>Network Device Drivers</a:t>
+            </a:r>
+            <a:endParaRPr lang="de-DE" dirty="0">
+              <a:solidFill>
+                <a:schemeClr val="tx1"/>
+              </a:solidFill>
+            </a:endParaRPr>
+          </a:p>
+        </p:txBody>
+      </p:sp>
+      <p:sp>
+        <p:nvSpPr>
+          <p:cNvPr id="10" name="Rechteck 9"/>
+          <p:cNvSpPr/>
+          <p:nvPr/>
+        </p:nvSpPr>
+        <p:spPr>
+          <a:xfrm>
+            <a:off x="251520" y="4869160"/>
+            <a:ext cx="6768752" cy="432048"/>
+          </a:xfrm>
+          <a:prstGeom prst="rect">
+            <a:avLst/>
+          </a:prstGeom>
+        </p:spPr>
+        <p:style>
+          <a:lnRef idx="2">
+            <a:schemeClr val="accent2">
+              <a:shade val="50000"/>
+            </a:schemeClr>
+          </a:lnRef>
+          <a:fillRef idx="1">
+            <a:schemeClr val="accent2"/>
+          </a:fillRef>
+          <a:effectRef idx="0">
+            <a:schemeClr val="accent2"/>
+          </a:effectRef>
+          <a:fontRef idx="minor">
+            <a:schemeClr val="lt1"/>
+          </a:fontRef>
+        </p:style>
+        <p:txBody>
+          <a:bodyPr rtlCol="0" anchor="ctr"/>
+          <a:lstStyle/>
+          <a:p>
+            <a:pPr algn="ctr"/>
+            <a:r>
+              <a:rPr lang="de-DE" dirty="0" smtClean="0">
+                <a:solidFill>
+                  <a:schemeClr val="bg1"/>
+                </a:solidFill>
+              </a:rPr>
+              <a:t>Network Controller</a:t>
+            </a:r>
+            <a:endParaRPr lang="de-DE" dirty="0">
+              <a:solidFill>
+                <a:schemeClr val="bg1"/>
+              </a:solidFill>
+            </a:endParaRPr>
+          </a:p>
+        </p:txBody>
+      </p:sp>
+      <p:cxnSp>
+        <p:nvCxnSpPr>
+          <p:cNvPr id="12" name="Gerade Verbindung mit Pfeil 11"/>
+          <p:cNvCxnSpPr/>
+          <p:nvPr/>
+        </p:nvCxnSpPr>
+        <p:spPr>
+          <a:xfrm>
+            <a:off x="3419872" y="2086249"/>
+            <a:ext cx="0" cy="360040"/>
+          </a:xfrm>
+          <a:prstGeom prst="straightConnector1">
+            <a:avLst/>
+          </a:prstGeom>
+          <a:ln w="12700">
+            <a:tailEnd type="arrow"/>
+          </a:ln>
+        </p:spPr>
+        <p:style>
+          <a:lnRef idx="1">
+            <a:schemeClr val="dk1"/>
+          </a:lnRef>
+          <a:fillRef idx="0">
+            <a:schemeClr val="dk1"/>
+          </a:fillRef>
+          <a:effectRef idx="0">
+            <a:schemeClr val="dk1"/>
+          </a:effectRef>
+          <a:fontRef idx="minor">
+            <a:schemeClr val="tx1"/>
+          </a:fontRef>
+        </p:style>
+      </p:cxnSp>
+      <p:cxnSp>
+        <p:nvCxnSpPr>
+          <p:cNvPr id="14" name="Gerade Verbindung mit Pfeil 13"/>
+          <p:cNvCxnSpPr/>
+          <p:nvPr/>
+        </p:nvCxnSpPr>
+        <p:spPr>
+          <a:xfrm>
+            <a:off x="3419872" y="4470980"/>
+            <a:ext cx="0" cy="360040"/>
+          </a:xfrm>
+          <a:prstGeom prst="straightConnector1">
+            <a:avLst/>
+          </a:prstGeom>
+          <a:ln w="12700">
+            <a:tailEnd type="arrow"/>
+          </a:ln>
+        </p:spPr>
+        <p:style>
+          <a:lnRef idx="1">
+            <a:schemeClr val="dk1"/>
+          </a:lnRef>
+          <a:fillRef idx="0">
+            <a:schemeClr val="dk1"/>
+          </a:fillRef>
+          <a:effectRef idx="0">
+            <a:schemeClr val="dk1"/>
+          </a:effectRef>
+          <a:fontRef idx="minor">
+            <a:schemeClr val="tx1"/>
+          </a:fontRef>
+        </p:style>
+      </p:cxnSp>
+      <p:cxnSp>
+        <p:nvCxnSpPr>
+          <p:cNvPr id="16" name="Gerade Verbindung mit Pfeil 15"/>
+          <p:cNvCxnSpPr/>
+          <p:nvPr/>
+        </p:nvCxnSpPr>
+        <p:spPr>
+          <a:xfrm>
+            <a:off x="3417416" y="2852936"/>
+            <a:ext cx="0" cy="288032"/>
+          </a:xfrm>
+          <a:prstGeom prst="straightConnector1">
+            <a:avLst/>
+          </a:prstGeom>
+          <a:ln w="12700">
+            <a:solidFill>
+              <a:schemeClr val="tx1">
+                <a:lumMod val="50000"/>
+                <a:lumOff val="50000"/>
+              </a:schemeClr>
+            </a:solidFill>
+            <a:headEnd type="none" w="med" len="med"/>
+            <a:tailEnd type="triangle" w="med" len="med"/>
+          </a:ln>
+        </p:spPr>
+        <p:style>
+          <a:lnRef idx="1">
+            <a:schemeClr val="dk1"/>
+          </a:lnRef>
+          <a:fillRef idx="0">
+            <a:schemeClr val="dk1"/>
+          </a:fillRef>
+          <a:effectRef idx="0">
+            <a:schemeClr val="dk1"/>
+          </a:effectRef>
+          <a:fontRef idx="minor">
+            <a:schemeClr val="tx1"/>
+          </a:fontRef>
+        </p:style>
+      </p:cxnSp>
+      <p:cxnSp>
+        <p:nvCxnSpPr>
+          <p:cNvPr id="17" name="Gerade Verbindung mit Pfeil 16"/>
+          <p:cNvCxnSpPr/>
+          <p:nvPr/>
+        </p:nvCxnSpPr>
+        <p:spPr>
+          <a:xfrm>
+            <a:off x="3417416" y="3356992"/>
+            <a:ext cx="0" cy="288032"/>
+          </a:xfrm>
+          <a:prstGeom prst="straightConnector1">
+            <a:avLst/>
+          </a:prstGeom>
+          <a:ln w="12700">
+            <a:solidFill>
+              <a:schemeClr val="tx1">
+                <a:lumMod val="50000"/>
+                <a:lumOff val="50000"/>
+              </a:schemeClr>
+            </a:solidFill>
+            <a:headEnd type="none" w="med" len="med"/>
+            <a:tailEnd type="triangle" w="med" len="med"/>
+          </a:ln>
+        </p:spPr>
+        <p:style>
+          <a:lnRef idx="1">
+            <a:schemeClr val="dk1"/>
+          </a:lnRef>
+          <a:fillRef idx="0">
+            <a:schemeClr val="dk1"/>
+          </a:fillRef>
+          <a:effectRef idx="0">
+            <a:schemeClr val="dk1"/>
+          </a:effectRef>
+          <a:fontRef idx="minor">
+            <a:schemeClr val="tx1"/>
+          </a:fontRef>
+        </p:style>
+      </p:cxnSp>
+      <p:cxnSp>
+        <p:nvCxnSpPr>
+          <p:cNvPr id="20" name="Gerade Verbindung mit Pfeil 19"/>
+          <p:cNvCxnSpPr/>
+          <p:nvPr/>
+        </p:nvCxnSpPr>
+        <p:spPr>
+          <a:xfrm>
+            <a:off x="3417416" y="3861048"/>
+            <a:ext cx="0" cy="243359"/>
+          </a:xfrm>
+          <a:prstGeom prst="straightConnector1">
+            <a:avLst/>
+          </a:prstGeom>
+          <a:ln w="12700">
+            <a:solidFill>
+              <a:schemeClr val="tx1">
+                <a:lumMod val="50000"/>
+                <a:lumOff val="50000"/>
+              </a:schemeClr>
+            </a:solidFill>
+            <a:headEnd type="none" w="med" len="med"/>
+            <a:tailEnd type="triangle" w="med" len="med"/>
+          </a:ln>
+        </p:spPr>
+        <p:style>
+          <a:lnRef idx="1">
+            <a:schemeClr val="dk1"/>
+          </a:lnRef>
+          <a:fillRef idx="0">
+            <a:schemeClr val="dk1"/>
+          </a:fillRef>
+          <a:effectRef idx="0">
+            <a:schemeClr val="dk1"/>
+          </a:effectRef>
+          <a:fontRef idx="minor">
+            <a:schemeClr val="tx1"/>
+          </a:fontRef>
+        </p:style>
+      </p:cxnSp>
+      <p:sp>
+        <p:nvSpPr>
+          <p:cNvPr id="22" name="Geschweifte Klammer links 21"/>
+          <p:cNvSpPr/>
+          <p:nvPr/>
+        </p:nvSpPr>
+        <p:spPr>
+          <a:xfrm flipH="1">
+            <a:off x="7233493" y="2446289"/>
+            <a:ext cx="288032" cy="2043761"/>
+          </a:xfrm>
+          <a:prstGeom prst="leftBrace">
+            <a:avLst/>
+          </a:prstGeom>
+        </p:spPr>
+        <p:style>
+          <a:lnRef idx="1">
+            <a:schemeClr val="dk1"/>
+          </a:lnRef>
+          <a:fillRef idx="0">
+            <a:schemeClr val="dk1"/>
+          </a:fillRef>
+          <a:effectRef idx="0">
+            <a:schemeClr val="dk1"/>
+          </a:effectRef>
+          <a:fontRef idx="minor">
+            <a:schemeClr val="tx1"/>
+          </a:fontRef>
+        </p:style>
+        <p:txBody>
+          <a:bodyPr rtlCol="0" anchor="ctr"/>
+          <a:lstStyle/>
+          <a:p>
+            <a:pPr algn="ctr"/>
+            <a:endParaRPr lang="de-DE"/>
+          </a:p>
+        </p:txBody>
+      </p:sp>
+      <p:sp>
+        <p:nvSpPr>
+          <p:cNvPr id="23" name="Geschweifte Klammer links 22"/>
+          <p:cNvSpPr/>
+          <p:nvPr/>
+        </p:nvSpPr>
+        <p:spPr>
+          <a:xfrm flipH="1">
+            <a:off x="7233493" y="4814239"/>
+            <a:ext cx="288032" cy="558977"/>
+          </a:xfrm>
+          <a:prstGeom prst="leftBrace">
+            <a:avLst/>
+          </a:prstGeom>
+        </p:spPr>
+        <p:style>
+          <a:lnRef idx="1">
+            <a:schemeClr val="dk1"/>
+          </a:lnRef>
+          <a:fillRef idx="0">
+            <a:schemeClr val="dk1"/>
+          </a:fillRef>
+          <a:effectRef idx="0">
+            <a:schemeClr val="dk1"/>
+          </a:effectRef>
+          <a:fontRef idx="minor">
+            <a:schemeClr val="tx1"/>
+          </a:fontRef>
+        </p:style>
+        <p:txBody>
+          <a:bodyPr rtlCol="0" anchor="ctr"/>
+          <a:lstStyle/>
+          <a:p>
+            <a:pPr algn="ctr"/>
+            <a:endParaRPr lang="de-DE"/>
+          </a:p>
+        </p:txBody>
+      </p:sp>
+      <p:sp>
+        <p:nvSpPr>
+          <p:cNvPr id="24" name="Textfeld 23"/>
+          <p:cNvSpPr txBox="1"/>
+          <p:nvPr/>
+        </p:nvSpPr>
+        <p:spPr>
+          <a:xfrm>
+            <a:off x="7812359" y="3177842"/>
+            <a:ext cx="813043" cy="646331"/>
+          </a:xfrm>
+          <a:prstGeom prst="rect">
+            <a:avLst/>
+          </a:prstGeom>
+          <a:noFill/>
+        </p:spPr>
+        <p:txBody>
+          <a:bodyPr wrap="none" rtlCol="0">
+            <a:spAutoFit/>
+          </a:bodyPr>
+          <a:lstStyle/>
+          <a:p>
+            <a:r>
+              <a:rPr lang="de-DE" dirty="0" smtClean="0"/>
+              <a:t>Linux </a:t>
+            </a:r>
+          </a:p>
+          <a:p>
+            <a:r>
+              <a:rPr lang="de-DE" dirty="0" err="1" smtClean="0"/>
+              <a:t>kernel</a:t>
+            </a:r>
+            <a:endParaRPr lang="de-DE" dirty="0"/>
+          </a:p>
+        </p:txBody>
+      </p:sp>
+      <p:sp>
+        <p:nvSpPr>
+          <p:cNvPr id="25" name="Textfeld 24"/>
+          <p:cNvSpPr txBox="1"/>
+          <p:nvPr/>
+        </p:nvSpPr>
+        <p:spPr>
+          <a:xfrm>
+            <a:off x="7812359" y="4770561"/>
+            <a:ext cx="761747" cy="646331"/>
+          </a:xfrm>
+          <a:prstGeom prst="rect">
+            <a:avLst/>
+          </a:prstGeom>
+          <a:noFill/>
+        </p:spPr>
+        <p:txBody>
+          <a:bodyPr wrap="none" rtlCol="0">
+            <a:spAutoFit/>
+          </a:bodyPr>
+          <a:lstStyle/>
+          <a:p>
+            <a:r>
+              <a:rPr lang="de-DE" dirty="0" smtClean="0"/>
+              <a:t>Hard-</a:t>
+            </a:r>
+          </a:p>
+          <a:p>
+            <a:r>
+              <a:rPr lang="de-DE" dirty="0" err="1" smtClean="0"/>
+              <a:t>ware</a:t>
+            </a:r>
+            <a:endParaRPr lang="de-DE" dirty="0"/>
+          </a:p>
+        </p:txBody>
+      </p:sp>
+      <p:sp>
+        <p:nvSpPr>
+          <p:cNvPr id="18" name="Rechteck 17"/>
+          <p:cNvSpPr/>
+          <p:nvPr/>
+        </p:nvSpPr>
+        <p:spPr>
+          <a:xfrm>
+            <a:off x="332532" y="4941168"/>
+            <a:ext cx="6768752" cy="432048"/>
+          </a:xfrm>
+          <a:prstGeom prst="rect">
+            <a:avLst/>
+          </a:prstGeom>
+          <a:solidFill>
+            <a:srgbClr val="E9503E"/>
+          </a:solidFill>
+          <a:ln>
+            <a:solidFill>
+              <a:srgbClr val="C72817"/>
+            </a:solidFill>
+          </a:ln>
+        </p:spPr>
+        <p:style>
+          <a:lnRef idx="2">
+            <a:schemeClr val="accent2">
+              <a:shade val="50000"/>
+            </a:schemeClr>
+          </a:lnRef>
+          <a:fillRef idx="1">
+            <a:schemeClr val="accent2"/>
+          </a:fillRef>
+          <a:effectRef idx="0">
+            <a:schemeClr val="accent2"/>
+          </a:effectRef>
+          <a:fontRef idx="minor">
+            <a:schemeClr val="lt1"/>
+          </a:fontRef>
+        </p:style>
+        <p:txBody>
+          <a:bodyPr rtlCol="0" anchor="ctr"/>
+          <a:lstStyle/>
+          <a:p>
+            <a:pPr algn="ctr"/>
+            <a:r>
+              <a:rPr lang="de-DE" dirty="0" smtClean="0">
+                <a:solidFill>
+                  <a:schemeClr val="bg1"/>
+                </a:solidFill>
+              </a:rPr>
+              <a:t>TCP </a:t>
+            </a:r>
+            <a:r>
+              <a:rPr lang="de-DE" dirty="0" err="1" smtClean="0">
+                <a:solidFill>
+                  <a:schemeClr val="bg1"/>
+                </a:solidFill>
+              </a:rPr>
+              <a:t>Offload</a:t>
+            </a:r>
+            <a:r>
+              <a:rPr lang="de-DE" dirty="0" smtClean="0">
+                <a:solidFill>
+                  <a:schemeClr val="bg1"/>
+                </a:solidFill>
+              </a:rPr>
+              <a:t> Engine (TOE)</a:t>
+            </a:r>
+            <a:endParaRPr lang="de-DE" dirty="0">
+              <a:solidFill>
+                <a:schemeClr val="bg1"/>
+              </a:solidFill>
+            </a:endParaRPr>
+          </a:p>
+        </p:txBody>
+      </p:sp>
+      <p:sp>
+        <p:nvSpPr>
+          <p:cNvPr id="19" name="Rechteck 18"/>
+          <p:cNvSpPr/>
+          <p:nvPr/>
+        </p:nvSpPr>
+        <p:spPr>
+          <a:xfrm>
+            <a:off x="332532" y="4049593"/>
+            <a:ext cx="6768752" cy="432048"/>
+          </a:xfrm>
+          <a:prstGeom prst="rect">
+            <a:avLst/>
+          </a:prstGeom>
+          <a:solidFill>
+            <a:srgbClr val="7ABC32"/>
+          </a:solidFill>
+          <a:ln>
+            <a:solidFill>
+              <a:srgbClr val="5F9127"/>
+            </a:solidFill>
+          </a:ln>
+        </p:spPr>
+        <p:style>
+          <a:lnRef idx="2">
+            <a:schemeClr val="accent2">
+              <a:shade val="50000"/>
+            </a:schemeClr>
+          </a:lnRef>
+          <a:fillRef idx="1">
+            <a:schemeClr val="accent2"/>
+          </a:fillRef>
+          <a:effectRef idx="0">
+            <a:schemeClr val="accent2"/>
+          </a:effectRef>
+          <a:fontRef idx="minor">
+            <a:schemeClr val="lt1"/>
+          </a:fontRef>
+        </p:style>
+        <p:txBody>
+          <a:bodyPr rtlCol="0" anchor="ctr"/>
+          <a:lstStyle/>
+          <a:p>
+            <a:pPr algn="ctr"/>
+            <a:r>
+              <a:rPr lang="de-DE" dirty="0" smtClean="0">
+                <a:solidFill>
+                  <a:schemeClr val="bg1"/>
+                </a:solidFill>
+              </a:rPr>
+              <a:t>TOE Device Driver</a:t>
+            </a:r>
+            <a:endParaRPr lang="de-DE" dirty="0">
+              <a:solidFill>
+                <a:schemeClr val="bg1"/>
+              </a:solidFill>
+            </a:endParaRPr>
+          </a:p>
+        </p:txBody>
+      </p:sp>
+      <p:sp>
+        <p:nvSpPr>
+          <p:cNvPr id="21" name="Rechteck 20"/>
+          <p:cNvSpPr/>
+          <p:nvPr/>
+        </p:nvSpPr>
+        <p:spPr>
+          <a:xfrm>
+            <a:off x="358775" y="2687060"/>
+            <a:ext cx="783084" cy="1173987"/>
+          </a:xfrm>
+          <a:prstGeom prst="rect">
+            <a:avLst/>
+          </a:prstGeom>
+          <a:solidFill>
+            <a:srgbClr val="FFFF00"/>
+          </a:solidFill>
+          <a:ln>
+            <a:solidFill>
+              <a:srgbClr val="FFC000"/>
+            </a:solidFill>
+          </a:ln>
+        </p:spPr>
+        <p:style>
+          <a:lnRef idx="2">
+            <a:schemeClr val="accent2">
+              <a:shade val="50000"/>
+            </a:schemeClr>
+          </a:lnRef>
+          <a:fillRef idx="1">
+            <a:schemeClr val="accent2"/>
+          </a:fillRef>
+          <a:effectRef idx="0">
+            <a:schemeClr val="accent2"/>
+          </a:effectRef>
+          <a:fontRef idx="minor">
+            <a:schemeClr val="lt1"/>
+          </a:fontRef>
+        </p:style>
+        <p:txBody>
+          <a:bodyPr rtlCol="0" anchor="ctr"/>
+          <a:lstStyle/>
+          <a:p>
+            <a:pPr algn="ctr"/>
+            <a:r>
+              <a:rPr lang="de-DE" dirty="0" err="1" smtClean="0">
+                <a:solidFill>
+                  <a:schemeClr val="tx1"/>
+                </a:solidFill>
+              </a:rPr>
+              <a:t>short</a:t>
+            </a:r>
+            <a:r>
+              <a:rPr lang="de-DE" dirty="0" smtClean="0">
+                <a:solidFill>
+                  <a:schemeClr val="tx1"/>
+                </a:solidFill>
+              </a:rPr>
+              <a:t>- </a:t>
+            </a:r>
+            <a:r>
+              <a:rPr lang="de-DE" dirty="0" err="1" smtClean="0">
+                <a:solidFill>
+                  <a:schemeClr val="tx1"/>
+                </a:solidFill>
+              </a:rPr>
+              <a:t>cut</a:t>
+            </a:r>
+            <a:r>
+              <a:rPr lang="de-DE" dirty="0" smtClean="0">
+                <a:solidFill>
+                  <a:schemeClr val="tx1"/>
+                </a:solidFill>
+              </a:rPr>
+              <a:t> TCP</a:t>
+            </a:r>
+            <a:endParaRPr lang="de-DE" dirty="0">
+              <a:solidFill>
+                <a:schemeClr val="tx1"/>
               </a:solidFill>
             </a:endParaRPr>
           </a:p>
@@ -35840,20 +35856,20 @@
     </p:spTree>
     <p:extLst>
       <p:ext uri="{BB962C8B-B14F-4D97-AF65-F5344CB8AC3E}">
-        <p14:creationId xmlns:p14="http://schemas.microsoft.com/office/powerpoint/2010/main" val="2000332039"/>
+        <p14:creationId xmlns:p14="http://schemas.microsoft.com/office/powerpoint/2010/main" val="3112608986"/>
       </p:ext>
     </p:extLst>
   </p:cSld>
   <p:clrMapOvr>
     <a:masterClrMapping/>
   </p:clrMapOvr>
-  <mc:AlternateContent xmlns:mc="http://schemas.openxmlformats.org/markup-compatibility/2006">
-    <mc:Choice xmlns:p14="http://schemas.microsoft.com/office/powerpoint/2010/main" Requires="p14">
+  <mc:AlternateContent xmlns:mc="http://schemas.openxmlformats.org/markup-compatibility/2006" xmlns:p14="http://schemas.microsoft.com/office/powerpoint/2010/main">
+    <mc:Choice Requires="p14">
       <p:transition spd="med" p14:dur="700">
         <p:fade/>
       </p:transition>
     </mc:Choice>
-    <mc:Fallback>
+    <mc:Fallback xmlns="">
       <p:transition spd="med">
         <p:fade/>
       </p:transition>
@@ -35893,6 +35909,59 @@
                                           </p:stCondLst>
                                         </p:cTn>
                                         <p:tgtEl>
+                                          <p:spTgt spid="19"/>
+                                        </p:tgtEl>
+                                        <p:attrNameLst>
+                                          <p:attrName>style.visibility</p:attrName>
+                                        </p:attrNameLst>
+                                      </p:cBhvr>
+                                      <p:to>
+                                        <p:strVal val="visible"/>
+                                      </p:to>
+                                    </p:set>
+                                    <p:animEffect transition="in" filter="fade">
+                                      <p:cBhvr>
+                                        <p:cTn id="7" dur="500"/>
+                                        <p:tgtEl>
+                                          <p:spTgt spid="19"/>
+                                        </p:tgtEl>
+                                      </p:cBhvr>
+                                    </p:animEffect>
+                                  </p:childTnLst>
+                                </p:cTn>
+                              </p:par>
+                            </p:childTnLst>
+                          </p:cTn>
+                        </p:par>
+                      </p:childTnLst>
+                    </p:cTn>
+                  </p:par>
+                  <p:par>
+                    <p:cTn id="8" fill="hold">
+                      <p:stCondLst>
+                        <p:cond delay="indefinite"/>
+                      </p:stCondLst>
+                      <p:childTnLst>
+                        <p:par>
+                          <p:cTn id="9" fill="hold">
+                            <p:stCondLst>
+                              <p:cond delay="0"/>
+                            </p:stCondLst>
+                            <p:childTnLst>
+                              <p:par>
+                                <p:cTn id="10" presetID="10" presetClass="entr" presetSubtype="0" fill="hold" grpId="0" nodeType="clickEffect">
+                                  <p:stCondLst>
+                                    <p:cond delay="0"/>
+                                  </p:stCondLst>
+                                  <p:childTnLst>
+                                    <p:set>
+                                      <p:cBhvr>
+                                        <p:cTn id="11" dur="1" fill="hold">
+                                          <p:stCondLst>
+                                            <p:cond delay="0"/>
+                                          </p:stCondLst>
+                                        </p:cTn>
+                                        <p:tgtEl>
                                           <p:spTgt spid="21"/>
                                         </p:tgtEl>
                                         <p:attrNameLst>
@@ -35905,7 +35974,7 @@
                                     </p:set>
                                     <p:animEffect transition="in" filter="fade">
                                       <p:cBhvr>
-                                        <p:cTn id="7" dur="500"/>
+                                        <p:cTn id="12" dur="500"/>
                                         <p:tgtEl>
                                           <p:spTgt spid="21"/>
                                         </p:tgtEl>
@@ -35942,14 +36011,15 @@
       </p:par>
     </p:tnLst>
     <p:bldLst>
+      <p:bldP spid="19" grpId="0" animBg="1"/>
       <p:bldP spid="21" grpId="0" animBg="1"/>
     </p:bldLst>
   </p:timing>
 </p:sld>
 </file>
 
-<file path=ppt/slides/slide56.xml><?xml version="1.0" encoding="utf-8"?>
-<p:sld xmlns:a="http://schemas.openxmlformats.org/drawingml/2006/main" xmlns:r="http://schemas.openxmlformats.org/officeDocument/2006/relationships" xmlns:p="http://schemas.openxmlformats.org/presentationml/2006/main">
+<file path=ppt/slides/slide57.xml><?xml version="1.0" encoding="utf-8"?>
+<p:sld xmlns:a="http://schemas.openxmlformats.org/drawingml/2006/main" xmlns:r="http://schemas.openxmlformats.org/officeDocument/2006/relationships" xmlns:p="http://schemas.openxmlformats.org/presentationml/2006/main" show="0">
   <p:cSld>
     <p:spTree>
       <p:nvGrpSpPr>
@@ -36951,7 +37021,7 @@
     </p:spTree>
     <p:extLst>
       <p:ext uri="{BB962C8B-B14F-4D97-AF65-F5344CB8AC3E}">
-        <p14:creationId xmlns:p14="http://schemas.microsoft.com/office/powerpoint/2010/main" val="3112608986"/>
+        <p14:creationId xmlns:p14="http://schemas.microsoft.com/office/powerpoint/2010/main" val="1804557451"/>
       </p:ext>
     </p:extLst>
   </p:cSld>
@@ -37113,247 +37183,6 @@
 </p:sld>
 </file>
 
-<file path=ppt/slides/slide57.xml><?xml version="1.0" encoding="utf-8"?>
-<p:sld xmlns:a="http://schemas.openxmlformats.org/drawingml/2006/main" xmlns:r="http://schemas.openxmlformats.org/officeDocument/2006/relationships" xmlns:p="http://schemas.openxmlformats.org/presentationml/2006/main">
-  <p:cSld>
-    <p:spTree>
-      <p:nvGrpSpPr>
-        <p:cNvPr id="1" name=""/>
-        <p:cNvGrpSpPr/>
-        <p:nvPr/>
-      </p:nvGrpSpPr>
-      <p:grpSpPr>
-        <a:xfrm>
-          <a:off x="0" y="0"/>
-          <a:ext cx="0" cy="0"/>
-          <a:chOff x="0" y="0"/>
-          <a:chExt cx="0" cy="0"/>
-        </a:xfrm>
-      </p:grpSpPr>
-      <p:sp>
-        <p:nvSpPr>
-          <p:cNvPr id="4" name="Titel 3"/>
-          <p:cNvSpPr>
-            <a:spLocks noGrp="1"/>
-          </p:cNvSpPr>
-          <p:nvPr>
-            <p:ph type="title"/>
-          </p:nvPr>
-        </p:nvSpPr>
-        <p:spPr>
-          <a:xfrm>
-            <a:off x="850845" y="4113076"/>
-            <a:ext cx="7609587" cy="613809"/>
-          </a:xfrm>
-        </p:spPr>
-        <p:txBody>
-          <a:bodyPr/>
-          <a:lstStyle/>
-          <a:p>
-            <a:r>
-              <a:rPr lang="en-US" dirty="0" smtClean="0"/>
-              <a:t>Conclusion</a:t>
-            </a:r>
-            <a:endParaRPr lang="en-US" dirty="0"/>
-          </a:p>
-        </p:txBody>
-      </p:sp>
-      <p:sp>
-        <p:nvSpPr>
-          <p:cNvPr id="5" name="Rechteck 4"/>
-          <p:cNvSpPr/>
-          <p:nvPr/>
-        </p:nvSpPr>
-        <p:spPr>
-          <a:xfrm>
-            <a:off x="776604" y="2204864"/>
-            <a:ext cx="4932040" cy="1934691"/>
-          </a:xfrm>
-          <a:prstGeom prst="rect">
-            <a:avLst/>
-          </a:prstGeom>
-        </p:spPr>
-        <p:txBody>
-          <a:bodyPr anchor="b" anchorCtr="0">
-            <a:noAutofit/>
-          </a:bodyPr>
-          <a:lstStyle/>
-          <a:p>
-            <a:pPr>
-              <a:spcBef>
-                <a:spcPts val="600"/>
-              </a:spcBef>
-              <a:spcAft>
-                <a:spcPts val="0"/>
-              </a:spcAft>
-            </a:pPr>
-            <a:r>
-              <a:rPr lang="en-US" sz="2000" dirty="0">
-                <a:solidFill>
-                  <a:schemeClr val="tx1">
-                    <a:lumMod val="50000"/>
-                    <a:lumOff val="50000"/>
-                  </a:schemeClr>
-                </a:solidFill>
-              </a:rPr>
-              <a:t>Preceding Work</a:t>
-            </a:r>
-          </a:p>
-          <a:p>
-            <a:pPr>
-              <a:spcBef>
-                <a:spcPts val="600"/>
-              </a:spcBef>
-              <a:spcAft>
-                <a:spcPts val="0"/>
-              </a:spcAft>
-            </a:pPr>
-            <a:r>
-              <a:rPr lang="en-US" sz="2000" dirty="0" err="1">
-                <a:solidFill>
-                  <a:schemeClr val="tx1">
-                    <a:lumMod val="50000"/>
-                    <a:lumOff val="50000"/>
-                  </a:schemeClr>
-                </a:solidFill>
-              </a:rPr>
-              <a:t>nginx</a:t>
-            </a:r>
-            <a:endParaRPr lang="en-US" sz="2000" dirty="0">
-              <a:solidFill>
-                <a:schemeClr val="tx1">
-                  <a:lumMod val="50000"/>
-                  <a:lumOff val="50000"/>
-                </a:schemeClr>
-              </a:solidFill>
-            </a:endParaRPr>
-          </a:p>
-          <a:p>
-            <a:pPr>
-              <a:spcBef>
-                <a:spcPts val="600"/>
-              </a:spcBef>
-              <a:spcAft>
-                <a:spcPts val="0"/>
-              </a:spcAft>
-            </a:pPr>
-            <a:r>
-              <a:rPr lang="en-US" sz="2000" dirty="0">
-                <a:solidFill>
-                  <a:schemeClr val="tx1">
-                    <a:lumMod val="50000"/>
-                    <a:lumOff val="50000"/>
-                  </a:schemeClr>
-                </a:solidFill>
-              </a:rPr>
-              <a:t>Performance </a:t>
-            </a:r>
-            <a:r>
-              <a:rPr lang="en-US" sz="2000" dirty="0" smtClean="0">
-                <a:solidFill>
-                  <a:schemeClr val="tx1">
-                    <a:lumMod val="50000"/>
-                    <a:lumOff val="50000"/>
-                  </a:schemeClr>
-                </a:solidFill>
-              </a:rPr>
-              <a:t>Tests</a:t>
-            </a:r>
-          </a:p>
-          <a:p>
-            <a:pPr>
-              <a:spcBef>
-                <a:spcPts val="600"/>
-              </a:spcBef>
-              <a:spcAft>
-                <a:spcPts val="0"/>
-              </a:spcAft>
-            </a:pPr>
-            <a:r>
-              <a:rPr lang="en-US" sz="2000" dirty="0" smtClean="0">
-                <a:solidFill>
-                  <a:schemeClr val="tx1">
-                    <a:lumMod val="50000"/>
-                    <a:lumOff val="50000"/>
-                  </a:schemeClr>
-                </a:solidFill>
-              </a:rPr>
-              <a:t>TCP Offload Engine (TOE)</a:t>
-            </a:r>
-            <a:endParaRPr lang="en-US" sz="2000" dirty="0">
-              <a:solidFill>
-                <a:schemeClr val="tx1">
-                  <a:lumMod val="50000"/>
-                  <a:lumOff val="50000"/>
-                </a:schemeClr>
-              </a:solidFill>
-            </a:endParaRPr>
-          </a:p>
-        </p:txBody>
-      </p:sp>
-      <p:sp>
-        <p:nvSpPr>
-          <p:cNvPr id="9" name="Rechteck 8"/>
-          <p:cNvSpPr/>
-          <p:nvPr/>
-        </p:nvSpPr>
-        <p:spPr>
-          <a:xfrm>
-            <a:off x="774626" y="4709209"/>
-            <a:ext cx="4932040" cy="1528103"/>
-          </a:xfrm>
-          <a:prstGeom prst="rect">
-            <a:avLst/>
-          </a:prstGeom>
-        </p:spPr>
-        <p:txBody>
-          <a:bodyPr anchor="t" anchorCtr="0">
-            <a:noAutofit/>
-          </a:bodyPr>
-          <a:lstStyle/>
-          <a:p>
-            <a:pPr>
-              <a:spcBef>
-                <a:spcPts val="600"/>
-              </a:spcBef>
-              <a:spcAft>
-                <a:spcPts val="0"/>
-              </a:spcAft>
-            </a:pPr>
-            <a:endParaRPr lang="en-US" sz="500" dirty="0">
-              <a:solidFill>
-                <a:srgbClr val="000000">
-                  <a:lumMod val="50000"/>
-                  <a:lumOff val="50000"/>
-                </a:srgbClr>
-              </a:solidFill>
-            </a:endParaRPr>
-          </a:p>
-        </p:txBody>
-      </p:sp>
-    </p:spTree>
-    <p:extLst>
-      <p:ext uri="{BB962C8B-B14F-4D97-AF65-F5344CB8AC3E}">
-        <p14:creationId xmlns:p14="http://schemas.microsoft.com/office/powerpoint/2010/main" val="2847367006"/>
-      </p:ext>
-    </p:extLst>
-  </p:cSld>
-  <p:clrMapOvr>
-    <a:masterClrMapping/>
-  </p:clrMapOvr>
-  <p:transition>
-    <p:wipe/>
-  </p:transition>
-  <p:timing>
-    <p:tnLst>
-      <p:par>
-        <p:cTn id="1" dur="indefinite" restart="never" nodeType="tmRoot"/>
-      </p:par>
-    </p:tnLst>
-  </p:timing>
-</p:sld>
-</file>
-
 <file path=ppt/slides/slide58.xml><?xml version="1.0" encoding="utf-8"?>
 <p:sld xmlns:a="http://schemas.openxmlformats.org/drawingml/2006/main" xmlns:r="http://schemas.openxmlformats.org/officeDocument/2006/relationships" xmlns:p="http://schemas.openxmlformats.org/presentationml/2006/main">
   <p:cSld>
@@ -37381,73 +37210,201 @@
             <p:ph type="title"/>
           </p:nvPr>
         </p:nvSpPr>
-        <p:spPr/>
+        <p:spPr>
+          <a:xfrm>
+            <a:off x="850845" y="4113076"/>
+            <a:ext cx="7609587" cy="613809"/>
+          </a:xfrm>
+        </p:spPr>
         <p:txBody>
           <a:bodyPr/>
           <a:lstStyle/>
           <a:p>
             <a:r>
-              <a:rPr lang="de-DE" dirty="0" err="1" smtClean="0"/>
-              <a:t>Thank</a:t>
-            </a:r>
-            <a:r>
-              <a:rPr lang="de-DE" dirty="0" smtClean="0"/>
-              <a:t> </a:t>
-            </a:r>
-            <a:r>
-              <a:rPr lang="de-DE" dirty="0" err="1" smtClean="0"/>
-              <a:t>you</a:t>
-            </a:r>
-            <a:r>
-              <a:rPr lang="de-DE" dirty="0" smtClean="0"/>
-              <a:t> </a:t>
-            </a:r>
-            <a:r>
-              <a:rPr lang="de-DE" dirty="0" err="1" smtClean="0"/>
-              <a:t>for</a:t>
-            </a:r>
-            <a:r>
-              <a:rPr lang="de-DE" dirty="0" smtClean="0"/>
-              <a:t> </a:t>
-            </a:r>
-            <a:br>
-              <a:rPr lang="de-DE" dirty="0" smtClean="0"/>
-            </a:br>
-            <a:r>
-              <a:rPr lang="de-DE" dirty="0" err="1" smtClean="0"/>
-              <a:t>your</a:t>
-            </a:r>
-            <a:r>
-              <a:rPr lang="de-DE" dirty="0" smtClean="0"/>
-              <a:t> Attention!</a:t>
-            </a:r>
-            <a:endParaRPr lang="de-DE" dirty="0"/>
-          </a:p>
-        </p:txBody>
-      </p:sp>
-      <p:sp>
-        <p:nvSpPr>
-          <p:cNvPr id="5" name="Textplatzhalter 4"/>
-          <p:cNvSpPr>
-            <a:spLocks noGrp="1"/>
-          </p:cNvSpPr>
-          <p:nvPr>
-            <p:ph type="body" idx="1"/>
-          </p:nvPr>
-        </p:nvSpPr>
-        <p:spPr/>
-        <p:txBody>
-          <a:bodyPr/>
+              <a:rPr lang="en-US" dirty="0" smtClean="0"/>
+              <a:t>Conclusion</a:t>
+            </a:r>
+            <a:endParaRPr lang="en-US" dirty="0"/>
+          </a:p>
+        </p:txBody>
+      </p:sp>
+      <p:sp>
+        <p:nvSpPr>
+          <p:cNvPr id="5" name="Rechteck 4"/>
+          <p:cNvSpPr/>
+          <p:nvPr/>
+        </p:nvSpPr>
+        <p:spPr>
+          <a:xfrm>
+            <a:off x="776604" y="2204864"/>
+            <a:ext cx="4932040" cy="1934691"/>
+          </a:xfrm>
+          <a:prstGeom prst="rect">
+            <a:avLst/>
+          </a:prstGeom>
+        </p:spPr>
+        <p:txBody>
+          <a:bodyPr anchor="b" anchorCtr="0">
+            <a:noAutofit/>
+          </a:bodyPr>
           <a:lstStyle/>
           <a:p>
-            <a:endParaRPr lang="de-DE" dirty="0"/>
+            <a:pPr>
+              <a:spcBef>
+                <a:spcPts val="600"/>
+              </a:spcBef>
+              <a:spcAft>
+                <a:spcPts val="0"/>
+              </a:spcAft>
+            </a:pPr>
+            <a:r>
+              <a:rPr lang="en-US" sz="2000" dirty="0">
+                <a:solidFill>
+                  <a:schemeClr val="tx1">
+                    <a:lumMod val="50000"/>
+                    <a:lumOff val="50000"/>
+                  </a:schemeClr>
+                </a:solidFill>
+              </a:rPr>
+              <a:t>Preceding Work</a:t>
+            </a:r>
+          </a:p>
+          <a:p>
+            <a:pPr>
+              <a:spcBef>
+                <a:spcPts val="600"/>
+              </a:spcBef>
+              <a:spcAft>
+                <a:spcPts val="0"/>
+              </a:spcAft>
+            </a:pPr>
+            <a:r>
+              <a:rPr lang="en-US" sz="2000" dirty="0" err="1">
+                <a:solidFill>
+                  <a:schemeClr val="tx1">
+                    <a:lumMod val="50000"/>
+                    <a:lumOff val="50000"/>
+                  </a:schemeClr>
+                </a:solidFill>
+              </a:rPr>
+              <a:t>nginx</a:t>
+            </a:r>
+            <a:endParaRPr lang="en-US" sz="2000" dirty="0">
+              <a:solidFill>
+                <a:schemeClr val="tx1">
+                  <a:lumMod val="50000"/>
+                  <a:lumOff val="50000"/>
+                </a:schemeClr>
+              </a:solidFill>
+            </a:endParaRPr>
+          </a:p>
+          <a:p>
+            <a:pPr>
+              <a:spcBef>
+                <a:spcPts val="600"/>
+              </a:spcBef>
+              <a:spcAft>
+                <a:spcPts val="0"/>
+              </a:spcAft>
+            </a:pPr>
+            <a:r>
+              <a:rPr lang="en-US" sz="2000" dirty="0">
+                <a:solidFill>
+                  <a:schemeClr val="tx1">
+                    <a:lumMod val="50000"/>
+                    <a:lumOff val="50000"/>
+                  </a:schemeClr>
+                </a:solidFill>
+              </a:rPr>
+              <a:t>Performance </a:t>
+            </a:r>
+            <a:r>
+              <a:rPr lang="en-US" sz="2000" dirty="0" smtClean="0">
+                <a:solidFill>
+                  <a:schemeClr val="tx1">
+                    <a:lumMod val="50000"/>
+                    <a:lumOff val="50000"/>
+                  </a:schemeClr>
+                </a:solidFill>
+              </a:rPr>
+              <a:t>Tests</a:t>
+            </a:r>
+          </a:p>
+          <a:p>
+            <a:pPr>
+              <a:spcBef>
+                <a:spcPts val="600"/>
+              </a:spcBef>
+              <a:spcAft>
+                <a:spcPts val="0"/>
+              </a:spcAft>
+            </a:pPr>
+            <a:r>
+              <a:rPr lang="en-US" sz="2000" dirty="0" smtClean="0">
+                <a:solidFill>
+                  <a:schemeClr val="tx1">
+                    <a:lumMod val="50000"/>
+                    <a:lumOff val="50000"/>
+                  </a:schemeClr>
+                </a:solidFill>
+              </a:rPr>
+              <a:t>TCP Offload Engine (TOE)</a:t>
+            </a:r>
+            <a:endParaRPr lang="en-US" sz="2000" dirty="0">
+              <a:solidFill>
+                <a:schemeClr val="tx1">
+                  <a:lumMod val="50000"/>
+                  <a:lumOff val="50000"/>
+                </a:schemeClr>
+              </a:solidFill>
+            </a:endParaRPr>
+          </a:p>
+        </p:txBody>
+      </p:sp>
+      <p:sp>
+        <p:nvSpPr>
+          <p:cNvPr id="9" name="Rechteck 8"/>
+          <p:cNvSpPr/>
+          <p:nvPr/>
+        </p:nvSpPr>
+        <p:spPr>
+          <a:xfrm>
+            <a:off x="774626" y="4709209"/>
+            <a:ext cx="4932040" cy="1528103"/>
+          </a:xfrm>
+          <a:prstGeom prst="rect">
+            <a:avLst/>
+          </a:prstGeom>
+        </p:spPr>
+        <p:txBody>
+          <a:bodyPr anchor="t" anchorCtr="0">
+            <a:noAutofit/>
+          </a:bodyPr>
+          <a:lstStyle/>
+          <a:p>
+            <a:pPr>
+              <a:spcBef>
+                <a:spcPts val="600"/>
+              </a:spcBef>
+              <a:spcAft>
+                <a:spcPts val="0"/>
+              </a:spcAft>
+            </a:pPr>
+            <a:endParaRPr lang="en-US" sz="500" dirty="0">
+              <a:solidFill>
+                <a:srgbClr val="000000">
+                  <a:lumMod val="50000"/>
+                  <a:lumOff val="50000"/>
+                </a:srgbClr>
+              </a:solidFill>
+            </a:endParaRPr>
           </a:p>
         </p:txBody>
       </p:sp>
     </p:spTree>
     <p:extLst>
       <p:ext uri="{BB962C8B-B14F-4D97-AF65-F5344CB8AC3E}">
-        <p14:creationId xmlns:p14="http://schemas.microsoft.com/office/powerpoint/2010/main" val="2040479803"/>
+        <p14:creationId xmlns:p14="http://schemas.microsoft.com/office/powerpoint/2010/main" val="2847367006"/>
       </p:ext>
     </p:extLst>
   </p:cSld>
@@ -37486,7 +37443,7 @@
       </p:grpSpPr>
       <p:sp>
         <p:nvSpPr>
-          <p:cNvPr id="5" name="Titel 4"/>
+          <p:cNvPr id="4" name="Titel 3"/>
           <p:cNvSpPr>
             <a:spLocks noGrp="1"/>
           </p:cNvSpPr>
@@ -37499,16 +37456,40 @@
           <a:bodyPr/>
           <a:lstStyle/>
           <a:p>
-            <a:pPr>
-              <a:defRPr/>
-            </a:pPr>
             <a:r>
               <a:rPr lang="de-DE" dirty="0" err="1" smtClean="0"/>
-              <a:t>Questions</a:t>
+              <a:t>Thank</a:t>
             </a:r>
             <a:r>
               <a:rPr lang="de-DE" dirty="0" smtClean="0"/>
-              <a:t>?</a:t>
+              <a:t> </a:t>
+            </a:r>
+            <a:r>
+              <a:rPr lang="de-DE" dirty="0" err="1" smtClean="0"/>
+              <a:t>you</a:t>
+            </a:r>
+            <a:r>
+              <a:rPr lang="de-DE" dirty="0" smtClean="0"/>
+              <a:t> </a:t>
+            </a:r>
+            <a:r>
+              <a:rPr lang="de-DE" dirty="0" err="1" smtClean="0"/>
+              <a:t>for</a:t>
+            </a:r>
+            <a:r>
+              <a:rPr lang="de-DE" dirty="0" smtClean="0"/>
+              <a:t> </a:t>
+            </a:r>
+            <a:br>
+              <a:rPr lang="de-DE" dirty="0" smtClean="0"/>
+            </a:br>
+            <a:r>
+              <a:rPr lang="de-DE" dirty="0" err="1" smtClean="0"/>
+              <a:t>your</a:t>
+            </a:r>
+            <a:r>
+              <a:rPr lang="de-DE" dirty="0" smtClean="0"/>
+              <a:t> Attention!</a:t>
             </a:r>
             <a:endParaRPr lang="de-DE" dirty="0"/>
           </a:p>
@@ -37516,7 +37497,7 @@
       </p:sp>
       <p:sp>
         <p:nvSpPr>
-          <p:cNvPr id="13315" name="Textplatzhalter 5"/>
+          <p:cNvPr id="5" name="Textplatzhalter 4"/>
           <p:cNvSpPr>
             <a:spLocks noGrp="1"/>
           </p:cNvSpPr>
@@ -37529,13 +37510,16 @@
           <a:bodyPr/>
           <a:lstStyle/>
           <a:p>
-            <a:endParaRPr lang="de-DE" smtClean="0">
-              <a:ea typeface="ヒラギノ角ゴ Pro W3" charset="-128"/>
-            </a:endParaRPr>
+            <a:endParaRPr lang="de-DE" dirty="0"/>
           </a:p>
         </p:txBody>
       </p:sp>
     </p:spTree>
+    <p:extLst>
+      <p:ext uri="{BB962C8B-B14F-4D97-AF65-F5344CB8AC3E}">
+        <p14:creationId xmlns:p14="http://schemas.microsoft.com/office/powerpoint/2010/main" val="2040479803"/>
+      </p:ext>
+    </p:extLst>
   </p:cSld>
   <p:clrMapOvr>
     <a:masterClrMapping/>
@@ -37744,6 +37728,92 @@
 </file>
 
 <file path=ppt/slides/slide60.xml><?xml version="1.0" encoding="utf-8"?>
+<p:sld xmlns:a="http://schemas.openxmlformats.org/drawingml/2006/main" xmlns:r="http://schemas.openxmlformats.org/officeDocument/2006/relationships" xmlns:p="http://schemas.openxmlformats.org/presentationml/2006/main">
+  <p:cSld>
+    <p:spTree>
+      <p:nvGrpSpPr>
+        <p:cNvPr id="1" name=""/>
+        <p:cNvGrpSpPr/>
+        <p:nvPr/>
+      </p:nvGrpSpPr>
+      <p:grpSpPr>
+        <a:xfrm>
+          <a:off x="0" y="0"/>
+          <a:ext cx="0" cy="0"/>
+          <a:chOff x="0" y="0"/>
+          <a:chExt cx="0" cy="0"/>
+        </a:xfrm>
+      </p:grpSpPr>
+      <p:sp>
+        <p:nvSpPr>
+          <p:cNvPr id="5" name="Titel 4"/>
+          <p:cNvSpPr>
+            <a:spLocks noGrp="1"/>
+          </p:cNvSpPr>
+          <p:nvPr>
+            <p:ph type="title"/>
+          </p:nvPr>
+        </p:nvSpPr>
+        <p:spPr/>
+        <p:txBody>
+          <a:bodyPr/>
+          <a:lstStyle/>
+          <a:p>
+            <a:pPr>
+              <a:defRPr/>
+            </a:pPr>
+            <a:r>
+              <a:rPr lang="de-DE" dirty="0" err="1" smtClean="0"/>
+              <a:t>Questions</a:t>
+            </a:r>
+            <a:r>
+              <a:rPr lang="de-DE" dirty="0" smtClean="0"/>
+              <a:t>?</a:t>
+            </a:r>
+            <a:endParaRPr lang="de-DE" dirty="0"/>
+          </a:p>
+        </p:txBody>
+      </p:sp>
+      <p:sp>
+        <p:nvSpPr>
+          <p:cNvPr id="13315" name="Textplatzhalter 5"/>
+          <p:cNvSpPr>
+            <a:spLocks noGrp="1"/>
+          </p:cNvSpPr>
+          <p:nvPr>
+            <p:ph type="body" idx="1"/>
+          </p:nvPr>
+        </p:nvSpPr>
+        <p:spPr/>
+        <p:txBody>
+          <a:bodyPr/>
+          <a:lstStyle/>
+          <a:p>
+            <a:endParaRPr lang="de-DE" smtClean="0">
+              <a:ea typeface="ヒラギノ角ゴ Pro W3" charset="-128"/>
+            </a:endParaRPr>
+          </a:p>
+        </p:txBody>
+      </p:sp>
+    </p:spTree>
+  </p:cSld>
+  <p:clrMapOvr>
+    <a:masterClrMapping/>
+  </p:clrMapOvr>
+  <p:transition>
+    <p:wipe/>
+  </p:transition>
+  <p:timing>
+    <p:tnLst>
+      <p:par>
+        <p:cTn id="1" dur="indefinite" restart="never" nodeType="tmRoot"/>
+      </p:par>
+    </p:tnLst>
+  </p:timing>
+</p:sld>
+</file>
+
+<file path=ppt/slides/slide61.xml><?xml version="1.0" encoding="utf-8"?>
 <p:sld xmlns:a="http://schemas.openxmlformats.org/drawingml/2006/main" xmlns:r="http://schemas.openxmlformats.org/officeDocument/2006/relationships" xmlns:p="http://schemas.openxmlformats.org/presentationml/2006/main" showMasterSp="0">
   <p:cSld>
     <p:bg>
